--- a/tamil_biology/12th_Bio_Botany_Tamil_U02.pptx
+++ b/tamil_biology/12th_Bio_Botany_Tamil_U02.pptx
@@ -5,107 +5,107 @@
     <p:sldMasterId id="2147483648" r:id="rId1"/>
   </p:sldMasterIdLst>
   <p:sldIdLst>
-    <p:sldId id="256" r:id="rId2"/>
-    <p:sldId id="257" r:id="rId3"/>
-    <p:sldId id="258" r:id="rId4"/>
-    <p:sldId id="259" r:id="rId5"/>
-    <p:sldId id="260" r:id="rId6"/>
-    <p:sldId id="261" r:id="rId7"/>
-    <p:sldId id="262" r:id="rId8"/>
-    <p:sldId id="263" r:id="rId9"/>
-    <p:sldId id="264" r:id="rId10"/>
-    <p:sldId id="265" r:id="rId11"/>
-    <p:sldId id="266" r:id="rId12"/>
-    <p:sldId id="267" r:id="rId13"/>
-    <p:sldId id="268" r:id="rId14"/>
-    <p:sldId id="269" r:id="rId15"/>
-    <p:sldId id="270" r:id="rId16"/>
-    <p:sldId id="271" r:id="rId17"/>
-    <p:sldId id="272" r:id="rId18"/>
-    <p:sldId id="273" r:id="rId19"/>
-    <p:sldId id="274" r:id="rId20"/>
-    <p:sldId id="275" r:id="rId21"/>
-    <p:sldId id="276" r:id="rId22"/>
-    <p:sldId id="277" r:id="rId23"/>
-    <p:sldId id="278" r:id="rId24"/>
-    <p:sldId id="279" r:id="rId25"/>
-    <p:sldId id="280" r:id="rId26"/>
-    <p:sldId id="281" r:id="rId27"/>
-    <p:sldId id="282" r:id="rId28"/>
-    <p:sldId id="283" r:id="rId29"/>
-    <p:sldId id="284" r:id="rId30"/>
-    <p:sldId id="285" r:id="rId31"/>
-    <p:sldId id="286" r:id="rId32"/>
-    <p:sldId id="287" r:id="rId33"/>
-    <p:sldId id="288" r:id="rId34"/>
-    <p:sldId id="289" r:id="rId35"/>
-    <p:sldId id="290" r:id="rId36"/>
-    <p:sldId id="291" r:id="rId37"/>
-    <p:sldId id="292" r:id="rId38"/>
-    <p:sldId id="293" r:id="rId39"/>
-    <p:sldId id="294" r:id="rId40"/>
-    <p:sldId id="295" r:id="rId41"/>
-    <p:sldId id="296" r:id="rId42"/>
-    <p:sldId id="297" r:id="rId43"/>
-    <p:sldId id="298" r:id="rId44"/>
-    <p:sldId id="299" r:id="rId45"/>
-    <p:sldId id="300" r:id="rId46"/>
-    <p:sldId id="301" r:id="rId47"/>
-    <p:sldId id="302" r:id="rId48"/>
-    <p:sldId id="303" r:id="rId49"/>
-    <p:sldId id="304" r:id="rId50"/>
-    <p:sldId id="305" r:id="rId51"/>
-    <p:sldId id="306" r:id="rId52"/>
-    <p:sldId id="307" r:id="rId53"/>
-    <p:sldId id="308" r:id="rId54"/>
-    <p:sldId id="309" r:id="rId55"/>
-    <p:sldId id="310" r:id="rId56"/>
-    <p:sldId id="311" r:id="rId57"/>
-    <p:sldId id="312" r:id="rId58"/>
-    <p:sldId id="313" r:id="rId59"/>
-    <p:sldId id="314" r:id="rId60"/>
-    <p:sldId id="315" r:id="rId61"/>
-    <p:sldId id="316" r:id="rId62"/>
-    <p:sldId id="317" r:id="rId63"/>
-    <p:sldId id="318" r:id="rId64"/>
-    <p:sldId id="319" r:id="rId65"/>
-    <p:sldId id="320" r:id="rId66"/>
-    <p:sldId id="321" r:id="rId67"/>
-    <p:sldId id="322" r:id="rId68"/>
-    <p:sldId id="323" r:id="rId69"/>
-    <p:sldId id="324" r:id="rId70"/>
-    <p:sldId id="325" r:id="rId71"/>
-    <p:sldId id="326" r:id="rId72"/>
-    <p:sldId id="327" r:id="rId73"/>
-    <p:sldId id="328" r:id="rId74"/>
-    <p:sldId id="329" r:id="rId75"/>
-    <p:sldId id="330" r:id="rId76"/>
-    <p:sldId id="331" r:id="rId77"/>
-    <p:sldId id="332" r:id="rId78"/>
-    <p:sldId id="333" r:id="rId79"/>
-    <p:sldId id="334" r:id="rId80"/>
-    <p:sldId id="335" r:id="rId81"/>
-    <p:sldId id="336" r:id="rId82"/>
-    <p:sldId id="337" r:id="rId83"/>
-    <p:sldId id="338" r:id="rId84"/>
-    <p:sldId id="339" r:id="rId85"/>
-    <p:sldId id="340" r:id="rId86"/>
-    <p:sldId id="341" r:id="rId87"/>
-    <p:sldId id="342" r:id="rId88"/>
-    <p:sldId id="343" r:id="rId89"/>
-    <p:sldId id="344" r:id="rId90"/>
-    <p:sldId id="345" r:id="rId91"/>
-    <p:sldId id="346" r:id="rId92"/>
-    <p:sldId id="347" r:id="rId93"/>
-    <p:sldId id="348" r:id="rId94"/>
-    <p:sldId id="349" r:id="rId95"/>
-    <p:sldId id="357" r:id="rId96"/>
-    <p:sldId id="351" r:id="rId97"/>
-    <p:sldId id="352" r:id="rId98"/>
-    <p:sldId id="353" r:id="rId99"/>
-    <p:sldId id="354" r:id="rId100"/>
-    <p:sldId id="355" r:id="rId101"/>
-    <p:sldId id="356" r:id="rId102"/>
+    <p:sldId id="256" r:id="rId7"/>
+    <p:sldId id="257" r:id="rId8"/>
+    <p:sldId id="258" r:id="rId9"/>
+    <p:sldId id="259" r:id="rId10"/>
+    <p:sldId id="260" r:id="rId11"/>
+    <p:sldId id="261" r:id="rId12"/>
+    <p:sldId id="262" r:id="rId13"/>
+    <p:sldId id="263" r:id="rId14"/>
+    <p:sldId id="264" r:id="rId15"/>
+    <p:sldId id="265" r:id="rId16"/>
+    <p:sldId id="266" r:id="rId17"/>
+    <p:sldId id="267" r:id="rId18"/>
+    <p:sldId id="268" r:id="rId19"/>
+    <p:sldId id="269" r:id="rId20"/>
+    <p:sldId id="270" r:id="rId21"/>
+    <p:sldId id="271" r:id="rId22"/>
+    <p:sldId id="272" r:id="rId23"/>
+    <p:sldId id="273" r:id="rId24"/>
+    <p:sldId id="274" r:id="rId25"/>
+    <p:sldId id="275" r:id="rId26"/>
+    <p:sldId id="276" r:id="rId27"/>
+    <p:sldId id="277" r:id="rId28"/>
+    <p:sldId id="278" r:id="rId29"/>
+    <p:sldId id="279" r:id="rId30"/>
+    <p:sldId id="280" r:id="rId31"/>
+    <p:sldId id="281" r:id="rId32"/>
+    <p:sldId id="282" r:id="rId33"/>
+    <p:sldId id="283" r:id="rId34"/>
+    <p:sldId id="284" r:id="rId35"/>
+    <p:sldId id="285" r:id="rId36"/>
+    <p:sldId id="286" r:id="rId37"/>
+    <p:sldId id="287" r:id="rId38"/>
+    <p:sldId id="288" r:id="rId39"/>
+    <p:sldId id="289" r:id="rId40"/>
+    <p:sldId id="290" r:id="rId41"/>
+    <p:sldId id="291" r:id="rId42"/>
+    <p:sldId id="292" r:id="rId43"/>
+    <p:sldId id="293" r:id="rId44"/>
+    <p:sldId id="294" r:id="rId45"/>
+    <p:sldId id="295" r:id="rId46"/>
+    <p:sldId id="296" r:id="rId47"/>
+    <p:sldId id="297" r:id="rId48"/>
+    <p:sldId id="298" r:id="rId49"/>
+    <p:sldId id="299" r:id="rId50"/>
+    <p:sldId id="300" r:id="rId51"/>
+    <p:sldId id="301" r:id="rId52"/>
+    <p:sldId id="302" r:id="rId53"/>
+    <p:sldId id="303" r:id="rId54"/>
+    <p:sldId id="304" r:id="rId55"/>
+    <p:sldId id="305" r:id="rId56"/>
+    <p:sldId id="306" r:id="rId57"/>
+    <p:sldId id="307" r:id="rId58"/>
+    <p:sldId id="308" r:id="rId59"/>
+    <p:sldId id="309" r:id="rId60"/>
+    <p:sldId id="310" r:id="rId61"/>
+    <p:sldId id="311" r:id="rId62"/>
+    <p:sldId id="312" r:id="rId63"/>
+    <p:sldId id="313" r:id="rId64"/>
+    <p:sldId id="314" r:id="rId65"/>
+    <p:sldId id="315" r:id="rId66"/>
+    <p:sldId id="316" r:id="rId67"/>
+    <p:sldId id="317" r:id="rId68"/>
+    <p:sldId id="318" r:id="rId69"/>
+    <p:sldId id="319" r:id="rId70"/>
+    <p:sldId id="320" r:id="rId71"/>
+    <p:sldId id="321" r:id="rId72"/>
+    <p:sldId id="322" r:id="rId73"/>
+    <p:sldId id="323" r:id="rId74"/>
+    <p:sldId id="324" r:id="rId75"/>
+    <p:sldId id="325" r:id="rId76"/>
+    <p:sldId id="326" r:id="rId77"/>
+    <p:sldId id="327" r:id="rId78"/>
+    <p:sldId id="328" r:id="rId79"/>
+    <p:sldId id="329" r:id="rId80"/>
+    <p:sldId id="330" r:id="rId81"/>
+    <p:sldId id="331" r:id="rId82"/>
+    <p:sldId id="332" r:id="rId83"/>
+    <p:sldId id="333" r:id="rId84"/>
+    <p:sldId id="334" r:id="rId85"/>
+    <p:sldId id="335" r:id="rId86"/>
+    <p:sldId id="336" r:id="rId87"/>
+    <p:sldId id="337" r:id="rId88"/>
+    <p:sldId id="338" r:id="rId89"/>
+    <p:sldId id="339" r:id="rId90"/>
+    <p:sldId id="340" r:id="rId91"/>
+    <p:sldId id="341" r:id="rId92"/>
+    <p:sldId id="342" r:id="rId93"/>
+    <p:sldId id="343" r:id="rId94"/>
+    <p:sldId id="344" r:id="rId95"/>
+    <p:sldId id="345" r:id="rId96"/>
+    <p:sldId id="346" r:id="rId97"/>
+    <p:sldId id="347" r:id="rId98"/>
+    <p:sldId id="348" r:id="rId99"/>
+    <p:sldId id="349" r:id="rId100"/>
+    <p:sldId id="350" r:id="rId101"/>
+    <p:sldId id="351" r:id="rId102"/>
+    <p:sldId id="352" r:id="rId103"/>
+    <p:sldId id="353" r:id="rId104"/>
+    <p:sldId id="354" r:id="rId105"/>
+    <p:sldId id="355" r:id="rId106"/>
+    <p:sldId id="356" r:id="rId107"/>
   </p:sldIdLst>
   <p:sldSz cx="9144000" cy="6858000" type="screen4x3"/>
   <p:notesSz cx="6858000" cy="9144000"/>
@@ -204,22 +204,6 @@
       </a:defRPr>
     </a:lvl9pPr>
   </p:defaultTextStyle>
-  <p:extLst>
-    <p:ext uri="{EFAFB233-063F-42B5-8137-9DF3F51BA10A}">
-      <p15:sldGuideLst xmlns:p15="http://schemas.microsoft.com/office/powerpoint/2012/main">
-        <p15:guide id="1" orient="horz" pos="2160">
-          <p15:clr>
-            <a:srgbClr val="A4A3A4"/>
-          </p15:clr>
-        </p15:guide>
-        <p15:guide id="2" pos="2880">
-          <p15:clr>
-            <a:srgbClr val="A4A3A4"/>
-          </p15:clr>
-        </p15:guide>
-      </p15:sldGuideLst>
-    </p:ext>
-  </p:extLst>
 </p:presentation>
 </file>
 
@@ -261,9 +245,10 @@
           <a:lstStyle/>
           <a:p>
             <a:r>
-              <a:rPr lang="en-US"/>
+              <a:rPr lang="en-US" smtClean="0"/>
               <a:t>Click to edit Master title style</a:t>
             </a:r>
+            <a:endParaRPr lang="en-US"/>
           </a:p>
         </p:txBody>
       </p:sp>
@@ -379,9 +364,10 @@
           </a:lstStyle>
           <a:p>
             <a:r>
-              <a:rPr lang="en-US"/>
+              <a:rPr lang="en-US" smtClean="0"/>
               <a:t>Click to edit Master subtitle style</a:t>
             </a:r>
+            <a:endParaRPr lang="en-US"/>
           </a:p>
         </p:txBody>
       </p:sp>
@@ -402,7 +388,7 @@
           <a:p>
             <a:fld id="{5BCAD085-E8A6-8845-BD4E-CB4CCA059FC4}" type="datetimeFigureOut">
               <a:rPr lang="en-US" smtClean="0"/>
-              <a:t>9/6/2020</a:t>
+              <a:t>1/27/13</a:t>
             </a:fld>
             <a:endParaRPr lang="en-US"/>
           </a:p>
@@ -496,9 +482,10 @@
           <a:lstStyle/>
           <a:p>
             <a:r>
-              <a:rPr lang="en-US"/>
+              <a:rPr lang="en-US" smtClean="0"/>
               <a:t>Click to edit Master title style</a:t>
             </a:r>
+            <a:endParaRPr lang="en-US"/>
           </a:p>
         </p:txBody>
       </p:sp>
@@ -519,37 +506,38 @@
           <a:p>
             <a:pPr lvl="0"/>
             <a:r>
-              <a:rPr lang="en-US"/>
+              <a:rPr lang="en-US" smtClean="0"/>
               <a:t>Click to edit Master text styles</a:t>
             </a:r>
           </a:p>
           <a:p>
             <a:pPr lvl="1"/>
             <a:r>
-              <a:rPr lang="en-US"/>
+              <a:rPr lang="en-US" smtClean="0"/>
               <a:t>Second level</a:t>
             </a:r>
           </a:p>
           <a:p>
             <a:pPr lvl="2"/>
             <a:r>
-              <a:rPr lang="en-US"/>
+              <a:rPr lang="en-US" smtClean="0"/>
               <a:t>Third level</a:t>
             </a:r>
           </a:p>
           <a:p>
             <a:pPr lvl="3"/>
             <a:r>
-              <a:rPr lang="en-US"/>
+              <a:rPr lang="en-US" smtClean="0"/>
               <a:t>Fourth level</a:t>
             </a:r>
           </a:p>
           <a:p>
             <a:pPr lvl="4"/>
             <a:r>
-              <a:rPr lang="en-US"/>
+              <a:rPr lang="en-US" smtClean="0"/>
               <a:t>Fifth level</a:t>
             </a:r>
+            <a:endParaRPr lang="en-US"/>
           </a:p>
         </p:txBody>
       </p:sp>
@@ -570,7 +558,7 @@
           <a:p>
             <a:fld id="{5BCAD085-E8A6-8845-BD4E-CB4CCA059FC4}" type="datetimeFigureOut">
               <a:rPr lang="en-US" smtClean="0"/>
-              <a:t>9/6/2020</a:t>
+              <a:t>1/27/13</a:t>
             </a:fld>
             <a:endParaRPr lang="en-US"/>
           </a:p>
@@ -669,9 +657,10 @@
           <a:lstStyle/>
           <a:p>
             <a:r>
-              <a:rPr lang="en-US"/>
+              <a:rPr lang="en-US" smtClean="0"/>
               <a:t>Click to edit Master title style</a:t>
             </a:r>
+            <a:endParaRPr lang="en-US"/>
           </a:p>
         </p:txBody>
       </p:sp>
@@ -697,37 +686,38 @@
           <a:p>
             <a:pPr lvl="0"/>
             <a:r>
-              <a:rPr lang="en-US"/>
+              <a:rPr lang="en-US" smtClean="0"/>
               <a:t>Click to edit Master text styles</a:t>
             </a:r>
           </a:p>
           <a:p>
             <a:pPr lvl="1"/>
             <a:r>
-              <a:rPr lang="en-US"/>
+              <a:rPr lang="en-US" smtClean="0"/>
               <a:t>Second level</a:t>
             </a:r>
           </a:p>
           <a:p>
             <a:pPr lvl="2"/>
             <a:r>
-              <a:rPr lang="en-US"/>
+              <a:rPr lang="en-US" smtClean="0"/>
               <a:t>Third level</a:t>
             </a:r>
           </a:p>
           <a:p>
             <a:pPr lvl="3"/>
             <a:r>
-              <a:rPr lang="en-US"/>
+              <a:rPr lang="en-US" smtClean="0"/>
               <a:t>Fourth level</a:t>
             </a:r>
           </a:p>
           <a:p>
             <a:pPr lvl="4"/>
             <a:r>
-              <a:rPr lang="en-US"/>
+              <a:rPr lang="en-US" smtClean="0"/>
               <a:t>Fifth level</a:t>
             </a:r>
+            <a:endParaRPr lang="en-US"/>
           </a:p>
         </p:txBody>
       </p:sp>
@@ -748,7 +738,7 @@
           <a:p>
             <a:fld id="{5BCAD085-E8A6-8845-BD4E-CB4CCA059FC4}" type="datetimeFigureOut">
               <a:rPr lang="en-US" smtClean="0"/>
-              <a:t>9/6/2020</a:t>
+              <a:t>1/27/13</a:t>
             </a:fld>
             <a:endParaRPr lang="en-US"/>
           </a:p>
@@ -842,9 +832,10 @@
           <a:lstStyle/>
           <a:p>
             <a:r>
-              <a:rPr lang="en-US"/>
+              <a:rPr lang="en-US" smtClean="0"/>
               <a:t>Click to edit Master title style</a:t>
             </a:r>
+            <a:endParaRPr lang="en-US"/>
           </a:p>
         </p:txBody>
       </p:sp>
@@ -865,37 +856,38 @@
           <a:p>
             <a:pPr lvl="0"/>
             <a:r>
-              <a:rPr lang="en-US"/>
+              <a:rPr lang="en-US" smtClean="0"/>
               <a:t>Click to edit Master text styles</a:t>
             </a:r>
           </a:p>
           <a:p>
             <a:pPr lvl="1"/>
             <a:r>
-              <a:rPr lang="en-US"/>
+              <a:rPr lang="en-US" smtClean="0"/>
               <a:t>Second level</a:t>
             </a:r>
           </a:p>
           <a:p>
             <a:pPr lvl="2"/>
             <a:r>
-              <a:rPr lang="en-US"/>
+              <a:rPr lang="en-US" smtClean="0"/>
               <a:t>Third level</a:t>
             </a:r>
           </a:p>
           <a:p>
             <a:pPr lvl="3"/>
             <a:r>
-              <a:rPr lang="en-US"/>
+              <a:rPr lang="en-US" smtClean="0"/>
               <a:t>Fourth level</a:t>
             </a:r>
           </a:p>
           <a:p>
             <a:pPr lvl="4"/>
             <a:r>
-              <a:rPr lang="en-US"/>
+              <a:rPr lang="en-US" smtClean="0"/>
               <a:t>Fifth level</a:t>
             </a:r>
+            <a:endParaRPr lang="en-US"/>
           </a:p>
         </p:txBody>
       </p:sp>
@@ -916,7 +908,7 @@
           <a:p>
             <a:fld id="{5BCAD085-E8A6-8845-BD4E-CB4CCA059FC4}" type="datetimeFigureOut">
               <a:rPr lang="en-US" smtClean="0"/>
-              <a:t>9/6/2020</a:t>
+              <a:t>1/27/13</a:t>
             </a:fld>
             <a:endParaRPr lang="en-US"/>
           </a:p>
@@ -1019,9 +1011,10 @@
           </a:lstStyle>
           <a:p>
             <a:r>
-              <a:rPr lang="en-US"/>
+              <a:rPr lang="en-US" smtClean="0"/>
               <a:t>Click to edit Master title style</a:t>
             </a:r>
+            <a:endParaRPr lang="en-US"/>
           </a:p>
         </p:txBody>
       </p:sp>
@@ -1138,7 +1131,7 @@
           <a:p>
             <a:pPr lvl="0"/>
             <a:r>
-              <a:rPr lang="en-US"/>
+              <a:rPr lang="en-US" smtClean="0"/>
               <a:t>Click to edit Master text styles</a:t>
             </a:r>
           </a:p>
@@ -1161,7 +1154,7 @@
           <a:p>
             <a:fld id="{5BCAD085-E8A6-8845-BD4E-CB4CCA059FC4}" type="datetimeFigureOut">
               <a:rPr lang="en-US" smtClean="0"/>
-              <a:t>9/6/2020</a:t>
+              <a:t>1/27/13</a:t>
             </a:fld>
             <a:endParaRPr lang="en-US"/>
           </a:p>
@@ -1255,9 +1248,10 @@
           <a:lstStyle/>
           <a:p>
             <a:r>
-              <a:rPr lang="en-US"/>
+              <a:rPr lang="en-US" smtClean="0"/>
               <a:t>Click to edit Master title style</a:t>
             </a:r>
+            <a:endParaRPr lang="en-US"/>
           </a:p>
         </p:txBody>
       </p:sp>
@@ -1311,37 +1305,38 @@
           <a:p>
             <a:pPr lvl="0"/>
             <a:r>
-              <a:rPr lang="en-US"/>
+              <a:rPr lang="en-US" smtClean="0"/>
               <a:t>Click to edit Master text styles</a:t>
             </a:r>
           </a:p>
           <a:p>
             <a:pPr lvl="1"/>
             <a:r>
-              <a:rPr lang="en-US"/>
+              <a:rPr lang="en-US" smtClean="0"/>
               <a:t>Second level</a:t>
             </a:r>
           </a:p>
           <a:p>
             <a:pPr lvl="2"/>
             <a:r>
-              <a:rPr lang="en-US"/>
+              <a:rPr lang="en-US" smtClean="0"/>
               <a:t>Third level</a:t>
             </a:r>
           </a:p>
           <a:p>
             <a:pPr lvl="3"/>
             <a:r>
-              <a:rPr lang="en-US"/>
+              <a:rPr lang="en-US" smtClean="0"/>
               <a:t>Fourth level</a:t>
             </a:r>
           </a:p>
           <a:p>
             <a:pPr lvl="4"/>
             <a:r>
-              <a:rPr lang="en-US"/>
+              <a:rPr lang="en-US" smtClean="0"/>
               <a:t>Fifth level</a:t>
             </a:r>
+            <a:endParaRPr lang="en-US"/>
           </a:p>
         </p:txBody>
       </p:sp>
@@ -1395,37 +1390,38 @@
           <a:p>
             <a:pPr lvl="0"/>
             <a:r>
-              <a:rPr lang="en-US"/>
+              <a:rPr lang="en-US" smtClean="0"/>
               <a:t>Click to edit Master text styles</a:t>
             </a:r>
           </a:p>
           <a:p>
             <a:pPr lvl="1"/>
             <a:r>
-              <a:rPr lang="en-US"/>
+              <a:rPr lang="en-US" smtClean="0"/>
               <a:t>Second level</a:t>
             </a:r>
           </a:p>
           <a:p>
             <a:pPr lvl="2"/>
             <a:r>
-              <a:rPr lang="en-US"/>
+              <a:rPr lang="en-US" smtClean="0"/>
               <a:t>Third level</a:t>
             </a:r>
           </a:p>
           <a:p>
             <a:pPr lvl="3"/>
             <a:r>
-              <a:rPr lang="en-US"/>
+              <a:rPr lang="en-US" smtClean="0"/>
               <a:t>Fourth level</a:t>
             </a:r>
           </a:p>
           <a:p>
             <a:pPr lvl="4"/>
             <a:r>
-              <a:rPr lang="en-US"/>
+              <a:rPr lang="en-US" smtClean="0"/>
               <a:t>Fifth level</a:t>
             </a:r>
+            <a:endParaRPr lang="en-US"/>
           </a:p>
         </p:txBody>
       </p:sp>
@@ -1446,7 +1442,7 @@
           <a:p>
             <a:fld id="{5BCAD085-E8A6-8845-BD4E-CB4CCA059FC4}" type="datetimeFigureOut">
               <a:rPr lang="en-US" smtClean="0"/>
-              <a:t>9/6/2020</a:t>
+              <a:t>1/27/13</a:t>
             </a:fld>
             <a:endParaRPr lang="en-US"/>
           </a:p>
@@ -1544,9 +1540,10 @@
           </a:lstStyle>
           <a:p>
             <a:r>
-              <a:rPr lang="en-US"/>
+              <a:rPr lang="en-US" smtClean="0"/>
               <a:t>Click to edit Master title style</a:t>
             </a:r>
+            <a:endParaRPr lang="en-US"/>
           </a:p>
         </p:txBody>
       </p:sp>
@@ -1609,7 +1606,7 @@
           <a:p>
             <a:pPr lvl="0"/>
             <a:r>
-              <a:rPr lang="en-US"/>
+              <a:rPr lang="en-US" smtClean="0"/>
               <a:t>Click to edit Master text styles</a:t>
             </a:r>
           </a:p>
@@ -1665,37 +1662,38 @@
           <a:p>
             <a:pPr lvl="0"/>
             <a:r>
-              <a:rPr lang="en-US"/>
+              <a:rPr lang="en-US" smtClean="0"/>
               <a:t>Click to edit Master text styles</a:t>
             </a:r>
           </a:p>
           <a:p>
             <a:pPr lvl="1"/>
             <a:r>
-              <a:rPr lang="en-US"/>
+              <a:rPr lang="en-US" smtClean="0"/>
               <a:t>Second level</a:t>
             </a:r>
           </a:p>
           <a:p>
             <a:pPr lvl="2"/>
             <a:r>
-              <a:rPr lang="en-US"/>
+              <a:rPr lang="en-US" smtClean="0"/>
               <a:t>Third level</a:t>
             </a:r>
           </a:p>
           <a:p>
             <a:pPr lvl="3"/>
             <a:r>
-              <a:rPr lang="en-US"/>
+              <a:rPr lang="en-US" smtClean="0"/>
               <a:t>Fourth level</a:t>
             </a:r>
           </a:p>
           <a:p>
             <a:pPr lvl="4"/>
             <a:r>
-              <a:rPr lang="en-US"/>
+              <a:rPr lang="en-US" smtClean="0"/>
               <a:t>Fifth level</a:t>
             </a:r>
+            <a:endParaRPr lang="en-US"/>
           </a:p>
         </p:txBody>
       </p:sp>
@@ -1758,7 +1756,7 @@
           <a:p>
             <a:pPr lvl="0"/>
             <a:r>
-              <a:rPr lang="en-US"/>
+              <a:rPr lang="en-US" smtClean="0"/>
               <a:t>Click to edit Master text styles</a:t>
             </a:r>
           </a:p>
@@ -1814,37 +1812,38 @@
           <a:p>
             <a:pPr lvl="0"/>
             <a:r>
-              <a:rPr lang="en-US"/>
+              <a:rPr lang="en-US" smtClean="0"/>
               <a:t>Click to edit Master text styles</a:t>
             </a:r>
           </a:p>
           <a:p>
             <a:pPr lvl="1"/>
             <a:r>
-              <a:rPr lang="en-US"/>
+              <a:rPr lang="en-US" smtClean="0"/>
               <a:t>Second level</a:t>
             </a:r>
           </a:p>
           <a:p>
             <a:pPr lvl="2"/>
             <a:r>
-              <a:rPr lang="en-US"/>
+              <a:rPr lang="en-US" smtClean="0"/>
               <a:t>Third level</a:t>
             </a:r>
           </a:p>
           <a:p>
             <a:pPr lvl="3"/>
             <a:r>
-              <a:rPr lang="en-US"/>
+              <a:rPr lang="en-US" smtClean="0"/>
               <a:t>Fourth level</a:t>
             </a:r>
           </a:p>
           <a:p>
             <a:pPr lvl="4"/>
             <a:r>
-              <a:rPr lang="en-US"/>
+              <a:rPr lang="en-US" smtClean="0"/>
               <a:t>Fifth level</a:t>
             </a:r>
+            <a:endParaRPr lang="en-US"/>
           </a:p>
         </p:txBody>
       </p:sp>
@@ -1865,7 +1864,7 @@
           <a:p>
             <a:fld id="{5BCAD085-E8A6-8845-BD4E-CB4CCA059FC4}" type="datetimeFigureOut">
               <a:rPr lang="en-US" smtClean="0"/>
-              <a:t>9/6/2020</a:t>
+              <a:t>1/27/13</a:t>
             </a:fld>
             <a:endParaRPr lang="en-US"/>
           </a:p>
@@ -1959,9 +1958,10 @@
           <a:lstStyle/>
           <a:p>
             <a:r>
-              <a:rPr lang="en-US"/>
+              <a:rPr lang="en-US" smtClean="0"/>
               <a:t>Click to edit Master title style</a:t>
             </a:r>
+            <a:endParaRPr lang="en-US"/>
           </a:p>
         </p:txBody>
       </p:sp>
@@ -1982,7 +1982,7 @@
           <a:p>
             <a:fld id="{5BCAD085-E8A6-8845-BD4E-CB4CCA059FC4}" type="datetimeFigureOut">
               <a:rPr lang="en-US" smtClean="0"/>
-              <a:t>9/6/2020</a:t>
+              <a:t>1/27/13</a:t>
             </a:fld>
             <a:endParaRPr lang="en-US"/>
           </a:p>
@@ -2077,7 +2077,7 @@
           <a:p>
             <a:fld id="{5BCAD085-E8A6-8845-BD4E-CB4CCA059FC4}" type="datetimeFigureOut">
               <a:rPr lang="en-US" smtClean="0"/>
-              <a:t>9/6/2020</a:t>
+              <a:t>1/27/13</a:t>
             </a:fld>
             <a:endParaRPr lang="en-US"/>
           </a:p>
@@ -2180,9 +2180,10 @@
           </a:lstStyle>
           <a:p>
             <a:r>
-              <a:rPr lang="en-US"/>
+              <a:rPr lang="en-US" smtClean="0"/>
               <a:t>Click to edit Master title style</a:t>
             </a:r>
+            <a:endParaRPr lang="en-US"/>
           </a:p>
         </p:txBody>
       </p:sp>
@@ -2236,37 +2237,38 @@
           <a:p>
             <a:pPr lvl="0"/>
             <a:r>
-              <a:rPr lang="en-US"/>
+              <a:rPr lang="en-US" smtClean="0"/>
               <a:t>Click to edit Master text styles</a:t>
             </a:r>
           </a:p>
           <a:p>
             <a:pPr lvl="1"/>
             <a:r>
-              <a:rPr lang="en-US"/>
+              <a:rPr lang="en-US" smtClean="0"/>
               <a:t>Second level</a:t>
             </a:r>
           </a:p>
           <a:p>
             <a:pPr lvl="2"/>
             <a:r>
-              <a:rPr lang="en-US"/>
+              <a:rPr lang="en-US" smtClean="0"/>
               <a:t>Third level</a:t>
             </a:r>
           </a:p>
           <a:p>
             <a:pPr lvl="3"/>
             <a:r>
-              <a:rPr lang="en-US"/>
+              <a:rPr lang="en-US" smtClean="0"/>
               <a:t>Fourth level</a:t>
             </a:r>
           </a:p>
           <a:p>
             <a:pPr lvl="4"/>
             <a:r>
-              <a:rPr lang="en-US"/>
+              <a:rPr lang="en-US" smtClean="0"/>
               <a:t>Fifth level</a:t>
             </a:r>
+            <a:endParaRPr lang="en-US"/>
           </a:p>
         </p:txBody>
       </p:sp>
@@ -2329,7 +2331,7 @@
           <a:p>
             <a:pPr lvl="0"/>
             <a:r>
-              <a:rPr lang="en-US"/>
+              <a:rPr lang="en-US" smtClean="0"/>
               <a:t>Click to edit Master text styles</a:t>
             </a:r>
           </a:p>
@@ -2352,7 +2354,7 @@
           <a:p>
             <a:fld id="{5BCAD085-E8A6-8845-BD4E-CB4CCA059FC4}" type="datetimeFigureOut">
               <a:rPr lang="en-US" smtClean="0"/>
-              <a:t>9/6/2020</a:t>
+              <a:t>1/27/13</a:t>
             </a:fld>
             <a:endParaRPr lang="en-US"/>
           </a:p>
@@ -2455,9 +2457,10 @@
           </a:lstStyle>
           <a:p>
             <a:r>
-              <a:rPr lang="en-US"/>
+              <a:rPr lang="en-US" smtClean="0"/>
               <a:t>Click to edit Master title style</a:t>
             </a:r>
+            <a:endParaRPr lang="en-US"/>
           </a:p>
         </p:txBody>
       </p:sp>
@@ -2581,7 +2584,7 @@
           <a:p>
             <a:pPr lvl="0"/>
             <a:r>
-              <a:rPr lang="en-US"/>
+              <a:rPr lang="en-US" smtClean="0"/>
               <a:t>Click to edit Master text styles</a:t>
             </a:r>
           </a:p>
@@ -2604,7 +2607,7 @@
           <a:p>
             <a:fld id="{5BCAD085-E8A6-8845-BD4E-CB4CCA059FC4}" type="datetimeFigureOut">
               <a:rPr lang="en-US" smtClean="0"/>
-              <a:t>9/6/2020</a:t>
+              <a:t>1/27/13</a:t>
             </a:fld>
             <a:endParaRPr lang="en-US"/>
           </a:p>
@@ -2713,9 +2716,10 @@
           <a:lstStyle/>
           <a:p>
             <a:r>
-              <a:rPr lang="en-US"/>
+              <a:rPr lang="en-US" smtClean="0"/>
               <a:t>Click to edit Master title style</a:t>
             </a:r>
+            <a:endParaRPr lang="en-US"/>
           </a:p>
         </p:txBody>
       </p:sp>
@@ -2746,37 +2750,38 @@
           <a:p>
             <a:pPr lvl="0"/>
             <a:r>
-              <a:rPr lang="en-US"/>
+              <a:rPr lang="en-US" smtClean="0"/>
               <a:t>Click to edit Master text styles</a:t>
             </a:r>
           </a:p>
           <a:p>
             <a:pPr lvl="1"/>
             <a:r>
-              <a:rPr lang="en-US"/>
+              <a:rPr lang="en-US" smtClean="0"/>
               <a:t>Second level</a:t>
             </a:r>
           </a:p>
           <a:p>
             <a:pPr lvl="2"/>
             <a:r>
-              <a:rPr lang="en-US"/>
+              <a:rPr lang="en-US" smtClean="0"/>
               <a:t>Third level</a:t>
             </a:r>
           </a:p>
           <a:p>
             <a:pPr lvl="3"/>
             <a:r>
-              <a:rPr lang="en-US"/>
+              <a:rPr lang="en-US" smtClean="0"/>
               <a:t>Fourth level</a:t>
             </a:r>
           </a:p>
           <a:p>
             <a:pPr lvl="4"/>
             <a:r>
-              <a:rPr lang="en-US"/>
+              <a:rPr lang="en-US" smtClean="0"/>
               <a:t>Fifth level</a:t>
             </a:r>
+            <a:endParaRPr lang="en-US"/>
           </a:p>
         </p:txBody>
       </p:sp>
@@ -2815,7 +2820,7 @@
           <a:p>
             <a:fld id="{5BCAD085-E8A6-8845-BD4E-CB4CCA059FC4}" type="datetimeFigureOut">
               <a:rPr lang="en-US" smtClean="0"/>
-              <a:t>9/6/2020</a:t>
+              <a:t>1/27/13</a:t>
             </a:fld>
             <a:endParaRPr lang="en-US"/>
           </a:p>
@@ -3174,7 +3179,7 @@
 </file>
 
 <file path=ppt/slides/slide1.xml><?xml version="1.0" encoding="utf-8"?>
-<p:sld xmlns:a="http://schemas.openxmlformats.org/drawingml/2006/main" xmlns:r="http://schemas.openxmlformats.org/officeDocument/2006/relationships" xmlns:p="http://schemas.openxmlformats.org/presentationml/2006/main">
+<p:sld xmlns:a="http://schemas.openxmlformats.org/drawingml/2006/main" xmlns:p="http://schemas.openxmlformats.org/presentationml/2006/main" xmlns:r="http://schemas.openxmlformats.org/officeDocument/2006/relationships">
   <p:cSld>
     <p:spTree>
       <p:nvGrpSpPr>
@@ -3182,14 +3187,7 @@
         <p:cNvGrpSpPr/>
         <p:nvPr/>
       </p:nvGrpSpPr>
-      <p:grpSpPr>
-        <a:xfrm>
-          <a:off x="0" y="0"/>
-          <a:ext cx="0" cy="0"/>
-          <a:chOff x="0" y="0"/>
-          <a:chExt cx="0" cy="0"/>
-        </a:xfrm>
-      </p:grpSpPr>
+      <p:grpSpPr/>
       <p:sp>
         <p:nvSpPr>
           <p:cNvPr id="2" name="Title 1"/>
@@ -3245,7 +3243,7 @@
 </file>
 
 <file path=ppt/slides/slide10.xml><?xml version="1.0" encoding="utf-8"?>
-<p:sld xmlns:a="http://schemas.openxmlformats.org/drawingml/2006/main" xmlns:r="http://schemas.openxmlformats.org/officeDocument/2006/relationships" xmlns:p="http://schemas.openxmlformats.org/presentationml/2006/main">
+<p:sld xmlns:a="http://schemas.openxmlformats.org/drawingml/2006/main" xmlns:p="http://schemas.openxmlformats.org/presentationml/2006/main" xmlns:r="http://schemas.openxmlformats.org/officeDocument/2006/relationships">
   <p:cSld>
     <p:spTree>
       <p:nvGrpSpPr>
@@ -3253,14 +3251,7 @@
         <p:cNvGrpSpPr/>
         <p:nvPr/>
       </p:nvGrpSpPr>
-      <p:grpSpPr>
-        <a:xfrm>
-          <a:off x="0" y="0"/>
-          <a:ext cx="0" cy="0"/>
-          <a:chOff x="0" y="0"/>
-          <a:chExt cx="0" cy="0"/>
-        </a:xfrm>
-      </p:grpSpPr>
+      <p:grpSpPr/>
       <p:sp>
         <p:nvSpPr>
           <p:cNvPr id="2" name="Rectangle 1"/>
@@ -3329,9 +3320,7 @@
             <a:spAutoFit/>
           </a:bodyPr>
           <a:lstStyle/>
-          <a:p>
-            <a:endParaRPr/>
-          </a:p>
+          <a:p/>
           <a:p>
             <a:pPr>
               <a:defRPr sz="2000" b="1">
@@ -3345,41 +3334,31 @@
               <a:t>Q - 5  ஒரு பிளியோட்ரோபிக் மரபணுவானது</a:t>
             </a:r>
           </a:p>
-          <a:p>
-            <a:endParaRPr/>
-          </a:p>
+          <a:p/>
           <a:p>
             <a:r>
               <a:t>AIPMT - 2015 – மறுதேர்வு</a:t>
             </a:r>
           </a:p>
-          <a:p>
-            <a:endParaRPr/>
-          </a:p>
+          <a:p/>
           <a:p>
             <a:r>
               <a:t>அ) ஒரு உயிரினத்தில் பல பண்புகளைக் கட்டுப்படுத்தும்</a:t>
             </a:r>
           </a:p>
-          <a:p>
-            <a:endParaRPr/>
-          </a:p>
+          <a:p/>
           <a:p>
             <a:r>
               <a:t>ஆ) தொன்மை தாவரங்களை மட்டும் வெளிப்படுத்த</a:t>
             </a:r>
           </a:p>
-          <a:p>
-            <a:endParaRPr/>
-          </a:p>
+          <a:p/>
           <a:p>
             <a:r>
               <a:t>இ) பிளியோசீன் காலத்திலிருந்து பரிணமித்த மரபணுவாகும்</a:t>
             </a:r>
           </a:p>
-          <a:p>
-            <a:endParaRPr/>
-          </a:p>
+          <a:p/>
           <a:p>
             <a:r>
               <a:t>ஈ) மற்றுமொரு  L மரபணு கூட்டமைப்பில் மட்டும் ஒரு பண்பைக் கட்டுப்படுத்தும்</a:t>
@@ -3424,7 +3403,7 @@
 </file>
 
 <file path=ppt/slides/slide100.xml><?xml version="1.0" encoding="utf-8"?>
-<p:sld xmlns:a="http://schemas.openxmlformats.org/drawingml/2006/main" xmlns:r="http://schemas.openxmlformats.org/officeDocument/2006/relationships" xmlns:p="http://schemas.openxmlformats.org/presentationml/2006/main">
+<p:sld xmlns:a="http://schemas.openxmlformats.org/drawingml/2006/main" xmlns:p="http://schemas.openxmlformats.org/presentationml/2006/main" xmlns:r="http://schemas.openxmlformats.org/officeDocument/2006/relationships">
   <p:cSld>
     <p:spTree>
       <p:nvGrpSpPr>
@@ -3432,14 +3411,7 @@
         <p:cNvGrpSpPr/>
         <p:nvPr/>
       </p:nvGrpSpPr>
-      <p:grpSpPr>
-        <a:xfrm>
-          <a:off x="0" y="0"/>
-          <a:ext cx="0" cy="0"/>
-          <a:chOff x="0" y="0"/>
-          <a:chExt cx="0" cy="0"/>
-        </a:xfrm>
-      </p:grpSpPr>
+      <p:grpSpPr/>
       <p:sp>
         <p:nvSpPr>
           <p:cNvPr id="2" name="Rectangle 1"/>
@@ -3508,9 +3480,7 @@
             <a:spAutoFit/>
           </a:bodyPr>
           <a:lstStyle/>
-          <a:p>
-            <a:endParaRPr/>
-          </a:p>
+          <a:p/>
           <a:p>
             <a:pPr>
               <a:defRPr sz="2000" b="1">
@@ -3524,41 +3494,31 @@
               <a:t>Q - 50  நடமாடும் மரபுப்பொருள் எனப்படுவது</a:t>
             </a:r>
           </a:p>
-          <a:p>
-            <a:endParaRPr/>
-          </a:p>
+          <a:p/>
           <a:p>
             <a:r>
               <a:t>JIPMER - 2014</a:t>
             </a:r>
           </a:p>
-          <a:p>
-            <a:endParaRPr/>
-          </a:p>
+          <a:p/>
           <a:p>
             <a:r>
               <a:t>அ) டிரான்ஸ்போசான்</a:t>
             </a:r>
           </a:p>
-          <a:p>
-            <a:endParaRPr/>
-          </a:p>
+          <a:p/>
           <a:p>
             <a:r>
               <a:t>ஆ) சடுதி மாற்றம்</a:t>
             </a:r>
           </a:p>
-          <a:p>
-            <a:endParaRPr/>
-          </a:p>
+          <a:p/>
           <a:p>
             <a:r>
               <a:t>இ) எண்டோ நியூக்ளியேஸ்</a:t>
             </a:r>
           </a:p>
-          <a:p>
-            <a:endParaRPr/>
-          </a:p>
+          <a:p/>
           <a:p>
             <a:r>
               <a:t>ஈ) வேறுபாடு</a:t>
@@ -3603,7 +3563,7 @@
 </file>
 
 <file path=ppt/slides/slide101.xml><?xml version="1.0" encoding="utf-8"?>
-<p:sld xmlns:a="http://schemas.openxmlformats.org/drawingml/2006/main" xmlns:r="http://schemas.openxmlformats.org/officeDocument/2006/relationships" xmlns:p="http://schemas.openxmlformats.org/presentationml/2006/main">
+<p:sld xmlns:a="http://schemas.openxmlformats.org/drawingml/2006/main" xmlns:p="http://schemas.openxmlformats.org/presentationml/2006/main" xmlns:r="http://schemas.openxmlformats.org/officeDocument/2006/relationships">
   <p:cSld>
     <p:spTree>
       <p:nvGrpSpPr>
@@ -3611,14 +3571,7 @@
         <p:cNvGrpSpPr/>
         <p:nvPr/>
       </p:nvGrpSpPr>
-      <p:grpSpPr>
-        <a:xfrm>
-          <a:off x="0" y="0"/>
-          <a:ext cx="0" cy="0"/>
-          <a:chOff x="0" y="0"/>
-          <a:chExt cx="0" cy="0"/>
-        </a:xfrm>
-      </p:grpSpPr>
+      <p:grpSpPr/>
       <p:sp>
         <p:nvSpPr>
           <p:cNvPr id="2" name="Rectangle 1"/>
@@ -3687,9 +3640,7 @@
             <a:spAutoFit/>
           </a:bodyPr>
           <a:lstStyle/>
-          <a:p>
-            <a:endParaRPr/>
-          </a:p>
+          <a:p/>
           <a:p>
             <a:pPr>
               <a:defRPr sz="2000" b="1">
@@ -3703,17 +3654,13 @@
               <a:t>Q - 50  நடமாடும் மரபுப்பொருள் எனப்படுவது</a:t>
             </a:r>
           </a:p>
-          <a:p>
-            <a:endParaRPr/>
-          </a:p>
+          <a:p/>
           <a:p>
             <a:r>
               <a:t>JIPMER - 2014</a:t>
             </a:r>
           </a:p>
-          <a:p>
-            <a:endParaRPr/>
-          </a:p>
+          <a:p/>
           <a:p>
             <a:pPr>
               <a:defRPr sz="2000" b="1">
@@ -3766,7 +3713,7 @@
 </file>
 
 <file path=ppt/slides/slide11.xml><?xml version="1.0" encoding="utf-8"?>
-<p:sld xmlns:a="http://schemas.openxmlformats.org/drawingml/2006/main" xmlns:r="http://schemas.openxmlformats.org/officeDocument/2006/relationships" xmlns:p="http://schemas.openxmlformats.org/presentationml/2006/main">
+<p:sld xmlns:a="http://schemas.openxmlformats.org/drawingml/2006/main" xmlns:p="http://schemas.openxmlformats.org/presentationml/2006/main" xmlns:r="http://schemas.openxmlformats.org/officeDocument/2006/relationships">
   <p:cSld>
     <p:spTree>
       <p:nvGrpSpPr>
@@ -3774,14 +3721,7 @@
         <p:cNvGrpSpPr/>
         <p:nvPr/>
       </p:nvGrpSpPr>
-      <p:grpSpPr>
-        <a:xfrm>
-          <a:off x="0" y="0"/>
-          <a:ext cx="0" cy="0"/>
-          <a:chOff x="0" y="0"/>
-          <a:chExt cx="0" cy="0"/>
-        </a:xfrm>
-      </p:grpSpPr>
+      <p:grpSpPr/>
       <p:sp>
         <p:nvSpPr>
           <p:cNvPr id="2" name="Rectangle 1"/>
@@ -3850,9 +3790,7 @@
             <a:spAutoFit/>
           </a:bodyPr>
           <a:lstStyle/>
-          <a:p>
-            <a:endParaRPr/>
-          </a:p>
+          <a:p/>
           <a:p>
             <a:pPr>
               <a:defRPr sz="2000" b="1">
@@ -3866,17 +3804,13 @@
               <a:t>Q - 5  ஒரு பிளியோட்ரோபிக் மரபணுவானது</a:t>
             </a:r>
           </a:p>
-          <a:p>
-            <a:endParaRPr/>
-          </a:p>
+          <a:p/>
           <a:p>
             <a:r>
               <a:t>AIPMT - 2015 – மறுதேர்வு</a:t>
             </a:r>
           </a:p>
-          <a:p>
-            <a:endParaRPr/>
-          </a:p>
+          <a:p/>
           <a:p>
             <a:pPr>
               <a:defRPr sz="2000" b="1">
@@ -3929,7 +3863,7 @@
 </file>
 
 <file path=ppt/slides/slide12.xml><?xml version="1.0" encoding="utf-8"?>
-<p:sld xmlns:a="http://schemas.openxmlformats.org/drawingml/2006/main" xmlns:r="http://schemas.openxmlformats.org/officeDocument/2006/relationships" xmlns:p="http://schemas.openxmlformats.org/presentationml/2006/main">
+<p:sld xmlns:a="http://schemas.openxmlformats.org/drawingml/2006/main" xmlns:p="http://schemas.openxmlformats.org/presentationml/2006/main" xmlns:r="http://schemas.openxmlformats.org/officeDocument/2006/relationships">
   <p:cSld>
     <p:spTree>
       <p:nvGrpSpPr>
@@ -3937,14 +3871,7 @@
         <p:cNvGrpSpPr/>
         <p:nvPr/>
       </p:nvGrpSpPr>
-      <p:grpSpPr>
-        <a:xfrm>
-          <a:off x="0" y="0"/>
-          <a:ext cx="0" cy="0"/>
-          <a:chOff x="0" y="0"/>
-          <a:chExt cx="0" cy="0"/>
-        </a:xfrm>
-      </p:grpSpPr>
+      <p:grpSpPr/>
       <p:sp>
         <p:nvSpPr>
           <p:cNvPr id="2" name="Rectangle 1"/>
@@ -4013,9 +3940,7 @@
             <a:spAutoFit/>
           </a:bodyPr>
           <a:lstStyle/>
-          <a:p>
-            <a:endParaRPr/>
-          </a:p>
+          <a:p/>
           <a:p>
             <a:pPr>
               <a:defRPr sz="2000" b="1">
@@ -4029,41 +3954,31 @@
               <a:t>Q - 6  ஒரு தூயகால்வழித் தாவரம் என்பது</a:t>
             </a:r>
           </a:p>
-          <a:p>
-            <a:endParaRPr/>
-          </a:p>
+          <a:p/>
           <a:p>
             <a:r>
               <a:t>NEET Phase II - 2016</a:t>
             </a:r>
           </a:p>
-          <a:p>
-            <a:endParaRPr/>
-          </a:p>
+          <a:p/>
           <a:p>
             <a:r>
               <a:t>அ) ஒத்த பண்பிணைவு மற்றும் தன்னை ஒத்த சந்ததி உருவாக்கம்</a:t>
             </a:r>
           </a:p>
-          <a:p>
-            <a:endParaRPr/>
-          </a:p>
+          <a:p/>
           <a:p>
             <a:r>
               <a:t>ஆ) எப்போதும் ஒடுங்குத்தன்மை ஒத்தப்பண்பிணைவு மரபிய கட்டமைப்பு</a:t>
             </a:r>
           </a:p>
-          <a:p>
-            <a:endParaRPr/>
-          </a:p>
+          <a:p/>
           <a:p>
             <a:r>
               <a:t>இ) ஒத்த வகைய பெருகவல்ல ஓரமைப்பு</a:t>
             </a:r>
           </a:p>
-          <a:p>
-            <a:endParaRPr/>
-          </a:p>
+          <a:p/>
           <a:p>
             <a:r>
               <a:t>ஈ) தொடர்பற்ற தாவரங்களுக்கிடையே அயல் மகரந்தச்சேர்க்கை மூலம் உருவாகும் தாவரம்</a:t>
@@ -4108,7 +4023,7 @@
 </file>
 
 <file path=ppt/slides/slide13.xml><?xml version="1.0" encoding="utf-8"?>
-<p:sld xmlns:a="http://schemas.openxmlformats.org/drawingml/2006/main" xmlns:r="http://schemas.openxmlformats.org/officeDocument/2006/relationships" xmlns:p="http://schemas.openxmlformats.org/presentationml/2006/main">
+<p:sld xmlns:a="http://schemas.openxmlformats.org/drawingml/2006/main" xmlns:p="http://schemas.openxmlformats.org/presentationml/2006/main" xmlns:r="http://schemas.openxmlformats.org/officeDocument/2006/relationships">
   <p:cSld>
     <p:spTree>
       <p:nvGrpSpPr>
@@ -4116,14 +4031,7 @@
         <p:cNvGrpSpPr/>
         <p:nvPr/>
       </p:nvGrpSpPr>
-      <p:grpSpPr>
-        <a:xfrm>
-          <a:off x="0" y="0"/>
-          <a:ext cx="0" cy="0"/>
-          <a:chOff x="0" y="0"/>
-          <a:chExt cx="0" cy="0"/>
-        </a:xfrm>
-      </p:grpSpPr>
+      <p:grpSpPr/>
       <p:sp>
         <p:nvSpPr>
           <p:cNvPr id="2" name="Rectangle 1"/>
@@ -4192,9 +4100,7 @@
             <a:spAutoFit/>
           </a:bodyPr>
           <a:lstStyle/>
-          <a:p>
-            <a:endParaRPr/>
-          </a:p>
+          <a:p/>
           <a:p>
             <a:pPr>
               <a:defRPr sz="2000" b="1">
@@ -4208,17 +4114,13 @@
               <a:t>Q - 6  ஒரு தூயகால்வழித் தாவரம் என்பது</a:t>
             </a:r>
           </a:p>
-          <a:p>
-            <a:endParaRPr/>
-          </a:p>
+          <a:p/>
           <a:p>
             <a:r>
               <a:t>NEET Phase II - 2016</a:t>
             </a:r>
           </a:p>
-          <a:p>
-            <a:endParaRPr/>
-          </a:p>
+          <a:p/>
           <a:p>
             <a:pPr>
               <a:defRPr sz="2000" b="1">
@@ -4271,7 +4173,7 @@
 </file>
 
 <file path=ppt/slides/slide14.xml><?xml version="1.0" encoding="utf-8"?>
-<p:sld xmlns:a="http://schemas.openxmlformats.org/drawingml/2006/main" xmlns:r="http://schemas.openxmlformats.org/officeDocument/2006/relationships" xmlns:p="http://schemas.openxmlformats.org/presentationml/2006/main">
+<p:sld xmlns:a="http://schemas.openxmlformats.org/drawingml/2006/main" xmlns:p="http://schemas.openxmlformats.org/presentationml/2006/main" xmlns:r="http://schemas.openxmlformats.org/officeDocument/2006/relationships">
   <p:cSld>
     <p:spTree>
       <p:nvGrpSpPr>
@@ -4279,14 +4181,7 @@
         <p:cNvGrpSpPr/>
         <p:nvPr/>
       </p:nvGrpSpPr>
-      <p:grpSpPr>
-        <a:xfrm>
-          <a:off x="0" y="0"/>
-          <a:ext cx="0" cy="0"/>
-          <a:chOff x="0" y="0"/>
-          <a:chExt cx="0" cy="0"/>
-        </a:xfrm>
-      </p:grpSpPr>
+      <p:grpSpPr/>
       <p:sp>
         <p:nvSpPr>
           <p:cNvPr id="2" name="Rectangle 1"/>
@@ -4355,9 +4250,7 @@
             <a:spAutoFit/>
           </a:bodyPr>
           <a:lstStyle/>
-          <a:p>
-            <a:endParaRPr/>
-          </a:p>
+          <a:p/>
           <a:p>
             <a:pPr>
               <a:defRPr sz="2000" b="1">
@@ -4371,41 +4264,31 @@
               <a:t>Q - 7  தரசத்திற்கு பதிலாக சர்க்கரையைப் பெற்றிருந்ததால் பட்டாணித் தாவரத்தில் சுருங்கிய விதைகளை மெ ண்டல் பெற்றார். இதற்கு காரணமான நொதி யாது?</a:t>
             </a:r>
           </a:p>
-          <a:p>
-            <a:endParaRPr/>
-          </a:p>
+          <a:p/>
           <a:p>
             <a:r>
               <a:t>AIPMT - 2001</a:t>
             </a:r>
           </a:p>
-          <a:p>
-            <a:endParaRPr/>
-          </a:p>
+          <a:p/>
           <a:p>
             <a:r>
               <a:t>அ) அமைலேஸ்</a:t>
             </a:r>
           </a:p>
-          <a:p>
-            <a:endParaRPr/>
-          </a:p>
+          <a:p/>
           <a:p>
             <a:r>
               <a:t>ஆ) இன்வர்டேஸ்</a:t>
             </a:r>
           </a:p>
-          <a:p>
-            <a:endParaRPr/>
-          </a:p>
+          <a:p/>
           <a:p>
             <a:r>
               <a:t>இ) டையஸ்டேஸ்</a:t>
             </a:r>
           </a:p>
-          <a:p>
-            <a:endParaRPr/>
-          </a:p>
+          <a:p/>
           <a:p>
             <a:r>
               <a:t>ஈ) தரச கிளைத்தல் நொதி இல்லாமை</a:t>
@@ -4450,7 +4333,7 @@
 </file>
 
 <file path=ppt/slides/slide15.xml><?xml version="1.0" encoding="utf-8"?>
-<p:sld xmlns:a="http://schemas.openxmlformats.org/drawingml/2006/main" xmlns:r="http://schemas.openxmlformats.org/officeDocument/2006/relationships" xmlns:p="http://schemas.openxmlformats.org/presentationml/2006/main">
+<p:sld xmlns:a="http://schemas.openxmlformats.org/drawingml/2006/main" xmlns:p="http://schemas.openxmlformats.org/presentationml/2006/main" xmlns:r="http://schemas.openxmlformats.org/officeDocument/2006/relationships">
   <p:cSld>
     <p:spTree>
       <p:nvGrpSpPr>
@@ -4458,14 +4341,7 @@
         <p:cNvGrpSpPr/>
         <p:nvPr/>
       </p:nvGrpSpPr>
-      <p:grpSpPr>
-        <a:xfrm>
-          <a:off x="0" y="0"/>
-          <a:ext cx="0" cy="0"/>
-          <a:chOff x="0" y="0"/>
-          <a:chExt cx="0" cy="0"/>
-        </a:xfrm>
-      </p:grpSpPr>
+      <p:grpSpPr/>
       <p:sp>
         <p:nvSpPr>
           <p:cNvPr id="2" name="Rectangle 1"/>
@@ -4534,9 +4410,7 @@
             <a:spAutoFit/>
           </a:bodyPr>
           <a:lstStyle/>
-          <a:p>
-            <a:endParaRPr/>
-          </a:p>
+          <a:p/>
           <a:p>
             <a:pPr>
               <a:defRPr sz="2000" b="1">
@@ -4550,17 +4424,13 @@
               <a:t>Q - 7  தரசத்திற்கு பதிலாக சர்க்கரையைப் பெற்றிருந்ததால் பட்டாணித் தாவரத்தில் சுருங்கிய விதைகளை மெ ண்டல் பெற்றார். இதற்கு காரணமான நொதி யாது?</a:t>
             </a:r>
           </a:p>
-          <a:p>
-            <a:endParaRPr/>
-          </a:p>
+          <a:p/>
           <a:p>
             <a:r>
               <a:t>AIPMT - 2001</a:t>
             </a:r>
           </a:p>
-          <a:p>
-            <a:endParaRPr/>
-          </a:p>
+          <a:p/>
           <a:p>
             <a:pPr>
               <a:defRPr sz="2000" b="1">
@@ -4613,7 +4483,7 @@
 </file>
 
 <file path=ppt/slides/slide16.xml><?xml version="1.0" encoding="utf-8"?>
-<p:sld xmlns:a="http://schemas.openxmlformats.org/drawingml/2006/main" xmlns:r="http://schemas.openxmlformats.org/officeDocument/2006/relationships" xmlns:p="http://schemas.openxmlformats.org/presentationml/2006/main">
+<p:sld xmlns:a="http://schemas.openxmlformats.org/drawingml/2006/main" xmlns:p="http://schemas.openxmlformats.org/presentationml/2006/main" xmlns:r="http://schemas.openxmlformats.org/officeDocument/2006/relationships">
   <p:cSld>
     <p:spTree>
       <p:nvGrpSpPr>
@@ -4621,14 +4491,7 @@
         <p:cNvGrpSpPr/>
         <p:nvPr/>
       </p:nvGrpSpPr>
-      <p:grpSpPr>
-        <a:xfrm>
-          <a:off x="0" y="0"/>
-          <a:ext cx="0" cy="0"/>
-          <a:chOff x="0" y="0"/>
-          <a:chExt cx="0" cy="0"/>
-        </a:xfrm>
-      </p:grpSpPr>
+      <p:grpSpPr/>
       <p:sp>
         <p:nvSpPr>
           <p:cNvPr id="2" name="Rectangle 1"/>
@@ -4697,9 +4560,7 @@
             <a:spAutoFit/>
           </a:bodyPr>
           <a:lstStyle/>
-          <a:p>
-            <a:endParaRPr/>
-          </a:p>
+          <a:p/>
           <a:p>
             <a:pPr>
               <a:defRPr sz="2000" b="1">
@@ -4713,41 +4574,31 @@
               <a:t>Q - 8  நிரப்பு மரபணுவின் விகிதம்?</a:t>
             </a:r>
           </a:p>
-          <a:p>
-            <a:endParaRPr/>
-          </a:p>
+          <a:p/>
           <a:p>
             <a:r>
               <a:t>AIPMNT - 2001</a:t>
             </a:r>
           </a:p>
-          <a:p>
-            <a:endParaRPr/>
-          </a:p>
+          <a:p/>
           <a:p>
             <a:r>
               <a:t>அ) 9:3:4</a:t>
             </a:r>
           </a:p>
-          <a:p>
-            <a:endParaRPr/>
-          </a:p>
+          <a:p/>
           <a:p>
             <a:r>
               <a:t>ஆ) 12:3:1</a:t>
             </a:r>
           </a:p>
-          <a:p>
-            <a:endParaRPr/>
-          </a:p>
+          <a:p/>
           <a:p>
             <a:r>
               <a:t>இ) 9:3:3:4 </a:t>
             </a:r>
           </a:p>
-          <a:p>
-            <a:endParaRPr/>
-          </a:p>
+          <a:p/>
           <a:p>
             <a:r>
               <a:t>ஈ) 9:7</a:t>
@@ -4792,7 +4643,7 @@
 </file>
 
 <file path=ppt/slides/slide17.xml><?xml version="1.0" encoding="utf-8"?>
-<p:sld xmlns:a="http://schemas.openxmlformats.org/drawingml/2006/main" xmlns:r="http://schemas.openxmlformats.org/officeDocument/2006/relationships" xmlns:p="http://schemas.openxmlformats.org/presentationml/2006/main">
+<p:sld xmlns:a="http://schemas.openxmlformats.org/drawingml/2006/main" xmlns:p="http://schemas.openxmlformats.org/presentationml/2006/main" xmlns:r="http://schemas.openxmlformats.org/officeDocument/2006/relationships">
   <p:cSld>
     <p:spTree>
       <p:nvGrpSpPr>
@@ -4800,14 +4651,7 @@
         <p:cNvGrpSpPr/>
         <p:nvPr/>
       </p:nvGrpSpPr>
-      <p:grpSpPr>
-        <a:xfrm>
-          <a:off x="0" y="0"/>
-          <a:ext cx="0" cy="0"/>
-          <a:chOff x="0" y="0"/>
-          <a:chExt cx="0" cy="0"/>
-        </a:xfrm>
-      </p:grpSpPr>
+      <p:grpSpPr/>
       <p:sp>
         <p:nvSpPr>
           <p:cNvPr id="2" name="Rectangle 1"/>
@@ -4876,9 +4720,7 @@
             <a:spAutoFit/>
           </a:bodyPr>
           <a:lstStyle/>
-          <a:p>
-            <a:endParaRPr/>
-          </a:p>
+          <a:p/>
           <a:p>
             <a:pPr>
               <a:defRPr sz="2000" b="1">
@@ -4892,17 +4734,13 @@
               <a:t>Q - 8  நிரப்பு மரபணுவின் விகிதம்?</a:t>
             </a:r>
           </a:p>
-          <a:p>
-            <a:endParaRPr/>
-          </a:p>
+          <a:p/>
           <a:p>
             <a:r>
               <a:t>AIPMNT - 2001</a:t>
             </a:r>
           </a:p>
-          <a:p>
-            <a:endParaRPr/>
-          </a:p>
+          <a:p/>
           <a:p>
             <a:pPr>
               <a:defRPr sz="2000" b="1">
@@ -4955,7 +4793,7 @@
 </file>
 
 <file path=ppt/slides/slide18.xml><?xml version="1.0" encoding="utf-8"?>
-<p:sld xmlns:a="http://schemas.openxmlformats.org/drawingml/2006/main" xmlns:r="http://schemas.openxmlformats.org/officeDocument/2006/relationships" xmlns:p="http://schemas.openxmlformats.org/presentationml/2006/main">
+<p:sld xmlns:a="http://schemas.openxmlformats.org/drawingml/2006/main" xmlns:p="http://schemas.openxmlformats.org/presentationml/2006/main" xmlns:r="http://schemas.openxmlformats.org/officeDocument/2006/relationships">
   <p:cSld>
     <p:spTree>
       <p:nvGrpSpPr>
@@ -4963,14 +4801,7 @@
         <p:cNvGrpSpPr/>
         <p:nvPr/>
       </p:nvGrpSpPr>
-      <p:grpSpPr>
-        <a:xfrm>
-          <a:off x="0" y="0"/>
-          <a:ext cx="0" cy="0"/>
-          <a:chOff x="0" y="0"/>
-          <a:chExt cx="0" cy="0"/>
-        </a:xfrm>
-      </p:grpSpPr>
+      <p:grpSpPr/>
       <p:sp>
         <p:nvSpPr>
           <p:cNvPr id="2" name="Rectangle 1"/>
@@ -5039,9 +4870,7 @@
             <a:spAutoFit/>
           </a:bodyPr>
           <a:lstStyle/>
-          <a:p>
-            <a:endParaRPr/>
-          </a:p>
+          <a:p/>
           <a:p>
             <a:pPr>
               <a:defRPr sz="2000" b="1">
@@ -5055,41 +4884,31 @@
               <a:t>Q - 9  333 அமினோ அமிலத்தைக் கொண்ட ஒரு RNA 999 காரத்தைக் கொண்டிருக்கிறது. இதில் 901 அமைவிடத்தில் இருக்கும் காரம் நீக்கப்பபட்டு 998 காரங்களானால், எத்தனை குறியன்களில் மாறுபாடு நிகழும்?</a:t>
             </a:r>
           </a:p>
-          <a:p>
-            <a:endParaRPr/>
-          </a:p>
+          <a:p/>
           <a:p>
             <a:r>
               <a:t>NEET - 2017</a:t>
             </a:r>
           </a:p>
-          <a:p>
-            <a:endParaRPr/>
-          </a:p>
+          <a:p/>
           <a:p>
             <a:r>
               <a:t>அ) 1</a:t>
             </a:r>
           </a:p>
-          <a:p>
-            <a:endParaRPr/>
-          </a:p>
+          <a:p/>
           <a:p>
             <a:r>
               <a:t>ஆ) 11</a:t>
             </a:r>
           </a:p>
-          <a:p>
-            <a:endParaRPr/>
-          </a:p>
+          <a:p/>
           <a:p>
             <a:r>
               <a:t>இ) 33</a:t>
             </a:r>
           </a:p>
-          <a:p>
-            <a:endParaRPr/>
-          </a:p>
+          <a:p/>
           <a:p>
             <a:r>
               <a:t>ஈ) 333</a:t>
@@ -5134,7 +4953,7 @@
 </file>
 
 <file path=ppt/slides/slide19.xml><?xml version="1.0" encoding="utf-8"?>
-<p:sld xmlns:a="http://schemas.openxmlformats.org/drawingml/2006/main" xmlns:r="http://schemas.openxmlformats.org/officeDocument/2006/relationships" xmlns:p="http://schemas.openxmlformats.org/presentationml/2006/main">
+<p:sld xmlns:a="http://schemas.openxmlformats.org/drawingml/2006/main" xmlns:p="http://schemas.openxmlformats.org/presentationml/2006/main" xmlns:r="http://schemas.openxmlformats.org/officeDocument/2006/relationships">
   <p:cSld>
     <p:spTree>
       <p:nvGrpSpPr>
@@ -5142,14 +4961,7 @@
         <p:cNvGrpSpPr/>
         <p:nvPr/>
       </p:nvGrpSpPr>
-      <p:grpSpPr>
-        <a:xfrm>
-          <a:off x="0" y="0"/>
-          <a:ext cx="0" cy="0"/>
-          <a:chOff x="0" y="0"/>
-          <a:chExt cx="0" cy="0"/>
-        </a:xfrm>
-      </p:grpSpPr>
+      <p:grpSpPr/>
       <p:sp>
         <p:nvSpPr>
           <p:cNvPr id="2" name="Rectangle 1"/>
@@ -5218,9 +5030,7 @@
             <a:spAutoFit/>
           </a:bodyPr>
           <a:lstStyle/>
-          <a:p>
-            <a:endParaRPr/>
-          </a:p>
+          <a:p/>
           <a:p>
             <a:pPr>
               <a:defRPr sz="2000" b="1">
@@ -5234,17 +5044,13 @@
               <a:t>Q - 9  333 அமினோ அமிலத்தைக் கொண்ட ஒரு RNA 999 காரத்தைக் கொண்டிருக்கிறது. இதில் 901 அமைவிடத்தில் இருக்கும் காரம் நீக்கப்பபட்டு 998 காரங்களானால், எத்தனை குறியன்களில் மாறுபாடு நிகழும்?</a:t>
             </a:r>
           </a:p>
-          <a:p>
-            <a:endParaRPr/>
-          </a:p>
+          <a:p/>
           <a:p>
             <a:r>
               <a:t>NEET - 2017</a:t>
             </a:r>
           </a:p>
-          <a:p>
-            <a:endParaRPr/>
-          </a:p>
+          <a:p/>
           <a:p>
             <a:pPr>
               <a:defRPr sz="2000" b="1">
@@ -5297,7 +5103,7 @@
 </file>
 
 <file path=ppt/slides/slide2.xml><?xml version="1.0" encoding="utf-8"?>
-<p:sld xmlns:a="http://schemas.openxmlformats.org/drawingml/2006/main" xmlns:r="http://schemas.openxmlformats.org/officeDocument/2006/relationships" xmlns:p="http://schemas.openxmlformats.org/presentationml/2006/main">
+<p:sld xmlns:a="http://schemas.openxmlformats.org/drawingml/2006/main" xmlns:p="http://schemas.openxmlformats.org/presentationml/2006/main" xmlns:r="http://schemas.openxmlformats.org/officeDocument/2006/relationships">
   <p:cSld>
     <p:spTree>
       <p:nvGrpSpPr>
@@ -5305,14 +5111,7 @@
         <p:cNvGrpSpPr/>
         <p:nvPr/>
       </p:nvGrpSpPr>
-      <p:grpSpPr>
-        <a:xfrm>
-          <a:off x="0" y="0"/>
-          <a:ext cx="0" cy="0"/>
-          <a:chOff x="0" y="0"/>
-          <a:chExt cx="0" cy="0"/>
-        </a:xfrm>
-      </p:grpSpPr>
+      <p:grpSpPr/>
       <p:sp>
         <p:nvSpPr>
           <p:cNvPr id="2" name="Rectangle 1"/>
@@ -5381,9 +5180,7 @@
             <a:spAutoFit/>
           </a:bodyPr>
           <a:lstStyle/>
-          <a:p>
-            <a:endParaRPr/>
-          </a:p>
+          <a:p/>
           <a:p>
             <a:pPr>
               <a:defRPr sz="2000" b="1">
@@ -5397,41 +5194,31 @@
               <a:t>Q - 1  சைட்டோபிளாச ஆண் மலட்டுத்தன்மை உடைய தாவரங்களில் மரபணுக்கள் அமைந்திருக்குமிடம் </a:t>
             </a:r>
           </a:p>
-          <a:p>
-            <a:endParaRPr/>
-          </a:p>
+          <a:p/>
           <a:p>
             <a:r>
               <a:t>AIPMT - 2005</a:t>
             </a:r>
           </a:p>
-          <a:p>
-            <a:endParaRPr/>
-          </a:p>
+          <a:p/>
           <a:p>
             <a:r>
               <a:t>அ) மைட்டோகாண்ட்ரியா மரபணுத் தொகையம்</a:t>
             </a:r>
           </a:p>
-          <a:p>
-            <a:endParaRPr/>
-          </a:p>
+          <a:p/>
           <a:p>
             <a:r>
               <a:t>ஆ) சைட்டோசால்</a:t>
             </a:r>
           </a:p>
-          <a:p>
-            <a:endParaRPr/>
-          </a:p>
+          <a:p/>
           <a:p>
             <a:r>
               <a:t>இ) பசுங்கணிக மரபணுத் தொகையம்</a:t>
             </a:r>
           </a:p>
-          <a:p>
-            <a:endParaRPr/>
-          </a:p>
+          <a:p/>
           <a:p>
             <a:r>
               <a:t>ஈ) நியூக்ளியார் மரபணுத் தொகையம்</a:t>
@@ -5476,7 +5263,7 @@
 </file>
 
 <file path=ppt/slides/slide20.xml><?xml version="1.0" encoding="utf-8"?>
-<p:sld xmlns:a="http://schemas.openxmlformats.org/drawingml/2006/main" xmlns:r="http://schemas.openxmlformats.org/officeDocument/2006/relationships" xmlns:p="http://schemas.openxmlformats.org/presentationml/2006/main">
+<p:sld xmlns:a="http://schemas.openxmlformats.org/drawingml/2006/main" xmlns:p="http://schemas.openxmlformats.org/presentationml/2006/main" xmlns:r="http://schemas.openxmlformats.org/officeDocument/2006/relationships">
   <p:cSld>
     <p:spTree>
       <p:nvGrpSpPr>
@@ -5484,14 +5271,7 @@
         <p:cNvGrpSpPr/>
         <p:nvPr/>
       </p:nvGrpSpPr>
-      <p:grpSpPr>
-        <a:xfrm>
-          <a:off x="0" y="0"/>
-          <a:ext cx="0" cy="0"/>
-          <a:chOff x="0" y="0"/>
-          <a:chExt cx="0" cy="0"/>
-        </a:xfrm>
-      </p:grpSpPr>
+      <p:grpSpPr/>
       <p:sp>
         <p:nvSpPr>
           <p:cNvPr id="2" name="Rectangle 1"/>
@@ -5560,9 +5340,7 @@
             <a:spAutoFit/>
           </a:bodyPr>
           <a:lstStyle/>
-          <a:p>
-            <a:endParaRPr/>
-          </a:p>
+          <a:p/>
           <a:p>
             <a:pPr>
               <a:defRPr sz="2000" b="1">
@@ -5576,41 +5354,31 @@
               <a:t>Q - 10  ஒத்த பண்பிணைவு சிவப்பு மலருடைய ஒரு தாவரத்தை ஒத்தபண்பிணைவு கொண்ட வெள்ளை மலருடைய தாவரத்துடன் கலப்புறுத்தம் செய்யும் போது கிடைக்கும் சந்ததி</a:t>
             </a:r>
           </a:p>
-          <a:p>
-            <a:endParaRPr/>
-          </a:p>
+          <a:p/>
           <a:p>
             <a:r>
               <a:t>AIIMS - 1999, 2002, 2007</a:t>
             </a:r>
           </a:p>
-          <a:p>
-            <a:endParaRPr/>
-          </a:p>
+          <a:p/>
           <a:p>
             <a:r>
               <a:t>அ) பாதி வெள்ளை மலருடையது</a:t>
             </a:r>
           </a:p>
-          <a:p>
-            <a:endParaRPr/>
-          </a:p>
+          <a:p/>
           <a:p>
             <a:r>
               <a:t>ஆ) பாதி சிவப்பு மலருடையது</a:t>
             </a:r>
           </a:p>
-          <a:p>
-            <a:endParaRPr/>
-          </a:p>
+          <a:p/>
           <a:p>
             <a:r>
               <a:t>இ) அனைத்தும் வெள்ளை மலருடையது</a:t>
             </a:r>
           </a:p>
-          <a:p>
-            <a:endParaRPr/>
-          </a:p>
+          <a:p/>
           <a:p>
             <a:r>
               <a:t>ஈ) அனைத்தும் சிவப்பு மலருடையது</a:t>
@@ -5655,7 +5423,7 @@
 </file>
 
 <file path=ppt/slides/slide21.xml><?xml version="1.0" encoding="utf-8"?>
-<p:sld xmlns:a="http://schemas.openxmlformats.org/drawingml/2006/main" xmlns:r="http://schemas.openxmlformats.org/officeDocument/2006/relationships" xmlns:p="http://schemas.openxmlformats.org/presentationml/2006/main">
+<p:sld xmlns:a="http://schemas.openxmlformats.org/drawingml/2006/main" xmlns:p="http://schemas.openxmlformats.org/presentationml/2006/main" xmlns:r="http://schemas.openxmlformats.org/officeDocument/2006/relationships">
   <p:cSld>
     <p:spTree>
       <p:nvGrpSpPr>
@@ -5663,14 +5431,7 @@
         <p:cNvGrpSpPr/>
         <p:nvPr/>
       </p:nvGrpSpPr>
-      <p:grpSpPr>
-        <a:xfrm>
-          <a:off x="0" y="0"/>
-          <a:ext cx="0" cy="0"/>
-          <a:chOff x="0" y="0"/>
-          <a:chExt cx="0" cy="0"/>
-        </a:xfrm>
-      </p:grpSpPr>
+      <p:grpSpPr/>
       <p:sp>
         <p:nvSpPr>
           <p:cNvPr id="2" name="Rectangle 1"/>
@@ -5739,9 +5500,7 @@
             <a:spAutoFit/>
           </a:bodyPr>
           <a:lstStyle/>
-          <a:p>
-            <a:endParaRPr/>
-          </a:p>
+          <a:p/>
           <a:p>
             <a:pPr>
               <a:defRPr sz="2000" b="1">
@@ -5755,17 +5514,13 @@
               <a:t>Q - 10  ஒத்த பண்பிணைவு சிவப்பு மலருடைய ஒரு தாவரத்தை ஒத்தபண்பிணைவு கொண்ட வெள்ளை மலருடைய தாவரத்துடன் கலப்புறுத்தம் செய்யும் போது கிடைக்கும் சந்ததி</a:t>
             </a:r>
           </a:p>
-          <a:p>
-            <a:endParaRPr/>
-          </a:p>
+          <a:p/>
           <a:p>
             <a:r>
               <a:t>AIIMS - 1999, 2002, 2007</a:t>
             </a:r>
           </a:p>
-          <a:p>
-            <a:endParaRPr/>
-          </a:p>
+          <a:p/>
           <a:p>
             <a:pPr>
               <a:defRPr sz="2000" b="1">
@@ -5818,7 +5573,7 @@
 </file>
 
 <file path=ppt/slides/slide22.xml><?xml version="1.0" encoding="utf-8"?>
-<p:sld xmlns:a="http://schemas.openxmlformats.org/drawingml/2006/main" xmlns:r="http://schemas.openxmlformats.org/officeDocument/2006/relationships" xmlns:p="http://schemas.openxmlformats.org/presentationml/2006/main">
+<p:sld xmlns:a="http://schemas.openxmlformats.org/drawingml/2006/main" xmlns:p="http://schemas.openxmlformats.org/presentationml/2006/main" xmlns:r="http://schemas.openxmlformats.org/officeDocument/2006/relationships">
   <p:cSld>
     <p:spTree>
       <p:nvGrpSpPr>
@@ -5826,14 +5581,7 @@
         <p:cNvGrpSpPr/>
         <p:nvPr/>
       </p:nvGrpSpPr>
-      <p:grpSpPr>
-        <a:xfrm>
-          <a:off x="0" y="0"/>
-          <a:ext cx="0" cy="0"/>
-          <a:chOff x="0" y="0"/>
-          <a:chExt cx="0" cy="0"/>
-        </a:xfrm>
-      </p:grpSpPr>
+      <p:grpSpPr/>
       <p:sp>
         <p:nvSpPr>
           <p:cNvPr id="2" name="Rectangle 1"/>
@@ -5902,9 +5650,7 @@
             <a:spAutoFit/>
           </a:bodyPr>
           <a:lstStyle/>
-          <a:p>
-            <a:endParaRPr/>
-          </a:p>
+          <a:p/>
           <a:p>
             <a:pPr>
               <a:defRPr sz="2000" b="1">
@@ -5918,41 +5664,31 @@
               <a:t>Q - 11  இரு தாவரங்களுக்கிடையே நிகழும் இருபண்பு சோதனைக் கலப்பினால் உருவாகும் விகிதமானது?</a:t>
             </a:r>
           </a:p>
-          <a:p>
-            <a:endParaRPr/>
-          </a:p>
+          <a:p/>
           <a:p>
             <a:r>
               <a:t>AIIMS - 2001</a:t>
             </a:r>
           </a:p>
-          <a:p>
-            <a:endParaRPr/>
-          </a:p>
+          <a:p/>
           <a:p>
             <a:r>
               <a:t>அ) 2:1 </a:t>
             </a:r>
           </a:p>
-          <a:p>
-            <a:endParaRPr/>
-          </a:p>
+          <a:p/>
           <a:p>
             <a:r>
               <a:t>ஆ) 1:2:1</a:t>
             </a:r>
           </a:p>
-          <a:p>
-            <a:endParaRPr/>
-          </a:p>
+          <a:p/>
           <a:p>
             <a:r>
               <a:t>இ) 3:1 </a:t>
             </a:r>
           </a:p>
-          <a:p>
-            <a:endParaRPr/>
-          </a:p>
+          <a:p/>
           <a:p>
             <a:r>
               <a:t>ஈ) 1:1:1:1</a:t>
@@ -5997,7 +5733,7 @@
 </file>
 
 <file path=ppt/slides/slide23.xml><?xml version="1.0" encoding="utf-8"?>
-<p:sld xmlns:a="http://schemas.openxmlformats.org/drawingml/2006/main" xmlns:r="http://schemas.openxmlformats.org/officeDocument/2006/relationships" xmlns:p="http://schemas.openxmlformats.org/presentationml/2006/main">
+<p:sld xmlns:a="http://schemas.openxmlformats.org/drawingml/2006/main" xmlns:p="http://schemas.openxmlformats.org/presentationml/2006/main" xmlns:r="http://schemas.openxmlformats.org/officeDocument/2006/relationships">
   <p:cSld>
     <p:spTree>
       <p:nvGrpSpPr>
@@ -6005,14 +5741,7 @@
         <p:cNvGrpSpPr/>
         <p:nvPr/>
       </p:nvGrpSpPr>
-      <p:grpSpPr>
-        <a:xfrm>
-          <a:off x="0" y="0"/>
-          <a:ext cx="0" cy="0"/>
-          <a:chOff x="0" y="0"/>
-          <a:chExt cx="0" cy="0"/>
-        </a:xfrm>
-      </p:grpSpPr>
+      <p:grpSpPr/>
       <p:sp>
         <p:nvSpPr>
           <p:cNvPr id="2" name="Rectangle 1"/>
@@ -6081,9 +5810,7 @@
             <a:spAutoFit/>
           </a:bodyPr>
           <a:lstStyle/>
-          <a:p>
-            <a:endParaRPr/>
-          </a:p>
+          <a:p/>
           <a:p>
             <a:pPr>
               <a:defRPr sz="2000" b="1">
@@ -6097,17 +5824,13 @@
               <a:t>Q - 11  இரு தாவரங்களுக்கிடையே நிகழும் இருபண்பு சோதனைக் கலப்பினால் உருவாகும் விகிதமானது?</a:t>
             </a:r>
           </a:p>
-          <a:p>
-            <a:endParaRPr/>
-          </a:p>
+          <a:p/>
           <a:p>
             <a:r>
               <a:t>AIIMS - 2001</a:t>
             </a:r>
           </a:p>
-          <a:p>
-            <a:endParaRPr/>
-          </a:p>
+          <a:p/>
           <a:p>
             <a:pPr>
               <a:defRPr sz="2000" b="1">
@@ -6160,7 +5883,7 @@
 </file>
 
 <file path=ppt/slides/slide24.xml><?xml version="1.0" encoding="utf-8"?>
-<p:sld xmlns:a="http://schemas.openxmlformats.org/drawingml/2006/main" xmlns:r="http://schemas.openxmlformats.org/officeDocument/2006/relationships" xmlns:p="http://schemas.openxmlformats.org/presentationml/2006/main">
+<p:sld xmlns:a="http://schemas.openxmlformats.org/drawingml/2006/main" xmlns:p="http://schemas.openxmlformats.org/presentationml/2006/main" xmlns:r="http://schemas.openxmlformats.org/officeDocument/2006/relationships">
   <p:cSld>
     <p:spTree>
       <p:nvGrpSpPr>
@@ -6168,14 +5891,7 @@
         <p:cNvGrpSpPr/>
         <p:nvPr/>
       </p:nvGrpSpPr>
-      <p:grpSpPr>
-        <a:xfrm>
-          <a:off x="0" y="0"/>
-          <a:ext cx="0" cy="0"/>
-          <a:chOff x="0" y="0"/>
-          <a:chExt cx="0" cy="0"/>
-        </a:xfrm>
-      </p:grpSpPr>
+      <p:grpSpPr/>
       <p:sp>
         <p:nvSpPr>
           <p:cNvPr id="2" name="Rectangle 1"/>
@@ -6244,9 +5960,7 @@
             <a:spAutoFit/>
           </a:bodyPr>
           <a:lstStyle/>
-          <a:p>
-            <a:endParaRPr/>
-          </a:p>
+          <a:p/>
           <a:p>
             <a:pPr>
               <a:defRPr sz="2000" b="1">
@@ -6260,41 +5974,31 @@
               <a:t>Q - 12  தூயகால்வழிப்பெருக்கம் எதைக்குறிக்கிறது?</a:t>
             </a:r>
           </a:p>
-          <a:p>
-            <a:endParaRPr/>
-          </a:p>
+          <a:p/>
           <a:p>
             <a:r>
               <a:t>AIIMS - 2002, 2007</a:t>
             </a:r>
           </a:p>
-          <a:p>
-            <a:endParaRPr/>
-          </a:p>
+          <a:p/>
           <a:p>
             <a:r>
               <a:t>அ) மாற்றுபண்பிணைவுத்தன்மை மட்டும்</a:t>
             </a:r>
           </a:p>
-          <a:p>
-            <a:endParaRPr/>
-          </a:p>
+          <a:p/>
           <a:p>
             <a:r>
               <a:t>ஆ) மாற்றுபண்பிணைவுத்தன்மை மற்றும் பிணை ப்பு</a:t>
             </a:r>
           </a:p>
-          <a:p>
-            <a:endParaRPr/>
-          </a:p>
+          <a:p/>
           <a:p>
             <a:r>
               <a:t>இ) ஒத்தபண்பிணைவுத்தன்மை மட்டும்</a:t>
             </a:r>
           </a:p>
-          <a:p>
-            <a:endParaRPr/>
-          </a:p>
+          <a:p/>
           <a:p>
             <a:r>
               <a:t>ஈ) ஒத்தபண்பிணைவுத்தன்மை மற்றும் சுயசார்பின்மை</a:t>
@@ -6339,7 +6043,7 @@
 </file>
 
 <file path=ppt/slides/slide25.xml><?xml version="1.0" encoding="utf-8"?>
-<p:sld xmlns:a="http://schemas.openxmlformats.org/drawingml/2006/main" xmlns:r="http://schemas.openxmlformats.org/officeDocument/2006/relationships" xmlns:p="http://schemas.openxmlformats.org/presentationml/2006/main">
+<p:sld xmlns:a="http://schemas.openxmlformats.org/drawingml/2006/main" xmlns:p="http://schemas.openxmlformats.org/presentationml/2006/main" xmlns:r="http://schemas.openxmlformats.org/officeDocument/2006/relationships">
   <p:cSld>
     <p:spTree>
       <p:nvGrpSpPr>
@@ -6347,14 +6051,7 @@
         <p:cNvGrpSpPr/>
         <p:nvPr/>
       </p:nvGrpSpPr>
-      <p:grpSpPr>
-        <a:xfrm>
-          <a:off x="0" y="0"/>
-          <a:ext cx="0" cy="0"/>
-          <a:chOff x="0" y="0"/>
-          <a:chExt cx="0" cy="0"/>
-        </a:xfrm>
-      </p:grpSpPr>
+      <p:grpSpPr/>
       <p:sp>
         <p:nvSpPr>
           <p:cNvPr id="2" name="Rectangle 1"/>
@@ -6423,9 +6120,7 @@
             <a:spAutoFit/>
           </a:bodyPr>
           <a:lstStyle/>
-          <a:p>
-            <a:endParaRPr/>
-          </a:p>
+          <a:p/>
           <a:p>
             <a:pPr>
               <a:defRPr sz="2000" b="1">
@@ -6439,17 +6134,13 @@
               <a:t>Q - 12  தூயகால்வழிப்பெருக்கம் எதைக்குறிக்கிறது?</a:t>
             </a:r>
           </a:p>
-          <a:p>
-            <a:endParaRPr/>
-          </a:p>
+          <a:p/>
           <a:p>
             <a:r>
               <a:t>AIIMS - 2002, 2007</a:t>
             </a:r>
           </a:p>
-          <a:p>
-            <a:endParaRPr/>
-          </a:p>
+          <a:p/>
           <a:p>
             <a:pPr>
               <a:defRPr sz="2000" b="1">
@@ -6502,7 +6193,7 @@
 </file>
 
 <file path=ppt/slides/slide26.xml><?xml version="1.0" encoding="utf-8"?>
-<p:sld xmlns:a="http://schemas.openxmlformats.org/drawingml/2006/main" xmlns:r="http://schemas.openxmlformats.org/officeDocument/2006/relationships" xmlns:p="http://schemas.openxmlformats.org/presentationml/2006/main">
+<p:sld xmlns:a="http://schemas.openxmlformats.org/drawingml/2006/main" xmlns:p="http://schemas.openxmlformats.org/presentationml/2006/main" xmlns:r="http://schemas.openxmlformats.org/officeDocument/2006/relationships">
   <p:cSld>
     <p:spTree>
       <p:nvGrpSpPr>
@@ -6510,14 +6201,7 @@
         <p:cNvGrpSpPr/>
         <p:nvPr/>
       </p:nvGrpSpPr>
-      <p:grpSpPr>
-        <a:xfrm>
-          <a:off x="0" y="0"/>
-          <a:ext cx="0" cy="0"/>
-          <a:chOff x="0" y="0"/>
-          <a:chExt cx="0" cy="0"/>
-        </a:xfrm>
-      </p:grpSpPr>
+      <p:grpSpPr/>
       <p:sp>
         <p:nvSpPr>
           <p:cNvPr id="2" name="Rectangle 1"/>
@@ -6586,9 +6270,7 @@
             <a:spAutoFit/>
           </a:bodyPr>
           <a:lstStyle/>
-          <a:p>
-            <a:endParaRPr/>
-          </a:p>
+          <a:p/>
           <a:p>
             <a:pPr>
               <a:defRPr sz="2000" b="1">
@@ -6602,41 +6284,31 @@
               <a:t>Q - 13  AABBCC x aabbcc கலப்பில் உருவாகும் முதல் மகவுச்சந்ததியில் எத்தனை மாறுபட்ட கேமீட்கள் தோன்றுகின்றன.?</a:t>
             </a:r>
           </a:p>
-          <a:p>
-            <a:endParaRPr/>
-          </a:p>
+          <a:p/>
           <a:p>
             <a:r>
               <a:t>AIIMS - 2004</a:t>
             </a:r>
           </a:p>
-          <a:p>
-            <a:endParaRPr/>
-          </a:p>
+          <a:p/>
           <a:p>
             <a:r>
               <a:t>அ) 3</a:t>
             </a:r>
           </a:p>
-          <a:p>
-            <a:endParaRPr/>
-          </a:p>
+          <a:p/>
           <a:p>
             <a:r>
               <a:t>ஆ) 8</a:t>
             </a:r>
           </a:p>
-          <a:p>
-            <a:endParaRPr/>
-          </a:p>
+          <a:p/>
           <a:p>
             <a:r>
               <a:t>இ) 27</a:t>
             </a:r>
           </a:p>
-          <a:p>
-            <a:endParaRPr/>
-          </a:p>
+          <a:p/>
           <a:p>
             <a:r>
               <a:t>ஈ) 64</a:t>
@@ -6681,7 +6353,7 @@
 </file>
 
 <file path=ppt/slides/slide27.xml><?xml version="1.0" encoding="utf-8"?>
-<p:sld xmlns:a="http://schemas.openxmlformats.org/drawingml/2006/main" xmlns:r="http://schemas.openxmlformats.org/officeDocument/2006/relationships" xmlns:p="http://schemas.openxmlformats.org/presentationml/2006/main">
+<p:sld xmlns:a="http://schemas.openxmlformats.org/drawingml/2006/main" xmlns:p="http://schemas.openxmlformats.org/presentationml/2006/main" xmlns:r="http://schemas.openxmlformats.org/officeDocument/2006/relationships">
   <p:cSld>
     <p:spTree>
       <p:nvGrpSpPr>
@@ -6689,14 +6361,7 @@
         <p:cNvGrpSpPr/>
         <p:nvPr/>
       </p:nvGrpSpPr>
-      <p:grpSpPr>
-        <a:xfrm>
-          <a:off x="0" y="0"/>
-          <a:ext cx="0" cy="0"/>
-          <a:chOff x="0" y="0"/>
-          <a:chExt cx="0" cy="0"/>
-        </a:xfrm>
-      </p:grpSpPr>
+      <p:grpSpPr/>
       <p:sp>
         <p:nvSpPr>
           <p:cNvPr id="2" name="Rectangle 1"/>
@@ -6765,9 +6430,7 @@
             <a:spAutoFit/>
           </a:bodyPr>
           <a:lstStyle/>
-          <a:p>
-            <a:endParaRPr/>
-          </a:p>
+          <a:p/>
           <a:p>
             <a:pPr>
               <a:defRPr sz="2000" b="1">
@@ -6781,17 +6444,13 @@
               <a:t>Q - 13  AABBCC x aabbcc கலப்பில் உருவாகும் முதல் மகவுச்சந்ததியில் எத்தனை மாறுபட்ட கேமீட்கள் தோன்றுகின்றன.?</a:t>
             </a:r>
           </a:p>
-          <a:p>
-            <a:endParaRPr/>
-          </a:p>
+          <a:p/>
           <a:p>
             <a:r>
               <a:t>AIIMS - 2004</a:t>
             </a:r>
           </a:p>
-          <a:p>
-            <a:endParaRPr/>
-          </a:p>
+          <a:p/>
           <a:p>
             <a:pPr>
               <a:defRPr sz="2000" b="1">
@@ -6844,7 +6503,7 @@
 </file>
 
 <file path=ppt/slides/slide28.xml><?xml version="1.0" encoding="utf-8"?>
-<p:sld xmlns:a="http://schemas.openxmlformats.org/drawingml/2006/main" xmlns:r="http://schemas.openxmlformats.org/officeDocument/2006/relationships" xmlns:p="http://schemas.openxmlformats.org/presentationml/2006/main">
+<p:sld xmlns:a="http://schemas.openxmlformats.org/drawingml/2006/main" xmlns:p="http://schemas.openxmlformats.org/presentationml/2006/main" xmlns:r="http://schemas.openxmlformats.org/officeDocument/2006/relationships">
   <p:cSld>
     <p:spTree>
       <p:nvGrpSpPr>
@@ -6852,14 +6511,7 @@
         <p:cNvGrpSpPr/>
         <p:nvPr/>
       </p:nvGrpSpPr>
-      <p:grpSpPr>
-        <a:xfrm>
-          <a:off x="0" y="0"/>
-          <a:ext cx="0" cy="0"/>
-          <a:chOff x="0" y="0"/>
-          <a:chExt cx="0" cy="0"/>
-        </a:xfrm>
-      </p:grpSpPr>
+      <p:grpSpPr/>
       <p:sp>
         <p:nvSpPr>
           <p:cNvPr id="2" name="Rectangle 1"/>
@@ -6916,21 +6568,19 @@
         <p:spPr>
           <a:xfrm>
             <a:off x="457200" y="1005840"/>
-            <a:ext cx="7315200" cy="4524315"/>
-          </a:xfrm>
-          <a:prstGeom prst="rect">
-            <a:avLst/>
-          </a:prstGeom>
-          <a:noFill/>
-        </p:spPr>
-        <p:txBody>
-          <a:bodyPr wrap="square">
-            <a:spAutoFit/>
-          </a:bodyPr>
-          <a:lstStyle/>
-          <a:p>
-            <a:endParaRPr dirty="0"/>
-          </a:p>
+            <a:ext cx="7315200" cy="3657600"/>
+          </a:xfrm>
+          <a:prstGeom prst="rect">
+            <a:avLst/>
+          </a:prstGeom>
+          <a:noFill/>
+        </p:spPr>
+        <p:txBody>
+          <a:bodyPr wrap="square">
+            <a:spAutoFit/>
+          </a:bodyPr>
+          <a:lstStyle/>
+          <a:p/>
           <a:p>
             <a:pPr>
               <a:defRPr sz="2000" b="1">
@@ -6941,437 +6591,38 @@
               </a:defRPr>
             </a:pPr>
             <a:r>
-              <a:rPr dirty="0"/>
-              <a:t>Q - 14  </a:t>
-            </a:r>
-            <a:r>
-              <a:rPr dirty="0" err="1"/>
-              <a:t>கீழ்காண்பவைகளுள்</a:t>
-            </a:r>
-            <a:r>
-              <a:rPr dirty="0"/>
-              <a:t> </a:t>
-            </a:r>
-            <a:r>
-              <a:rPr dirty="0" err="1"/>
-              <a:t>எச்சூழலில்</a:t>
-            </a:r>
-            <a:r>
-              <a:rPr dirty="0"/>
-              <a:t> </a:t>
-            </a:r>
-            <a:r>
-              <a:rPr dirty="0" err="1"/>
-              <a:t>இணை</a:t>
-            </a:r>
-            <a:r>
-              <a:rPr dirty="0"/>
-              <a:t> </a:t>
-            </a:r>
-            <a:r>
-              <a:rPr dirty="0" err="1"/>
-              <a:t>ஓங்குத்தன்மை</a:t>
-            </a:r>
-            <a:r>
-              <a:rPr dirty="0"/>
-              <a:t> </a:t>
-            </a:r>
-            <a:r>
-              <a:rPr dirty="0" err="1"/>
-              <a:t>மரபணுக்களைக்</a:t>
-            </a:r>
-            <a:r>
-              <a:rPr dirty="0"/>
-              <a:t> </a:t>
-            </a:r>
-            <a:r>
-              <a:rPr dirty="0" err="1"/>
-              <a:t>குறிப்பிடுகிறது</a:t>
-            </a:r>
-            <a:r>
-              <a:rPr dirty="0"/>
-              <a:t>?</a:t>
-            </a:r>
-          </a:p>
-          <a:p>
-            <a:endParaRPr dirty="0"/>
-          </a:p>
-          <a:p>
-            <a:r>
-              <a:rPr dirty="0"/>
+              <a:t>Q - 14  கீழ்காண்பவைகளுள் எச்சூழலில் இணை ஓங்குத்தன்மை மரபணுக்களைக் குறிப்பிடுகிறது?</a:t>
+            </a:r>
+          </a:p>
+          <a:p/>
+          <a:p>
+            <a:r>
               <a:t>AIIMS - 2009</a:t>
             </a:r>
           </a:p>
-          <a:p>
-            <a:endParaRPr dirty="0"/>
-          </a:p>
-          <a:p>
-            <a:r>
-              <a:rPr sz="1600" dirty="0"/>
-              <a:t>அ) </a:t>
-            </a:r>
-            <a:r>
-              <a:rPr sz="1600" dirty="0" err="1"/>
-              <a:t>ஒரு</a:t>
-            </a:r>
-            <a:r>
-              <a:rPr sz="1600" dirty="0"/>
-              <a:t> </a:t>
-            </a:r>
-            <a:r>
-              <a:rPr sz="1600" dirty="0" err="1"/>
-              <a:t>மரபணு</a:t>
-            </a:r>
-            <a:r>
-              <a:rPr sz="1600" dirty="0"/>
-              <a:t> </a:t>
-            </a:r>
-            <a:r>
-              <a:rPr sz="1600" dirty="0" err="1"/>
-              <a:t>வெளிப்பாடடையும்</a:t>
-            </a:r>
-            <a:r>
-              <a:rPr sz="1600" dirty="0"/>
-              <a:t> </a:t>
-            </a:r>
-            <a:r>
-              <a:rPr sz="1600" dirty="0" err="1"/>
-              <a:t>போது</a:t>
-            </a:r>
-            <a:r>
-              <a:rPr sz="1600" dirty="0"/>
-              <a:t> </a:t>
-            </a:r>
-            <a:r>
-              <a:rPr sz="1600" dirty="0" err="1"/>
-              <a:t>புறத்தோற்ற</a:t>
-            </a:r>
-            <a:r>
-              <a:rPr sz="1600" dirty="0"/>
-              <a:t> </a:t>
-            </a:r>
-            <a:r>
-              <a:rPr sz="1600" dirty="0" err="1"/>
-              <a:t>வகைய</a:t>
-            </a:r>
-            <a:r>
-              <a:rPr sz="1600" dirty="0"/>
-              <a:t> </a:t>
-            </a:r>
-            <a:r>
-              <a:rPr sz="1600" dirty="0" err="1"/>
-              <a:t>விளைவை</a:t>
-            </a:r>
-            <a:r>
-              <a:rPr sz="1600" dirty="0"/>
-              <a:t> </a:t>
-            </a:r>
-            <a:r>
-              <a:rPr sz="1600" dirty="0" err="1"/>
-              <a:t>அல்லீல்கள்</a:t>
-            </a:r>
-            <a:r>
-              <a:rPr sz="1600" dirty="0"/>
-              <a:t> </a:t>
-            </a:r>
-            <a:r>
-              <a:rPr sz="1600" dirty="0" err="1"/>
-              <a:t>மறைக்கிறது</a:t>
-            </a:r>
-            <a:r>
-              <a:rPr sz="1600" dirty="0"/>
-              <a:t>.</a:t>
-            </a:r>
-          </a:p>
-          <a:p>
-            <a:endParaRPr sz="1600" dirty="0"/>
-          </a:p>
-          <a:p>
-            <a:r>
-              <a:rPr sz="1600" dirty="0"/>
-              <a:t>ஆ) </a:t>
-            </a:r>
-            <a:r>
-              <a:rPr sz="1600" dirty="0" err="1"/>
-              <a:t>அல்லீல்கள்</a:t>
-            </a:r>
-            <a:r>
-              <a:rPr sz="1600" dirty="0"/>
-              <a:t> </a:t>
-            </a:r>
-            <a:r>
-              <a:rPr sz="1600" dirty="0" err="1"/>
-              <a:t>இரண்டும்</a:t>
-            </a:r>
-            <a:r>
-              <a:rPr sz="1600" dirty="0"/>
-              <a:t> </a:t>
-            </a:r>
-            <a:r>
-              <a:rPr sz="1600" dirty="0" err="1"/>
-              <a:t>இடைசெயலினால்</a:t>
-            </a:r>
-            <a:r>
-              <a:rPr sz="1600" dirty="0"/>
-              <a:t> </a:t>
-            </a:r>
-            <a:r>
-              <a:rPr sz="1600" dirty="0" err="1"/>
-              <a:t>ஒரு</a:t>
-            </a:r>
-            <a:r>
-              <a:rPr sz="1600" dirty="0"/>
-              <a:t> </a:t>
-            </a:r>
-            <a:r>
-              <a:rPr sz="1600" dirty="0" err="1"/>
-              <a:t>பண்பை</a:t>
-            </a:r>
-            <a:r>
-              <a:rPr sz="1600" dirty="0"/>
-              <a:t> </a:t>
-            </a:r>
-            <a:r>
-              <a:rPr sz="1600" dirty="0" err="1"/>
-              <a:t>வெளிப்படுத்தும்</a:t>
-            </a:r>
-            <a:r>
-              <a:rPr sz="1600" dirty="0"/>
-              <a:t>. </a:t>
-            </a:r>
-            <a:r>
-              <a:rPr sz="1600" dirty="0" err="1"/>
-              <a:t>இப்பண்பு</a:t>
-            </a:r>
-            <a:r>
-              <a:rPr sz="1600" dirty="0"/>
-              <a:t> </a:t>
-            </a:r>
-            <a:r>
-              <a:rPr sz="1600" dirty="0" err="1"/>
-              <a:t>அதன்</a:t>
-            </a:r>
-            <a:r>
-              <a:rPr sz="1600" dirty="0"/>
-              <a:t> </a:t>
-            </a:r>
-            <a:r>
-              <a:rPr sz="1600" dirty="0" err="1"/>
-              <a:t>ஒவ்வொரு</a:t>
-            </a:r>
-            <a:r>
-              <a:rPr sz="1600" dirty="0"/>
-              <a:t> </a:t>
-            </a:r>
-            <a:r>
-              <a:rPr sz="1600" dirty="0" err="1"/>
-              <a:t>பெற்றோரை</a:t>
-            </a:r>
-            <a:r>
-              <a:rPr sz="1600" dirty="0"/>
-              <a:t> </a:t>
-            </a:r>
-            <a:r>
-              <a:rPr sz="1600" dirty="0" err="1"/>
-              <a:t>ஒத்தோ</a:t>
-            </a:r>
-            <a:r>
-              <a:rPr sz="1600" dirty="0"/>
-              <a:t> </a:t>
-            </a:r>
-            <a:r>
-              <a:rPr sz="1600" dirty="0" err="1"/>
-              <a:t>அல்லது</a:t>
-            </a:r>
-            <a:r>
-              <a:rPr sz="1600" dirty="0"/>
-              <a:t> </a:t>
-            </a:r>
-            <a:r>
-              <a:rPr sz="1600" dirty="0" err="1"/>
-              <a:t>ஒத்திருக்காமலோ</a:t>
-            </a:r>
-            <a:r>
-              <a:rPr sz="1600" dirty="0"/>
-              <a:t> </a:t>
-            </a:r>
-            <a:r>
-              <a:rPr sz="1600" dirty="0" err="1"/>
-              <a:t>காணப்படும்</a:t>
-            </a:r>
-            <a:endParaRPr sz="1600" dirty="0"/>
-          </a:p>
-          <a:p>
-            <a:endParaRPr sz="1600" dirty="0"/>
-          </a:p>
-          <a:p>
-            <a:r>
-              <a:rPr sz="1600" dirty="0"/>
-              <a:t>இ) </a:t>
-            </a:r>
-            <a:r>
-              <a:rPr sz="1600" dirty="0" err="1"/>
-              <a:t>ஏதேனும்</a:t>
-            </a:r>
-            <a:r>
-              <a:rPr sz="1600" dirty="0"/>
-              <a:t> </a:t>
-            </a:r>
-            <a:r>
-              <a:rPr sz="1600" dirty="0" err="1"/>
-              <a:t>பெற்றோரை</a:t>
-            </a:r>
-            <a:r>
-              <a:rPr sz="1600" dirty="0"/>
-              <a:t> </a:t>
-            </a:r>
-            <a:r>
-              <a:rPr sz="1600" dirty="0" err="1"/>
-              <a:t>சார்ந்தோ</a:t>
-            </a:r>
-            <a:r>
-              <a:rPr sz="1600" dirty="0"/>
-              <a:t> </a:t>
-            </a:r>
-            <a:r>
-              <a:rPr sz="1600" dirty="0" err="1"/>
-              <a:t>அல்லது</a:t>
-            </a:r>
-            <a:r>
-              <a:rPr sz="1600" dirty="0"/>
-              <a:t> </a:t>
-            </a:r>
-            <a:r>
-              <a:rPr sz="1600" dirty="0" err="1"/>
-              <a:t>சாராமலோ</a:t>
-            </a:r>
-            <a:r>
-              <a:rPr sz="1600" dirty="0"/>
-              <a:t> </a:t>
-            </a:r>
-            <a:r>
-              <a:rPr sz="1600" dirty="0" err="1"/>
-              <a:t>உள்ள</a:t>
-            </a:r>
-            <a:r>
-              <a:rPr sz="1600" dirty="0"/>
-              <a:t> </a:t>
-            </a:r>
-            <a:r>
-              <a:rPr sz="1600" dirty="0" err="1"/>
-              <a:t>பண்புக்கூறில்</a:t>
-            </a:r>
-            <a:r>
-              <a:rPr sz="1600" dirty="0"/>
-              <a:t> </a:t>
-            </a:r>
-            <a:r>
-              <a:rPr sz="1600" dirty="0" err="1"/>
-              <a:t>உள்ள</a:t>
-            </a:r>
-            <a:r>
-              <a:rPr sz="1600" dirty="0"/>
-              <a:t> </a:t>
-            </a:r>
-            <a:r>
-              <a:rPr sz="1600" dirty="0" err="1"/>
-              <a:t>இரு</a:t>
-            </a:r>
-            <a:r>
-              <a:rPr sz="1600" dirty="0"/>
-              <a:t> </a:t>
-            </a:r>
-            <a:r>
-              <a:rPr sz="1600" dirty="0" err="1"/>
-              <a:t>அல்லீல்கள்</a:t>
-            </a:r>
-            <a:endParaRPr sz="1600" dirty="0"/>
-          </a:p>
-          <a:p>
-            <a:endParaRPr sz="1600" dirty="0"/>
-          </a:p>
-          <a:p>
-            <a:r>
-              <a:rPr sz="1600" dirty="0"/>
-              <a:t>ஈ) </a:t>
-            </a:r>
-            <a:r>
-              <a:rPr sz="1600" dirty="0" err="1"/>
-              <a:t>அல்லீல்கள்</a:t>
-            </a:r>
-            <a:r>
-              <a:rPr sz="1600" dirty="0"/>
-              <a:t> </a:t>
-            </a:r>
-            <a:r>
-              <a:rPr sz="1600" dirty="0" err="1"/>
-              <a:t>ஒவ்வொன்றும்</a:t>
-            </a:r>
-            <a:r>
-              <a:rPr sz="1600" dirty="0"/>
-              <a:t> </a:t>
-            </a:r>
-            <a:r>
-              <a:rPr sz="1600" dirty="0" err="1"/>
-              <a:t>மாற்று</a:t>
-            </a:r>
-            <a:r>
-              <a:rPr sz="1600" dirty="0"/>
-              <a:t> </a:t>
-            </a:r>
-            <a:r>
-              <a:rPr sz="1600" dirty="0" err="1"/>
-              <a:t>பண்பிணைவு</a:t>
-            </a:r>
-            <a:r>
-              <a:rPr sz="1600" dirty="0"/>
-              <a:t> </a:t>
-            </a:r>
-            <a:r>
-              <a:rPr sz="1600" dirty="0" err="1"/>
-              <a:t>நிலையில்</a:t>
-            </a:r>
-            <a:r>
-              <a:rPr sz="1600" dirty="0"/>
-              <a:t> </a:t>
-            </a:r>
-            <a:r>
-              <a:rPr sz="1600" dirty="0" err="1"/>
-              <a:t>அதன்</a:t>
-            </a:r>
-            <a:r>
-              <a:rPr sz="1600" dirty="0"/>
-              <a:t> </a:t>
-            </a:r>
-            <a:r>
-              <a:rPr sz="1600" dirty="0" err="1"/>
-              <a:t>தனித்த</a:t>
-            </a:r>
-            <a:r>
-              <a:rPr sz="1600" dirty="0"/>
-              <a:t> </a:t>
-            </a:r>
-            <a:r>
-              <a:rPr sz="1600" dirty="0" err="1"/>
-              <a:t>தாக்கத்தை</a:t>
-            </a:r>
-            <a:r>
-              <a:rPr sz="1600" dirty="0"/>
-              <a:t> </a:t>
-            </a:r>
-            <a:r>
-              <a:rPr sz="1600" dirty="0" err="1"/>
-              <a:t>உண்டு</a:t>
-            </a:r>
-            <a:r>
-              <a:rPr sz="1600" dirty="0"/>
-              <a:t> </a:t>
-            </a:r>
-            <a:r>
-              <a:rPr sz="1600" dirty="0" err="1"/>
-              <a:t>பண்ணுகின்றன</a:t>
-            </a:r>
-            <a:endParaRPr sz="1600" dirty="0"/>
+          <a:p/>
+          <a:p>
+            <a:r>
+              <a:t>அ) ஒரு மரபணு வெளிப்பாடடையும் போது புறத்தோற்ற வகைய விளைவை அல்லீல்கள் மறைக்கிறது.</a:t>
+            </a:r>
+          </a:p>
+          <a:p/>
+          <a:p>
+            <a:r>
+              <a:t>ஆ) அல்லீல்கள் இரண்டும் இடைசெயலினால் ஒரு பண்பை வெளிப்படுத்தும். இப்பண்பு அதன் ஒவ்வொரு பெற்றோரை ஒத்தோ அல்லது ஒத்திருக்காமலோ காணப்படும்</a:t>
+            </a:r>
+          </a:p>
+          <a:p/>
+          <a:p>
+            <a:r>
+              <a:t>இ) ஏதேனும் பெற்றோரை சார்ந்தோ அல்லது சாராமலோ உள்ள பண்புக்கூறில் உள்ள இரு அல்லீல்கள்</a:t>
+            </a:r>
+          </a:p>
+          <a:p/>
+          <a:p>
+            <a:r>
+              <a:t>ஈ) அல்லீல்கள் ஒவ்வொன்றும் மாற்று பண்பிணைவு நிலையில் அதன் தனித்த தாக்கத்தை உண்டு பண்ணுகின்றன</a:t>
+            </a:r>
           </a:p>
         </p:txBody>
       </p:sp>
@@ -7412,7 +6663,7 @@
 </file>
 
 <file path=ppt/slides/slide29.xml><?xml version="1.0" encoding="utf-8"?>
-<p:sld xmlns:a="http://schemas.openxmlformats.org/drawingml/2006/main" xmlns:r="http://schemas.openxmlformats.org/officeDocument/2006/relationships" xmlns:p="http://schemas.openxmlformats.org/presentationml/2006/main">
+<p:sld xmlns:a="http://schemas.openxmlformats.org/drawingml/2006/main" xmlns:p="http://schemas.openxmlformats.org/presentationml/2006/main" xmlns:r="http://schemas.openxmlformats.org/officeDocument/2006/relationships">
   <p:cSld>
     <p:spTree>
       <p:nvGrpSpPr>
@@ -7420,14 +6671,7 @@
         <p:cNvGrpSpPr/>
         <p:nvPr/>
       </p:nvGrpSpPr>
-      <p:grpSpPr>
-        <a:xfrm>
-          <a:off x="0" y="0"/>
-          <a:ext cx="0" cy="0"/>
-          <a:chOff x="0" y="0"/>
-          <a:chExt cx="0" cy="0"/>
-        </a:xfrm>
-      </p:grpSpPr>
+      <p:grpSpPr/>
       <p:sp>
         <p:nvSpPr>
           <p:cNvPr id="2" name="Rectangle 1"/>
@@ -7496,9 +6740,7 @@
             <a:spAutoFit/>
           </a:bodyPr>
           <a:lstStyle/>
-          <a:p>
-            <a:endParaRPr/>
-          </a:p>
+          <a:p/>
           <a:p>
             <a:pPr>
               <a:defRPr sz="2000" b="1">
@@ -7512,17 +6754,13 @@
               <a:t>Q - 14  கீழ்காண்பவைகளுள் எச்சூழலில் இணை ஓங்குத்தன்மை மரபணுக்களைக் குறிப்பிடுகிறது?</a:t>
             </a:r>
           </a:p>
-          <a:p>
-            <a:endParaRPr/>
-          </a:p>
+          <a:p/>
           <a:p>
             <a:r>
               <a:t>AIIMS - 2009</a:t>
             </a:r>
           </a:p>
-          <a:p>
-            <a:endParaRPr/>
-          </a:p>
+          <a:p/>
           <a:p>
             <a:pPr>
               <a:defRPr sz="2000" b="1">
@@ -7575,7 +6813,7 @@
 </file>
 
 <file path=ppt/slides/slide3.xml><?xml version="1.0" encoding="utf-8"?>
-<p:sld xmlns:a="http://schemas.openxmlformats.org/drawingml/2006/main" xmlns:r="http://schemas.openxmlformats.org/officeDocument/2006/relationships" xmlns:p="http://schemas.openxmlformats.org/presentationml/2006/main">
+<p:sld xmlns:a="http://schemas.openxmlformats.org/drawingml/2006/main" xmlns:p="http://schemas.openxmlformats.org/presentationml/2006/main" xmlns:r="http://schemas.openxmlformats.org/officeDocument/2006/relationships">
   <p:cSld>
     <p:spTree>
       <p:nvGrpSpPr>
@@ -7583,14 +6821,7 @@
         <p:cNvGrpSpPr/>
         <p:nvPr/>
       </p:nvGrpSpPr>
-      <p:grpSpPr>
-        <a:xfrm>
-          <a:off x="0" y="0"/>
-          <a:ext cx="0" cy="0"/>
-          <a:chOff x="0" y="0"/>
-          <a:chExt cx="0" cy="0"/>
-        </a:xfrm>
-      </p:grpSpPr>
+      <p:grpSpPr/>
       <p:sp>
         <p:nvSpPr>
           <p:cNvPr id="2" name="Rectangle 1"/>
@@ -7659,9 +6890,7 @@
             <a:spAutoFit/>
           </a:bodyPr>
           <a:lstStyle/>
-          <a:p>
-            <a:endParaRPr/>
-          </a:p>
+          <a:p/>
           <a:p>
             <a:pPr>
               <a:defRPr sz="2000" b="1">
@@ -7675,17 +6904,13 @@
               <a:t>Q - 1  சைட்டோபிளாச ஆண் மலட்டுத்தன்மை உடைய தாவரங்களில் மரபணுக்கள் அமைந்திருக்குமிடம் </a:t>
             </a:r>
           </a:p>
-          <a:p>
-            <a:endParaRPr/>
-          </a:p>
+          <a:p/>
           <a:p>
             <a:r>
               <a:t>AIPMT - 2005</a:t>
             </a:r>
           </a:p>
-          <a:p>
-            <a:endParaRPr/>
-          </a:p>
+          <a:p/>
           <a:p>
             <a:pPr>
               <a:defRPr sz="2000" b="1">
@@ -7738,7 +6963,7 @@
 </file>
 
 <file path=ppt/slides/slide30.xml><?xml version="1.0" encoding="utf-8"?>
-<p:sld xmlns:a="http://schemas.openxmlformats.org/drawingml/2006/main" xmlns:r="http://schemas.openxmlformats.org/officeDocument/2006/relationships" xmlns:p="http://schemas.openxmlformats.org/presentationml/2006/main">
+<p:sld xmlns:a="http://schemas.openxmlformats.org/drawingml/2006/main" xmlns:p="http://schemas.openxmlformats.org/presentationml/2006/main" xmlns:r="http://schemas.openxmlformats.org/officeDocument/2006/relationships">
   <p:cSld>
     <p:spTree>
       <p:nvGrpSpPr>
@@ -7746,14 +6971,7 @@
         <p:cNvGrpSpPr/>
         <p:nvPr/>
       </p:nvGrpSpPr>
-      <p:grpSpPr>
-        <a:xfrm>
-          <a:off x="0" y="0"/>
-          <a:ext cx="0" cy="0"/>
-          <a:chOff x="0" y="0"/>
-          <a:chExt cx="0" cy="0"/>
-        </a:xfrm>
-      </p:grpSpPr>
+      <p:grpSpPr/>
       <p:sp>
         <p:nvSpPr>
           <p:cNvPr id="2" name="Rectangle 1"/>
@@ -7810,21 +7028,19 @@
         <p:spPr>
           <a:xfrm>
             <a:off x="457200" y="1005840"/>
-            <a:ext cx="7315200" cy="4093428"/>
-          </a:xfrm>
-          <a:prstGeom prst="rect">
-            <a:avLst/>
-          </a:prstGeom>
-          <a:noFill/>
-        </p:spPr>
-        <p:txBody>
-          <a:bodyPr wrap="square">
-            <a:spAutoFit/>
-          </a:bodyPr>
-          <a:lstStyle/>
-          <a:p>
-            <a:endParaRPr dirty="0"/>
-          </a:p>
+            <a:ext cx="7315200" cy="3657600"/>
+          </a:xfrm>
+          <a:prstGeom prst="rect">
+            <a:avLst/>
+          </a:prstGeom>
+          <a:noFill/>
+        </p:spPr>
+        <p:txBody>
+          <a:bodyPr wrap="square">
+            <a:spAutoFit/>
+          </a:bodyPr>
+          <a:lstStyle/>
+          <a:p/>
           <a:p>
             <a:pPr>
               <a:defRPr sz="2000" b="1">
@@ -7835,351 +7051,38 @@
               </a:defRPr>
             </a:pPr>
             <a:r>
-              <a:rPr dirty="0"/>
-              <a:t>Q - 15  ‘</a:t>
-            </a:r>
-            <a:r>
-              <a:rPr dirty="0" err="1"/>
-              <a:t>A’வை</a:t>
-            </a:r>
-            <a:r>
-              <a:rPr dirty="0"/>
-              <a:t> </a:t>
-            </a:r>
-            <a:r>
-              <a:rPr dirty="0" err="1"/>
-              <a:t>ஓங்கு</a:t>
-            </a:r>
-            <a:r>
-              <a:rPr dirty="0"/>
-              <a:t> </a:t>
-            </a:r>
-            <a:r>
-              <a:rPr dirty="0" err="1"/>
-              <a:t>அல்லீலாகவும்</a:t>
-            </a:r>
-            <a:r>
-              <a:rPr dirty="0"/>
-              <a:t>, ‘</a:t>
-            </a:r>
-            <a:r>
-              <a:rPr dirty="0" err="1"/>
-              <a:t>a’வை</a:t>
-            </a:r>
-            <a:r>
-              <a:rPr dirty="0"/>
-              <a:t> </a:t>
-            </a:r>
-            <a:r>
-              <a:rPr dirty="0" err="1"/>
-              <a:t>ஒடுங்கு</a:t>
-            </a:r>
-            <a:r>
-              <a:rPr dirty="0"/>
-              <a:t> </a:t>
-            </a:r>
-            <a:r>
-              <a:rPr dirty="0" err="1"/>
-              <a:t>அல்லீலாகவும்</a:t>
-            </a:r>
-            <a:r>
-              <a:rPr dirty="0"/>
-              <a:t> </a:t>
-            </a:r>
-            <a:r>
-              <a:rPr dirty="0" err="1"/>
-              <a:t>கொண்டு</a:t>
-            </a:r>
-            <a:r>
-              <a:rPr dirty="0"/>
-              <a:t> </a:t>
-            </a:r>
-            <a:r>
-              <a:rPr dirty="0" err="1"/>
-              <a:t>முதல்</a:t>
-            </a:r>
-            <a:r>
-              <a:rPr dirty="0"/>
-              <a:t> </a:t>
-            </a:r>
-            <a:r>
-              <a:rPr dirty="0" err="1"/>
-              <a:t>மகவுச்சந்ததியில்</a:t>
-            </a:r>
-            <a:r>
-              <a:rPr dirty="0"/>
-              <a:t> </a:t>
-            </a:r>
-            <a:r>
-              <a:rPr dirty="0" err="1"/>
-              <a:t>Aaவை</a:t>
-            </a:r>
-            <a:r>
-              <a:rPr dirty="0"/>
-              <a:t> </a:t>
-            </a:r>
-            <a:r>
-              <a:rPr dirty="0" err="1"/>
-              <a:t>aaவுடன்</a:t>
-            </a:r>
-            <a:r>
-              <a:rPr dirty="0"/>
-              <a:t> </a:t>
-            </a:r>
-            <a:r>
-              <a:rPr dirty="0" err="1"/>
-              <a:t>கலப்புறச்</a:t>
-            </a:r>
-            <a:r>
-              <a:rPr dirty="0"/>
-              <a:t> </a:t>
-            </a:r>
-            <a:r>
-              <a:rPr dirty="0" err="1"/>
-              <a:t>செய்யும்போது</a:t>
-            </a:r>
-            <a:r>
-              <a:rPr dirty="0"/>
-              <a:t> </a:t>
-            </a:r>
-            <a:r>
-              <a:rPr dirty="0" err="1"/>
-              <a:t>பெரும்பாலும்</a:t>
-            </a:r>
-            <a:r>
-              <a:rPr dirty="0"/>
-              <a:t> </a:t>
-            </a:r>
-            <a:r>
-              <a:rPr dirty="0" err="1"/>
-              <a:t>வெளிப்படுவது</a:t>
-            </a:r>
-            <a:endParaRPr dirty="0"/>
-          </a:p>
-          <a:p>
-            <a:endParaRPr dirty="0"/>
-          </a:p>
-          <a:p>
-            <a:r>
-              <a:rPr dirty="0"/>
+              <a:t>Q - 15  ‘A’வை ஓங்கு அல்லீலாகவும், ‘a’வை ஒடுங்கு அல்லீலாகவும் கொண்டு முதல் மகவுச்சந்ததியில் Aaவை aaவுடன் கலப்புறச் செய்யும்போது பெரும்பாலும் வெளிப்படுவது</a:t>
+            </a:r>
+          </a:p>
+          <a:p/>
+          <a:p>
+            <a:r>
               <a:t>AIIMS - 2016</a:t>
             </a:r>
           </a:p>
-          <a:p>
-            <a:endParaRPr dirty="0"/>
-          </a:p>
-          <a:p>
-            <a:r>
-              <a:rPr sz="1600" dirty="0"/>
-              <a:t>அ) </a:t>
-            </a:r>
-            <a:r>
-              <a:rPr sz="1600" dirty="0" err="1"/>
-              <a:t>அனைத்தும்</a:t>
-            </a:r>
-            <a:r>
-              <a:rPr sz="1600" dirty="0"/>
-              <a:t> </a:t>
-            </a:r>
-            <a:r>
-              <a:rPr sz="1600" dirty="0" err="1"/>
-              <a:t>ஓங்குதன்மை</a:t>
-            </a:r>
-            <a:r>
-              <a:rPr sz="1600" dirty="0"/>
-              <a:t> </a:t>
-            </a:r>
-            <a:r>
-              <a:rPr sz="1600" dirty="0" err="1"/>
-              <a:t>புறத்தோற்ற</a:t>
-            </a:r>
-            <a:r>
-              <a:rPr sz="1600" dirty="0"/>
-              <a:t> </a:t>
-            </a:r>
-            <a:r>
-              <a:rPr sz="1600" dirty="0" err="1"/>
-              <a:t>வகையத்தை</a:t>
-            </a:r>
-            <a:r>
-              <a:rPr sz="1600" dirty="0"/>
-              <a:t> </a:t>
-            </a:r>
-            <a:r>
-              <a:rPr sz="1600" dirty="0" err="1"/>
-              <a:t>வெளிப்படுத்தும்</a:t>
-            </a:r>
-            <a:endParaRPr sz="1600" dirty="0"/>
-          </a:p>
-          <a:p>
-            <a:endParaRPr sz="1600" dirty="0"/>
-          </a:p>
-          <a:p>
-            <a:r>
-              <a:rPr sz="1600" dirty="0"/>
-              <a:t>ஆ) </a:t>
-            </a:r>
-            <a:r>
-              <a:rPr sz="1600" dirty="0" err="1"/>
-              <a:t>அனைத்தும்</a:t>
-            </a:r>
-            <a:r>
-              <a:rPr sz="1600" dirty="0"/>
-              <a:t> </a:t>
-            </a:r>
-            <a:r>
-              <a:rPr sz="1600" dirty="0" err="1"/>
-              <a:t>ஒடுங்குத்தன்மை</a:t>
-            </a:r>
-            <a:r>
-              <a:rPr sz="1600" dirty="0"/>
-              <a:t> </a:t>
-            </a:r>
-            <a:r>
-              <a:rPr sz="1600" dirty="0" err="1"/>
-              <a:t>புறத்தோற்ற</a:t>
-            </a:r>
-            <a:r>
-              <a:rPr sz="1600" dirty="0"/>
-              <a:t> </a:t>
-            </a:r>
-            <a:r>
-              <a:rPr sz="1600" dirty="0" err="1"/>
-              <a:t>வகையத்தை</a:t>
-            </a:r>
-            <a:r>
-              <a:rPr sz="1600" dirty="0"/>
-              <a:t> </a:t>
-            </a:r>
-            <a:r>
-              <a:rPr sz="1600" dirty="0" err="1"/>
-              <a:t>வெளிப்படுத்தும்</a:t>
-            </a:r>
-            <a:endParaRPr sz="1600" dirty="0"/>
-          </a:p>
-          <a:p>
-            <a:endParaRPr sz="1600" dirty="0"/>
-          </a:p>
-          <a:p>
-            <a:r>
-              <a:rPr sz="1600" dirty="0"/>
-              <a:t>இ) 50% </a:t>
-            </a:r>
-            <a:r>
-              <a:rPr sz="1600" dirty="0" err="1"/>
-              <a:t>விழுக்காடாக</a:t>
-            </a:r>
-            <a:r>
-              <a:rPr sz="1600" dirty="0"/>
-              <a:t> </a:t>
-            </a:r>
-            <a:r>
-              <a:rPr sz="1600" dirty="0" err="1"/>
-              <a:t>இரு</a:t>
-            </a:r>
-            <a:r>
-              <a:rPr sz="1600" dirty="0"/>
-              <a:t> </a:t>
-            </a:r>
-            <a:r>
-              <a:rPr sz="1600" dirty="0" err="1"/>
-              <a:t>வகையமும்</a:t>
-            </a:r>
-            <a:r>
-              <a:rPr sz="1600" dirty="0"/>
-              <a:t> </a:t>
-            </a:r>
-            <a:r>
-              <a:rPr sz="1600" dirty="0" err="1"/>
-              <a:t>முறையே</a:t>
-            </a:r>
-            <a:r>
-              <a:rPr sz="1600" dirty="0"/>
-              <a:t> </a:t>
-            </a:r>
-            <a:r>
-              <a:rPr sz="1600" dirty="0" err="1"/>
-              <a:t>ஓங்குத்தன்மை</a:t>
-            </a:r>
-            <a:r>
-              <a:rPr sz="1600" dirty="0"/>
-              <a:t> </a:t>
-            </a:r>
-            <a:r>
-              <a:rPr sz="1600" dirty="0" err="1"/>
-              <a:t>மற்றும்</a:t>
-            </a:r>
-            <a:r>
-              <a:rPr sz="1600" dirty="0"/>
-              <a:t> </a:t>
-            </a:r>
-            <a:r>
-              <a:rPr sz="1600" dirty="0" err="1"/>
-              <a:t>ஒடுங்குத்தன்மை</a:t>
-            </a:r>
-            <a:r>
-              <a:rPr sz="1600" dirty="0"/>
-              <a:t> </a:t>
-            </a:r>
-            <a:r>
-              <a:rPr sz="1600" dirty="0" err="1"/>
-              <a:t>புறத்தோற்ற</a:t>
-            </a:r>
-            <a:r>
-              <a:rPr sz="1600" dirty="0"/>
-              <a:t> </a:t>
-            </a:r>
-            <a:r>
-              <a:rPr sz="1600" dirty="0" err="1"/>
-              <a:t>வகையங்களை</a:t>
-            </a:r>
-            <a:r>
-              <a:rPr sz="1600" dirty="0"/>
-              <a:t> </a:t>
-            </a:r>
-            <a:r>
-              <a:rPr sz="1600" dirty="0" err="1"/>
-              <a:t>வெளிப்படுத்தும்</a:t>
-            </a:r>
-            <a:endParaRPr sz="1600" dirty="0"/>
-          </a:p>
-          <a:p>
-            <a:endParaRPr sz="1600" dirty="0"/>
-          </a:p>
-          <a:p>
-            <a:r>
-              <a:rPr sz="1600" dirty="0"/>
-              <a:t>ஈ) 75% </a:t>
-            </a:r>
-            <a:r>
-              <a:rPr sz="1600" dirty="0" err="1"/>
-              <a:t>ஒங்குத்தன்மை</a:t>
-            </a:r>
-            <a:r>
-              <a:rPr sz="1600" dirty="0"/>
-              <a:t> </a:t>
-            </a:r>
-            <a:r>
-              <a:rPr sz="1600" dirty="0" err="1"/>
-              <a:t>புறத்தோற்ற</a:t>
-            </a:r>
-            <a:r>
-              <a:rPr sz="1600" dirty="0"/>
-              <a:t> </a:t>
-            </a:r>
-            <a:r>
-              <a:rPr sz="1600" dirty="0" err="1"/>
-              <a:t>வகையத்தை</a:t>
-            </a:r>
-            <a:r>
-              <a:rPr sz="1600" dirty="0"/>
-              <a:t> </a:t>
-            </a:r>
-            <a:r>
-              <a:rPr sz="1600" dirty="0" err="1"/>
-              <a:t>வெளிப்படுத்தும்</a:t>
-            </a:r>
-            <a:endParaRPr sz="1600" dirty="0"/>
+          <a:p/>
+          <a:p>
+            <a:r>
+              <a:t>அ) அனைத்தும் ஓங்குதன்மை புறத்தோற்ற வகையத்தை வெளிப்படுத்தும்</a:t>
+            </a:r>
+          </a:p>
+          <a:p/>
+          <a:p>
+            <a:r>
+              <a:t>ஆ) அனைத்தும் ஒடுங்குத்தன்மை புறத்தோற்ற வகையத்தை வெளிப்படுத்தும்</a:t>
+            </a:r>
+          </a:p>
+          <a:p/>
+          <a:p>
+            <a:r>
+              <a:t>இ) 50% விழுக்காடாக இரு வகையமும் முறையே ஓங்குத்தன்மை மற்றும் ஒடுங்குத்தன்மை புறத்தோற்ற வகையங்களை வெளிப்படுத்தும்</a:t>
+            </a:r>
+          </a:p>
+          <a:p/>
+          <a:p>
+            <a:r>
+              <a:t>ஈ) 75% ஒங்குத்தன்மை புறத்தோற்ற வகையத்தை வெளிப்படுத்தும்</a:t>
+            </a:r>
           </a:p>
         </p:txBody>
       </p:sp>
@@ -8220,7 +7123,7 @@
 </file>
 
 <file path=ppt/slides/slide31.xml><?xml version="1.0" encoding="utf-8"?>
-<p:sld xmlns:a="http://schemas.openxmlformats.org/drawingml/2006/main" xmlns:r="http://schemas.openxmlformats.org/officeDocument/2006/relationships" xmlns:p="http://schemas.openxmlformats.org/presentationml/2006/main">
+<p:sld xmlns:a="http://schemas.openxmlformats.org/drawingml/2006/main" xmlns:p="http://schemas.openxmlformats.org/presentationml/2006/main" xmlns:r="http://schemas.openxmlformats.org/officeDocument/2006/relationships">
   <p:cSld>
     <p:spTree>
       <p:nvGrpSpPr>
@@ -8228,14 +7131,7 @@
         <p:cNvGrpSpPr/>
         <p:nvPr/>
       </p:nvGrpSpPr>
-      <p:grpSpPr>
-        <a:xfrm>
-          <a:off x="0" y="0"/>
-          <a:ext cx="0" cy="0"/>
-          <a:chOff x="0" y="0"/>
-          <a:chExt cx="0" cy="0"/>
-        </a:xfrm>
-      </p:grpSpPr>
+      <p:grpSpPr/>
       <p:sp>
         <p:nvSpPr>
           <p:cNvPr id="2" name="Rectangle 1"/>
@@ -8304,9 +7200,7 @@
             <a:spAutoFit/>
           </a:bodyPr>
           <a:lstStyle/>
-          <a:p>
-            <a:endParaRPr/>
-          </a:p>
+          <a:p/>
           <a:p>
             <a:pPr>
               <a:defRPr sz="2000" b="1">
@@ -8320,17 +7214,13 @@
               <a:t>Q - 15  ‘A’வை ஓங்கு அல்லீலாகவும், ‘a’வை ஒடுங்கு அல்லீலாகவும் கொண்டு முதல் மகவுச்சந்ததியில் Aaவை aaவுடன் கலப்புறச் செய்யும்போது பெரும்பாலும் வெளிப்படுவது</a:t>
             </a:r>
           </a:p>
-          <a:p>
-            <a:endParaRPr/>
-          </a:p>
+          <a:p/>
           <a:p>
             <a:r>
               <a:t>AIIMS - 2016</a:t>
             </a:r>
           </a:p>
-          <a:p>
-            <a:endParaRPr/>
-          </a:p>
+          <a:p/>
           <a:p>
             <a:pPr>
               <a:defRPr sz="2000" b="1">
@@ -8383,7 +7273,7 @@
 </file>
 
 <file path=ppt/slides/slide32.xml><?xml version="1.0" encoding="utf-8"?>
-<p:sld xmlns:a="http://schemas.openxmlformats.org/drawingml/2006/main" xmlns:r="http://schemas.openxmlformats.org/officeDocument/2006/relationships" xmlns:p="http://schemas.openxmlformats.org/presentationml/2006/main">
+<p:sld xmlns:a="http://schemas.openxmlformats.org/drawingml/2006/main" xmlns:p="http://schemas.openxmlformats.org/presentationml/2006/main" xmlns:r="http://schemas.openxmlformats.org/officeDocument/2006/relationships">
   <p:cSld>
     <p:spTree>
       <p:nvGrpSpPr>
@@ -8391,14 +7281,7 @@
         <p:cNvGrpSpPr/>
         <p:nvPr/>
       </p:nvGrpSpPr>
-      <p:grpSpPr>
-        <a:xfrm>
-          <a:off x="0" y="0"/>
-          <a:ext cx="0" cy="0"/>
-          <a:chOff x="0" y="0"/>
-          <a:chExt cx="0" cy="0"/>
-        </a:xfrm>
-      </p:grpSpPr>
+      <p:grpSpPr/>
       <p:sp>
         <p:nvSpPr>
           <p:cNvPr id="2" name="Rectangle 1"/>
@@ -8467,9 +7350,7 @@
             <a:spAutoFit/>
           </a:bodyPr>
           <a:lstStyle/>
-          <a:p>
-            <a:endParaRPr/>
-          </a:p>
+          <a:p/>
           <a:p>
             <a:pPr>
               <a:defRPr sz="2000" b="1">
@@ -8483,41 +7364,31 @@
               <a:t>Q - 16  பைசம் சட்டைவம் 14 குரோமோசோம்களை பெற்றுள்ள நிலையில் எத்தனை வகை ஓரிணைகள் காணப்படுகின்றன?</a:t>
             </a:r>
           </a:p>
-          <a:p>
-            <a:endParaRPr/>
-          </a:p>
+          <a:p/>
           <a:p>
             <a:r>
               <a:t>JIPMER - 2010</a:t>
             </a:r>
           </a:p>
-          <a:p>
-            <a:endParaRPr/>
-          </a:p>
+          <a:p/>
           <a:p>
             <a:r>
               <a:t>அ) 14</a:t>
             </a:r>
           </a:p>
-          <a:p>
-            <a:endParaRPr/>
-          </a:p>
+          <a:p/>
           <a:p>
             <a:r>
               <a:t>ஆ) 7</a:t>
             </a:r>
           </a:p>
-          <a:p>
-            <a:endParaRPr/>
-          </a:p>
+          <a:p/>
           <a:p>
             <a:r>
               <a:t>இ) 214</a:t>
             </a:r>
           </a:p>
-          <a:p>
-            <a:endParaRPr/>
-          </a:p>
+          <a:p/>
           <a:p>
             <a:r>
               <a:t>ஈ) 210</a:t>
@@ -8562,7 +7433,7 @@
 </file>
 
 <file path=ppt/slides/slide33.xml><?xml version="1.0" encoding="utf-8"?>
-<p:sld xmlns:a="http://schemas.openxmlformats.org/drawingml/2006/main" xmlns:r="http://schemas.openxmlformats.org/officeDocument/2006/relationships" xmlns:p="http://schemas.openxmlformats.org/presentationml/2006/main">
+<p:sld xmlns:a="http://schemas.openxmlformats.org/drawingml/2006/main" xmlns:p="http://schemas.openxmlformats.org/presentationml/2006/main" xmlns:r="http://schemas.openxmlformats.org/officeDocument/2006/relationships">
   <p:cSld>
     <p:spTree>
       <p:nvGrpSpPr>
@@ -8570,14 +7441,7 @@
         <p:cNvGrpSpPr/>
         <p:nvPr/>
       </p:nvGrpSpPr>
-      <p:grpSpPr>
-        <a:xfrm>
-          <a:off x="0" y="0"/>
-          <a:ext cx="0" cy="0"/>
-          <a:chOff x="0" y="0"/>
-          <a:chExt cx="0" cy="0"/>
-        </a:xfrm>
-      </p:grpSpPr>
+      <p:grpSpPr/>
       <p:sp>
         <p:nvSpPr>
           <p:cNvPr id="2" name="Rectangle 1"/>
@@ -8646,9 +7510,7 @@
             <a:spAutoFit/>
           </a:bodyPr>
           <a:lstStyle/>
-          <a:p>
-            <a:endParaRPr/>
-          </a:p>
+          <a:p/>
           <a:p>
             <a:pPr>
               <a:defRPr sz="2000" b="1">
@@ -8662,17 +7524,13 @@
               <a:t>Q - 16  பைசம் சட்டைவம் 14 குரோமோசோம்களை பெற்றுள்ள நிலையில் எத்தனை வகை ஓரிணைகள் காணப்படுகின்றன?</a:t>
             </a:r>
           </a:p>
-          <a:p>
-            <a:endParaRPr/>
-          </a:p>
+          <a:p/>
           <a:p>
             <a:r>
               <a:t>JIPMER - 2010</a:t>
             </a:r>
           </a:p>
-          <a:p>
-            <a:endParaRPr/>
-          </a:p>
+          <a:p/>
           <a:p>
             <a:pPr>
               <a:defRPr sz="2000" b="1">
@@ -8725,7 +7583,7 @@
 </file>
 
 <file path=ppt/slides/slide34.xml><?xml version="1.0" encoding="utf-8"?>
-<p:sld xmlns:a="http://schemas.openxmlformats.org/drawingml/2006/main" xmlns:r="http://schemas.openxmlformats.org/officeDocument/2006/relationships" xmlns:p="http://schemas.openxmlformats.org/presentationml/2006/main">
+<p:sld xmlns:a="http://schemas.openxmlformats.org/drawingml/2006/main" xmlns:p="http://schemas.openxmlformats.org/presentationml/2006/main" xmlns:r="http://schemas.openxmlformats.org/officeDocument/2006/relationships">
   <p:cSld>
     <p:spTree>
       <p:nvGrpSpPr>
@@ -8733,14 +7591,7 @@
         <p:cNvGrpSpPr/>
         <p:nvPr/>
       </p:nvGrpSpPr>
-      <p:grpSpPr>
-        <a:xfrm>
-          <a:off x="0" y="0"/>
-          <a:ext cx="0" cy="0"/>
-          <a:chOff x="0" y="0"/>
-          <a:chExt cx="0" cy="0"/>
-        </a:xfrm>
-      </p:grpSpPr>
+      <p:grpSpPr/>
       <p:sp>
         <p:nvSpPr>
           <p:cNvPr id="2" name="Rectangle 1"/>
@@ -8809,9 +7660,7 @@
             <a:spAutoFit/>
           </a:bodyPr>
           <a:lstStyle/>
-          <a:p>
-            <a:endParaRPr/>
-          </a:p>
+          <a:p/>
           <a:p>
             <a:pPr>
               <a:defRPr sz="2000" b="1">
@@ -8825,41 +7674,31 @@
               <a:t>Q - 17  கி.பி. 1900  ஆண்டு மரபியலாளர்களுக்கு அதீத முக்கியத்துவம் வாய்ந்தது. ஏனெனில்?</a:t>
             </a:r>
           </a:p>
-          <a:p>
-            <a:endParaRPr/>
-          </a:p>
+          <a:p/>
           <a:p>
             <a:r>
               <a:t>JIPMER - 2013</a:t>
             </a:r>
           </a:p>
-          <a:p>
-            <a:endParaRPr/>
-          </a:p>
+          <a:p/>
           <a:p>
             <a:r>
               <a:t>அ) மரபணுக்களின் கண்டுபிடிப்பு</a:t>
             </a:r>
           </a:p>
-          <a:p>
-            <a:endParaRPr/>
-          </a:p>
+          <a:p/>
           <a:p>
             <a:r>
               <a:t>ஆ) பிணைப்பு நெறிமுறைகள்</a:t>
             </a:r>
           </a:p>
-          <a:p>
-            <a:endParaRPr/>
-          </a:p>
+          <a:p/>
           <a:p>
             <a:r>
               <a:t>இ) பாரம்பரியத்தில் குரோமோசோம் கோட்ப்பாடு</a:t>
             </a:r>
           </a:p>
-          <a:p>
-            <a:endParaRPr/>
-          </a:p>
+          <a:p/>
           <a:p>
             <a:r>
               <a:t>ஈ) மெண்டலிய மறு கண்டுபிடிப்பு</a:t>
@@ -8904,7 +7743,7 @@
 </file>
 
 <file path=ppt/slides/slide35.xml><?xml version="1.0" encoding="utf-8"?>
-<p:sld xmlns:a="http://schemas.openxmlformats.org/drawingml/2006/main" xmlns:r="http://schemas.openxmlformats.org/officeDocument/2006/relationships" xmlns:p="http://schemas.openxmlformats.org/presentationml/2006/main">
+<p:sld xmlns:a="http://schemas.openxmlformats.org/drawingml/2006/main" xmlns:p="http://schemas.openxmlformats.org/presentationml/2006/main" xmlns:r="http://schemas.openxmlformats.org/officeDocument/2006/relationships">
   <p:cSld>
     <p:spTree>
       <p:nvGrpSpPr>
@@ -8912,14 +7751,7 @@
         <p:cNvGrpSpPr/>
         <p:nvPr/>
       </p:nvGrpSpPr>
-      <p:grpSpPr>
-        <a:xfrm>
-          <a:off x="0" y="0"/>
-          <a:ext cx="0" cy="0"/>
-          <a:chOff x="0" y="0"/>
-          <a:chExt cx="0" cy="0"/>
-        </a:xfrm>
-      </p:grpSpPr>
+      <p:grpSpPr/>
       <p:sp>
         <p:nvSpPr>
           <p:cNvPr id="2" name="Rectangle 1"/>
@@ -8988,9 +7820,7 @@
             <a:spAutoFit/>
           </a:bodyPr>
           <a:lstStyle/>
-          <a:p>
-            <a:endParaRPr/>
-          </a:p>
+          <a:p/>
           <a:p>
             <a:pPr>
               <a:defRPr sz="2000" b="1">
@@ -9004,17 +7834,13 @@
               <a:t>Q - 17  கி.பி. 1900  ஆண்டு மரபியலாளர்களுக்கு அதீத முக்கியத்துவம் வாய்ந்தது. ஏனெனில்?</a:t>
             </a:r>
           </a:p>
-          <a:p>
-            <a:endParaRPr/>
-          </a:p>
+          <a:p/>
           <a:p>
             <a:r>
               <a:t>JIPMER - 2013</a:t>
             </a:r>
           </a:p>
-          <a:p>
-            <a:endParaRPr/>
-          </a:p>
+          <a:p/>
           <a:p>
             <a:pPr>
               <a:defRPr sz="2000" b="1">
@@ -9067,7 +7893,7 @@
 </file>
 
 <file path=ppt/slides/slide36.xml><?xml version="1.0" encoding="utf-8"?>
-<p:sld xmlns:a="http://schemas.openxmlformats.org/drawingml/2006/main" xmlns:r="http://schemas.openxmlformats.org/officeDocument/2006/relationships" xmlns:p="http://schemas.openxmlformats.org/presentationml/2006/main">
+<p:sld xmlns:a="http://schemas.openxmlformats.org/drawingml/2006/main" xmlns:p="http://schemas.openxmlformats.org/presentationml/2006/main" xmlns:r="http://schemas.openxmlformats.org/officeDocument/2006/relationships">
   <p:cSld>
     <p:spTree>
       <p:nvGrpSpPr>
@@ -9075,14 +7901,7 @@
         <p:cNvGrpSpPr/>
         <p:nvPr/>
       </p:nvGrpSpPr>
-      <p:grpSpPr>
-        <a:xfrm>
-          <a:off x="0" y="0"/>
-          <a:ext cx="0" cy="0"/>
-          <a:chOff x="0" y="0"/>
-          <a:chExt cx="0" cy="0"/>
-        </a:xfrm>
-      </p:grpSpPr>
+      <p:grpSpPr/>
       <p:sp>
         <p:nvSpPr>
           <p:cNvPr id="2" name="Rectangle 1"/>
@@ -9151,9 +7970,7 @@
             <a:spAutoFit/>
           </a:bodyPr>
           <a:lstStyle/>
-          <a:p>
-            <a:endParaRPr/>
-          </a:p>
+          <a:p/>
           <a:p>
             <a:pPr>
               <a:defRPr sz="2000" b="1">
@@ -9167,41 +7984,31 @@
               <a:t>Q - 18  முப்பண்புக் கலப்பின் இரண்டாம் மகவுச்சந்ததி புறத்தோற்ற வகைய விகிதம்? </a:t>
             </a:r>
           </a:p>
-          <a:p>
-            <a:endParaRPr/>
-          </a:p>
+          <a:p/>
           <a:p>
             <a:r>
               <a:t>JIPMER - 2016</a:t>
             </a:r>
           </a:p>
-          <a:p>
-            <a:endParaRPr/>
-          </a:p>
+          <a:p/>
           <a:p>
             <a:r>
               <a:t>அ) 27:9:9:9:3:3:3:1 </a:t>
             </a:r>
           </a:p>
-          <a:p>
-            <a:endParaRPr/>
-          </a:p>
+          <a:p/>
           <a:p>
             <a:r>
               <a:t>ஆ) 9:3:3:1</a:t>
             </a:r>
           </a:p>
-          <a:p>
-            <a:endParaRPr/>
-          </a:p>
+          <a:p/>
           <a:p>
             <a:r>
               <a:t>இ) 1:4:6:4:1 </a:t>
             </a:r>
           </a:p>
-          <a:p>
-            <a:endParaRPr/>
-          </a:p>
+          <a:p/>
           <a:p>
             <a:r>
               <a:t>ஈ) 27:9:3:3:9:1:2:1</a:t>
@@ -9246,7 +8053,7 @@
 </file>
 
 <file path=ppt/slides/slide37.xml><?xml version="1.0" encoding="utf-8"?>
-<p:sld xmlns:a="http://schemas.openxmlformats.org/drawingml/2006/main" xmlns:r="http://schemas.openxmlformats.org/officeDocument/2006/relationships" xmlns:p="http://schemas.openxmlformats.org/presentationml/2006/main">
+<p:sld xmlns:a="http://schemas.openxmlformats.org/drawingml/2006/main" xmlns:p="http://schemas.openxmlformats.org/presentationml/2006/main" xmlns:r="http://schemas.openxmlformats.org/officeDocument/2006/relationships">
   <p:cSld>
     <p:spTree>
       <p:nvGrpSpPr>
@@ -9254,14 +8061,7 @@
         <p:cNvGrpSpPr/>
         <p:nvPr/>
       </p:nvGrpSpPr>
-      <p:grpSpPr>
-        <a:xfrm>
-          <a:off x="0" y="0"/>
-          <a:ext cx="0" cy="0"/>
-          <a:chOff x="0" y="0"/>
-          <a:chExt cx="0" cy="0"/>
-        </a:xfrm>
-      </p:grpSpPr>
+      <p:grpSpPr/>
       <p:sp>
         <p:nvSpPr>
           <p:cNvPr id="2" name="Rectangle 1"/>
@@ -9330,9 +8130,7 @@
             <a:spAutoFit/>
           </a:bodyPr>
           <a:lstStyle/>
-          <a:p>
-            <a:endParaRPr/>
-          </a:p>
+          <a:p/>
           <a:p>
             <a:pPr>
               <a:defRPr sz="2000" b="1">
@@ -9346,17 +8144,13 @@
               <a:t>Q - 18  முப்பண்புக் கலப்பின் இரண்டாம் மகவுச்சந்ததி புறத்தோற்ற வகைய விகிதம்? </a:t>
             </a:r>
           </a:p>
-          <a:p>
-            <a:endParaRPr/>
-          </a:p>
+          <a:p/>
           <a:p>
             <a:r>
               <a:t>JIPMER - 2016</a:t>
             </a:r>
           </a:p>
-          <a:p>
-            <a:endParaRPr/>
-          </a:p>
+          <a:p/>
           <a:p>
             <a:pPr>
               <a:defRPr sz="2000" b="1">
@@ -9409,7 +8203,7 @@
 </file>
 
 <file path=ppt/slides/slide38.xml><?xml version="1.0" encoding="utf-8"?>
-<p:sld xmlns:a="http://schemas.openxmlformats.org/drawingml/2006/main" xmlns:r="http://schemas.openxmlformats.org/officeDocument/2006/relationships" xmlns:p="http://schemas.openxmlformats.org/presentationml/2006/main">
+<p:sld xmlns:a="http://schemas.openxmlformats.org/drawingml/2006/main" xmlns:p="http://schemas.openxmlformats.org/presentationml/2006/main" xmlns:r="http://schemas.openxmlformats.org/officeDocument/2006/relationships">
   <p:cSld>
     <p:spTree>
       <p:nvGrpSpPr>
@@ -9417,14 +8211,7 @@
         <p:cNvGrpSpPr/>
         <p:nvPr/>
       </p:nvGrpSpPr>
-      <p:grpSpPr>
-        <a:xfrm>
-          <a:off x="0" y="0"/>
-          <a:ext cx="0" cy="0"/>
-          <a:chOff x="0" y="0"/>
-          <a:chExt cx="0" cy="0"/>
-        </a:xfrm>
-      </p:grpSpPr>
+      <p:grpSpPr/>
       <p:sp>
         <p:nvSpPr>
           <p:cNvPr id="2" name="Rectangle 1"/>
@@ -9493,9 +8280,7 @@
             <a:spAutoFit/>
           </a:bodyPr>
           <a:lstStyle/>
-          <a:p>
-            <a:endParaRPr/>
-          </a:p>
+          <a:p/>
           <a:p>
             <a:pPr>
               <a:defRPr sz="2000" b="1">
@@ -9509,41 +8294,31 @@
               <a:t>Q - 19  சடுதிமாற்ற நிகழ்வில் குவானைனுக்கு பதிலாக அடினைன் உருவாவது என்பது</a:t>
             </a:r>
           </a:p>
-          <a:p>
-            <a:endParaRPr/>
-          </a:p>
+          <a:p/>
           <a:p>
             <a:r>
               <a:t>AIPMT - 2004</a:t>
             </a:r>
           </a:p>
-          <a:p>
-            <a:endParaRPr/>
-          </a:p>
+          <a:p/>
           <a:p>
             <a:r>
               <a:t>அ) கட்டநகர்வு சடுதிமாற்றம்</a:t>
             </a:r>
           </a:p>
-          <a:p>
-            <a:endParaRPr/>
-          </a:p>
+          <a:p/>
           <a:p>
             <a:r>
               <a:t>ஆ) படியெடுத்தல்</a:t>
             </a:r>
           </a:p>
-          <a:p>
-            <a:endParaRPr/>
-          </a:p>
+          <a:p/>
           <a:p>
             <a:r>
               <a:t>இ) மரபுச் செய்திப் பெயர்வு</a:t>
             </a:r>
           </a:p>
-          <a:p>
-            <a:endParaRPr/>
-          </a:p>
+          <a:p/>
           <a:p>
             <a:r>
               <a:t>ஈ) இடைமாற்றம்</a:t>
@@ -9588,7 +8363,7 @@
 </file>
 
 <file path=ppt/slides/slide39.xml><?xml version="1.0" encoding="utf-8"?>
-<p:sld xmlns:a="http://schemas.openxmlformats.org/drawingml/2006/main" xmlns:r="http://schemas.openxmlformats.org/officeDocument/2006/relationships" xmlns:p="http://schemas.openxmlformats.org/presentationml/2006/main">
+<p:sld xmlns:a="http://schemas.openxmlformats.org/drawingml/2006/main" xmlns:p="http://schemas.openxmlformats.org/presentationml/2006/main" xmlns:r="http://schemas.openxmlformats.org/officeDocument/2006/relationships">
   <p:cSld>
     <p:spTree>
       <p:nvGrpSpPr>
@@ -9596,14 +8371,7 @@
         <p:cNvGrpSpPr/>
         <p:nvPr/>
       </p:nvGrpSpPr>
-      <p:grpSpPr>
-        <a:xfrm>
-          <a:off x="0" y="0"/>
-          <a:ext cx="0" cy="0"/>
-          <a:chOff x="0" y="0"/>
-          <a:chExt cx="0" cy="0"/>
-        </a:xfrm>
-      </p:grpSpPr>
+      <p:grpSpPr/>
       <p:sp>
         <p:nvSpPr>
           <p:cNvPr id="2" name="Rectangle 1"/>
@@ -9672,9 +8440,7 @@
             <a:spAutoFit/>
           </a:bodyPr>
           <a:lstStyle/>
-          <a:p>
-            <a:endParaRPr/>
-          </a:p>
+          <a:p/>
           <a:p>
             <a:pPr>
               <a:defRPr sz="2000" b="1">
@@ -9688,17 +8454,13 @@
               <a:t>Q - 19  சடுதிமாற்ற நிகழ்வில் குவானைனுக்கு பதிலாக அடினைன் உருவாவது என்பது</a:t>
             </a:r>
           </a:p>
-          <a:p>
-            <a:endParaRPr/>
-          </a:p>
+          <a:p/>
           <a:p>
             <a:r>
               <a:t>AIPMT - 2004</a:t>
             </a:r>
           </a:p>
-          <a:p>
-            <a:endParaRPr/>
-          </a:p>
+          <a:p/>
           <a:p>
             <a:pPr>
               <a:defRPr sz="2000" b="1">
@@ -9751,7 +8513,7 @@
 </file>
 
 <file path=ppt/slides/slide4.xml><?xml version="1.0" encoding="utf-8"?>
-<p:sld xmlns:a="http://schemas.openxmlformats.org/drawingml/2006/main" xmlns:r="http://schemas.openxmlformats.org/officeDocument/2006/relationships" xmlns:p="http://schemas.openxmlformats.org/presentationml/2006/main">
+<p:sld xmlns:a="http://schemas.openxmlformats.org/drawingml/2006/main" xmlns:p="http://schemas.openxmlformats.org/presentationml/2006/main" xmlns:r="http://schemas.openxmlformats.org/officeDocument/2006/relationships">
   <p:cSld>
     <p:spTree>
       <p:nvGrpSpPr>
@@ -9759,14 +8521,7 @@
         <p:cNvGrpSpPr/>
         <p:nvPr/>
       </p:nvGrpSpPr>
-      <p:grpSpPr>
-        <a:xfrm>
-          <a:off x="0" y="0"/>
-          <a:ext cx="0" cy="0"/>
-          <a:chOff x="0" y="0"/>
-          <a:chExt cx="0" cy="0"/>
-        </a:xfrm>
-      </p:grpSpPr>
+      <p:grpSpPr/>
       <p:sp>
         <p:nvSpPr>
           <p:cNvPr id="2" name="Rectangle 1"/>
@@ -9835,9 +8590,7 @@
             <a:spAutoFit/>
           </a:bodyPr>
           <a:lstStyle/>
-          <a:p>
-            <a:endParaRPr/>
-          </a:p>
+          <a:p/>
           <a:p>
             <a:pPr>
               <a:defRPr sz="2000" b="1">
@@ -9851,41 +8604,31 @@
               <a:t>Q - 2  நீவிர் அறிந்த எந்த வகை பாரம்பரியத்தில் அதிகளவு தாய்வழியின் தாக்கம் சந்ததிகளிடையே காணப்படுகிறது? </a:t>
             </a:r>
           </a:p>
-          <a:p>
-            <a:endParaRPr/>
-          </a:p>
+          <a:p/>
           <a:p>
             <a:r>
               <a:t>AIPMT - 2006</a:t>
             </a:r>
           </a:p>
-          <a:p>
-            <a:endParaRPr/>
-          </a:p>
+          <a:p/>
           <a:p>
             <a:r>
               <a:t>அ) ஆட்டோசோமல்</a:t>
             </a:r>
           </a:p>
-          <a:p>
-            <a:endParaRPr/>
-          </a:p>
+          <a:p/>
           <a:p>
             <a:r>
               <a:t>ஆ) சைட்டோபிளாஸ்மிக்</a:t>
             </a:r>
           </a:p>
-          <a:p>
-            <a:endParaRPr/>
-          </a:p>
+          <a:p/>
           <a:p>
             <a:r>
               <a:t>இ) Y-இணைந்தது</a:t>
             </a:r>
           </a:p>
-          <a:p>
-            <a:endParaRPr/>
-          </a:p>
+          <a:p/>
           <a:p>
             <a:r>
               <a:t>ஈ) X-இணைந்தது</a:t>
@@ -9930,7 +8673,7 @@
 </file>
 
 <file path=ppt/slides/slide40.xml><?xml version="1.0" encoding="utf-8"?>
-<p:sld xmlns:a="http://schemas.openxmlformats.org/drawingml/2006/main" xmlns:r="http://schemas.openxmlformats.org/officeDocument/2006/relationships" xmlns:p="http://schemas.openxmlformats.org/presentationml/2006/main">
+<p:sld xmlns:a="http://schemas.openxmlformats.org/drawingml/2006/main" xmlns:p="http://schemas.openxmlformats.org/presentationml/2006/main" xmlns:r="http://schemas.openxmlformats.org/officeDocument/2006/relationships">
   <p:cSld>
     <p:spTree>
       <p:nvGrpSpPr>
@@ -9938,14 +8681,7 @@
         <p:cNvGrpSpPr/>
         <p:nvPr/>
       </p:nvGrpSpPr>
-      <p:grpSpPr>
-        <a:xfrm>
-          <a:off x="0" y="0"/>
-          <a:ext cx="0" cy="0"/>
-          <a:chOff x="0" y="0"/>
-          <a:chExt cx="0" cy="0"/>
-        </a:xfrm>
-      </p:grpSpPr>
+      <p:grpSpPr/>
       <p:sp>
         <p:nvSpPr>
           <p:cNvPr id="2" name="Rectangle 1"/>
@@ -10014,9 +8750,7 @@
             <a:spAutoFit/>
           </a:bodyPr>
           <a:lstStyle/>
-          <a:p>
-            <a:endParaRPr/>
-          </a:p>
+          <a:p/>
           <a:p>
             <a:pPr>
               <a:defRPr sz="2000" b="1">
@@ -10030,41 +8764,31 @@
               <a:t>Q - 20  சடுதிமாற்றம் எதனுடன் தூண்டப்படுகிறது?</a:t>
             </a:r>
           </a:p>
-          <a:p>
-            <a:endParaRPr/>
-          </a:p>
+          <a:p/>
           <a:p>
             <a:r>
               <a:t>AIPMT - 2011</a:t>
             </a:r>
           </a:p>
-          <a:p>
-            <a:endParaRPr/>
-          </a:p>
+          <a:p/>
           <a:p>
             <a:r>
               <a:t>அ) காமா கதிர்வீச்சுகள்</a:t>
             </a:r>
           </a:p>
-          <a:p>
-            <a:endParaRPr/>
-          </a:p>
+          <a:p/>
           <a:p>
             <a:r>
               <a:t>ஆ) அகச்சிவப்பு கதிர்வீச்சுகள்</a:t>
             </a:r>
           </a:p>
-          <a:p>
-            <a:endParaRPr/>
-          </a:p>
+          <a:p/>
           <a:p>
             <a:r>
               <a:t>இ) IAA</a:t>
             </a:r>
           </a:p>
-          <a:p>
-            <a:endParaRPr/>
-          </a:p>
+          <a:p/>
           <a:p>
             <a:r>
               <a:t>ஈ) எத்திலீன்</a:t>
@@ -10109,7 +8833,7 @@
 </file>
 
 <file path=ppt/slides/slide41.xml><?xml version="1.0" encoding="utf-8"?>
-<p:sld xmlns:a="http://schemas.openxmlformats.org/drawingml/2006/main" xmlns:r="http://schemas.openxmlformats.org/officeDocument/2006/relationships" xmlns:p="http://schemas.openxmlformats.org/presentationml/2006/main">
+<p:sld xmlns:a="http://schemas.openxmlformats.org/drawingml/2006/main" xmlns:p="http://schemas.openxmlformats.org/presentationml/2006/main" xmlns:r="http://schemas.openxmlformats.org/officeDocument/2006/relationships">
   <p:cSld>
     <p:spTree>
       <p:nvGrpSpPr>
@@ -10117,14 +8841,7 @@
         <p:cNvGrpSpPr/>
         <p:nvPr/>
       </p:nvGrpSpPr>
-      <p:grpSpPr>
-        <a:xfrm>
-          <a:off x="0" y="0"/>
-          <a:ext cx="0" cy="0"/>
-          <a:chOff x="0" y="0"/>
-          <a:chExt cx="0" cy="0"/>
-        </a:xfrm>
-      </p:grpSpPr>
+      <p:grpSpPr/>
       <p:sp>
         <p:nvSpPr>
           <p:cNvPr id="2" name="Rectangle 1"/>
@@ -10193,9 +8910,7 @@
             <a:spAutoFit/>
           </a:bodyPr>
           <a:lstStyle/>
-          <a:p>
-            <a:endParaRPr/>
-          </a:p>
+          <a:p/>
           <a:p>
             <a:pPr>
               <a:defRPr sz="2000" b="1">
@@ -10209,17 +8924,13 @@
               <a:t>Q - 20  சடுதிமாற்றம் எதனுடன் தூண்டப்படுகிறது?</a:t>
             </a:r>
           </a:p>
-          <a:p>
-            <a:endParaRPr/>
-          </a:p>
+          <a:p/>
           <a:p>
             <a:r>
               <a:t>AIPMT - 2011</a:t>
             </a:r>
           </a:p>
-          <a:p>
-            <a:endParaRPr/>
-          </a:p>
+          <a:p/>
           <a:p>
             <a:pPr>
               <a:defRPr sz="2000" b="1">
@@ -10272,7 +8983,7 @@
 </file>
 
 <file path=ppt/slides/slide42.xml><?xml version="1.0" encoding="utf-8"?>
-<p:sld xmlns:a="http://schemas.openxmlformats.org/drawingml/2006/main" xmlns:r="http://schemas.openxmlformats.org/officeDocument/2006/relationships" xmlns:p="http://schemas.openxmlformats.org/presentationml/2006/main">
+<p:sld xmlns:a="http://schemas.openxmlformats.org/drawingml/2006/main" xmlns:p="http://schemas.openxmlformats.org/presentationml/2006/main" xmlns:r="http://schemas.openxmlformats.org/officeDocument/2006/relationships">
   <p:cSld>
     <p:spTree>
       <p:nvGrpSpPr>
@@ -10280,14 +8991,7 @@
         <p:cNvGrpSpPr/>
         <p:nvPr/>
       </p:nvGrpSpPr>
-      <p:grpSpPr>
-        <a:xfrm>
-          <a:off x="0" y="0"/>
-          <a:ext cx="0" cy="0"/>
-          <a:chOff x="0" y="0"/>
-          <a:chExt cx="0" cy="0"/>
-        </a:xfrm>
-      </p:grpSpPr>
+      <p:grpSpPr/>
       <p:sp>
         <p:nvSpPr>
           <p:cNvPr id="2" name="Rectangle 1"/>
@@ -10356,9 +9060,7 @@
             <a:spAutoFit/>
           </a:bodyPr>
           <a:lstStyle/>
-          <a:p>
-            <a:endParaRPr/>
-          </a:p>
+          <a:p/>
           <a:p>
             <a:pPr>
               <a:defRPr sz="2000" b="1">
@@ -10372,41 +9074,31 @@
               <a:t>Q - 21  மரபணு ஒரு பிணைப்புற்ற தொகுதியிலிருந்து மற்றொன்றிற்கு மாறும் செயல் இவ்வாறு அழைக்கப்படுகிறது</a:t>
             </a:r>
           </a:p>
-          <a:p>
-            <a:endParaRPr/>
-          </a:p>
+          <a:p/>
           <a:p>
             <a:r>
               <a:t>NEET (Phase – II) - 2016</a:t>
             </a:r>
           </a:p>
-          <a:p>
-            <a:endParaRPr/>
-          </a:p>
+          <a:p/>
           <a:p>
             <a:r>
               <a:t>அ) தலைகீழ் இடமாற்றம் </a:t>
             </a:r>
           </a:p>
-          <a:p>
-            <a:endParaRPr/>
-          </a:p>
+          <a:p/>
           <a:p>
             <a:r>
               <a:t>ஆ) குறுக்கேற்றம்</a:t>
             </a:r>
           </a:p>
-          <a:p>
-            <a:endParaRPr/>
-          </a:p>
+          <a:p/>
           <a:p>
             <a:r>
               <a:t>இ) தலைகீழ் திருப்பம் </a:t>
             </a:r>
           </a:p>
-          <a:p>
-            <a:endParaRPr/>
-          </a:p>
+          <a:p/>
           <a:p>
             <a:r>
               <a:t>ஈ) இரட்டிப்பாதல்</a:t>
@@ -10451,7 +9143,7 @@
 </file>
 
 <file path=ppt/slides/slide43.xml><?xml version="1.0" encoding="utf-8"?>
-<p:sld xmlns:a="http://schemas.openxmlformats.org/drawingml/2006/main" xmlns:r="http://schemas.openxmlformats.org/officeDocument/2006/relationships" xmlns:p="http://schemas.openxmlformats.org/presentationml/2006/main">
+<p:sld xmlns:a="http://schemas.openxmlformats.org/drawingml/2006/main" xmlns:p="http://schemas.openxmlformats.org/presentationml/2006/main" xmlns:r="http://schemas.openxmlformats.org/officeDocument/2006/relationships">
   <p:cSld>
     <p:spTree>
       <p:nvGrpSpPr>
@@ -10459,14 +9151,7 @@
         <p:cNvGrpSpPr/>
         <p:nvPr/>
       </p:nvGrpSpPr>
-      <p:grpSpPr>
-        <a:xfrm>
-          <a:off x="0" y="0"/>
-          <a:ext cx="0" cy="0"/>
-          <a:chOff x="0" y="0"/>
-          <a:chExt cx="0" cy="0"/>
-        </a:xfrm>
-      </p:grpSpPr>
+      <p:grpSpPr/>
       <p:sp>
         <p:nvSpPr>
           <p:cNvPr id="2" name="Rectangle 1"/>
@@ -10535,9 +9220,7 @@
             <a:spAutoFit/>
           </a:bodyPr>
           <a:lstStyle/>
-          <a:p>
-            <a:endParaRPr/>
-          </a:p>
+          <a:p/>
           <a:p>
             <a:pPr>
               <a:defRPr sz="2000" b="1">
@@ -10551,17 +9234,13 @@
               <a:t>Q - 21  மரபணு ஒரு பிணைப்புற்ற தொகுதியிலிருந்து மற்றொன்றிற்கு மாறும் செயல் இவ்வாறு அழைக்கப்படுகிறது</a:t>
             </a:r>
           </a:p>
-          <a:p>
-            <a:endParaRPr/>
-          </a:p>
+          <a:p/>
           <a:p>
             <a:r>
               <a:t>NEET (Phase – II) - 2016</a:t>
             </a:r>
           </a:p>
-          <a:p>
-            <a:endParaRPr/>
-          </a:p>
+          <a:p/>
           <a:p>
             <a:pPr>
               <a:defRPr sz="2000" b="1">
@@ -10614,7 +9293,7 @@
 </file>
 
 <file path=ppt/slides/slide44.xml><?xml version="1.0" encoding="utf-8"?>
-<p:sld xmlns:a="http://schemas.openxmlformats.org/drawingml/2006/main" xmlns:r="http://schemas.openxmlformats.org/officeDocument/2006/relationships" xmlns:p="http://schemas.openxmlformats.org/presentationml/2006/main">
+<p:sld xmlns:a="http://schemas.openxmlformats.org/drawingml/2006/main" xmlns:p="http://schemas.openxmlformats.org/presentationml/2006/main" xmlns:r="http://schemas.openxmlformats.org/officeDocument/2006/relationships">
   <p:cSld>
     <p:spTree>
       <p:nvGrpSpPr>
@@ -10622,14 +9301,7 @@
         <p:cNvGrpSpPr/>
         <p:nvPr/>
       </p:nvGrpSpPr>
-      <p:grpSpPr>
-        <a:xfrm>
-          <a:off x="0" y="0"/>
-          <a:ext cx="0" cy="0"/>
-          <a:chOff x="0" y="0"/>
-          <a:chExt cx="0" cy="0"/>
-        </a:xfrm>
-      </p:grpSpPr>
+      <p:grpSpPr/>
       <p:sp>
         <p:nvSpPr>
           <p:cNvPr id="2" name="Rectangle 1"/>
@@ -10698,9 +9370,7 @@
             <a:spAutoFit/>
           </a:bodyPr>
           <a:lstStyle/>
-          <a:p>
-            <a:endParaRPr/>
-          </a:p>
+          <a:p/>
           <a:p>
             <a:pPr>
               <a:defRPr sz="2000" b="1">
@@ -10714,41 +9384,31 @@
               <a:t>Q - 22  ஒரு புள்ளி சடுதிமாற்றத்தில் பிரிமிட்டினால் பியூரின் பதிலீடு செய்யப்படுவது இவ்வாறு அழைக்கப்படுகிறது? </a:t>
             </a:r>
           </a:p>
-          <a:p>
-            <a:endParaRPr/>
-          </a:p>
+          <a:p/>
           <a:p>
             <a:r>
               <a:t>AIIMS - 2002</a:t>
             </a:r>
           </a:p>
-          <a:p>
-            <a:endParaRPr/>
-          </a:p>
+          <a:p/>
           <a:p>
             <a:r>
               <a:t>அ) மாற்றம்</a:t>
             </a:r>
           </a:p>
-          <a:p>
-            <a:endParaRPr/>
-          </a:p>
+          <a:p/>
           <a:p>
             <a:r>
               <a:t>ஆ) தலைகீழ் இடமாற்றம்</a:t>
             </a:r>
           </a:p>
-          <a:p>
-            <a:endParaRPr/>
-          </a:p>
+          <a:p/>
           <a:p>
             <a:r>
               <a:t>இ) நீக்கம்</a:t>
             </a:r>
           </a:p>
-          <a:p>
-            <a:endParaRPr/>
-          </a:p>
+          <a:p/>
           <a:p>
             <a:r>
               <a:t>ஈ) இடைமாற்றம்</a:t>
@@ -10793,7 +9453,7 @@
 </file>
 
 <file path=ppt/slides/slide45.xml><?xml version="1.0" encoding="utf-8"?>
-<p:sld xmlns:a="http://schemas.openxmlformats.org/drawingml/2006/main" xmlns:r="http://schemas.openxmlformats.org/officeDocument/2006/relationships" xmlns:p="http://schemas.openxmlformats.org/presentationml/2006/main">
+<p:sld xmlns:a="http://schemas.openxmlformats.org/drawingml/2006/main" xmlns:p="http://schemas.openxmlformats.org/presentationml/2006/main" xmlns:r="http://schemas.openxmlformats.org/officeDocument/2006/relationships">
   <p:cSld>
     <p:spTree>
       <p:nvGrpSpPr>
@@ -10801,14 +9461,7 @@
         <p:cNvGrpSpPr/>
         <p:nvPr/>
       </p:nvGrpSpPr>
-      <p:grpSpPr>
-        <a:xfrm>
-          <a:off x="0" y="0"/>
-          <a:ext cx="0" cy="0"/>
-          <a:chOff x="0" y="0"/>
-          <a:chExt cx="0" cy="0"/>
-        </a:xfrm>
-      </p:grpSpPr>
+      <p:grpSpPr/>
       <p:sp>
         <p:nvSpPr>
           <p:cNvPr id="2" name="Rectangle 1"/>
@@ -10877,9 +9530,7 @@
             <a:spAutoFit/>
           </a:bodyPr>
           <a:lstStyle/>
-          <a:p>
-            <a:endParaRPr/>
-          </a:p>
+          <a:p/>
           <a:p>
             <a:pPr>
               <a:defRPr sz="2000" b="1">
@@ -10893,17 +9544,13 @@
               <a:t>Q - 22  ஒரு புள்ளி சடுதிமாற்றத்தில் பிரிமிட்டினால் பியூரின் பதிலீடு செய்யப்படுவது இவ்வாறு அழைக்கப்படுகிறது? </a:t>
             </a:r>
           </a:p>
-          <a:p>
-            <a:endParaRPr/>
-          </a:p>
+          <a:p/>
           <a:p>
             <a:r>
               <a:t>AIIMS - 2002</a:t>
             </a:r>
           </a:p>
-          <a:p>
-            <a:endParaRPr/>
-          </a:p>
+          <a:p/>
           <a:p>
             <a:pPr>
               <a:defRPr sz="2000" b="1">
@@ -10956,7 +9603,7 @@
 </file>
 
 <file path=ppt/slides/slide46.xml><?xml version="1.0" encoding="utf-8"?>
-<p:sld xmlns:a="http://schemas.openxmlformats.org/drawingml/2006/main" xmlns:r="http://schemas.openxmlformats.org/officeDocument/2006/relationships" xmlns:p="http://schemas.openxmlformats.org/presentationml/2006/main">
+<p:sld xmlns:a="http://schemas.openxmlformats.org/drawingml/2006/main" xmlns:p="http://schemas.openxmlformats.org/presentationml/2006/main" xmlns:r="http://schemas.openxmlformats.org/officeDocument/2006/relationships">
   <p:cSld>
     <p:spTree>
       <p:nvGrpSpPr>
@@ -10964,14 +9611,7 @@
         <p:cNvGrpSpPr/>
         <p:nvPr/>
       </p:nvGrpSpPr>
-      <p:grpSpPr>
-        <a:xfrm>
-          <a:off x="0" y="0"/>
-          <a:ext cx="0" cy="0"/>
-          <a:chOff x="0" y="0"/>
-          <a:chExt cx="0" cy="0"/>
-        </a:xfrm>
-      </p:grpSpPr>
+      <p:grpSpPr/>
       <p:sp>
         <p:nvSpPr>
           <p:cNvPr id="2" name="Rectangle 1"/>
@@ -11040,9 +9680,7 @@
             <a:spAutoFit/>
           </a:bodyPr>
           <a:lstStyle/>
-          <a:p>
-            <a:endParaRPr/>
-          </a:p>
+          <a:p/>
           <a:p>
             <a:pPr>
               <a:defRPr sz="2000" b="1">
@@ -11056,41 +9694,31 @@
               <a:t>Q - 23  கட்டநகர்வு சடுதிமாற்றம் காணப்படுவது எப்போது?</a:t>
             </a:r>
           </a:p>
-          <a:p>
-            <a:endParaRPr/>
-          </a:p>
+          <a:p/>
           <a:p>
             <a:r>
               <a:t>AIPMT - 2008</a:t>
             </a:r>
           </a:p>
-          <a:p>
-            <a:endParaRPr/>
-          </a:p>
+          <a:p/>
           <a:p>
             <a:r>
               <a:t>அ) காரங்கள் பதிலீடு செய்யும் போது</a:t>
             </a:r>
           </a:p>
-          <a:p>
-            <a:endParaRPr/>
-          </a:p>
+          <a:p/>
           <a:p>
             <a:r>
               <a:t>ஆ) காரநீக்கம் அல்லது சேர்த்தல்</a:t>
             </a:r>
           </a:p>
-          <a:p>
-            <a:endParaRPr/>
-          </a:p>
+          <a:p/>
           <a:p>
             <a:r>
               <a:t>இ) எதிர்குறியன்கள் காணப்படாதது</a:t>
             </a:r>
           </a:p>
-          <a:p>
-            <a:endParaRPr/>
-          </a:p>
+          <a:p/>
           <a:p>
             <a:r>
               <a:t>ஈ) இவற்றுள் எதுவுமில்லை</a:t>
@@ -11135,7 +9763,7 @@
 </file>
 
 <file path=ppt/slides/slide47.xml><?xml version="1.0" encoding="utf-8"?>
-<p:sld xmlns:a="http://schemas.openxmlformats.org/drawingml/2006/main" xmlns:r="http://schemas.openxmlformats.org/officeDocument/2006/relationships" xmlns:p="http://schemas.openxmlformats.org/presentationml/2006/main">
+<p:sld xmlns:a="http://schemas.openxmlformats.org/drawingml/2006/main" xmlns:p="http://schemas.openxmlformats.org/presentationml/2006/main" xmlns:r="http://schemas.openxmlformats.org/officeDocument/2006/relationships">
   <p:cSld>
     <p:spTree>
       <p:nvGrpSpPr>
@@ -11143,14 +9771,7 @@
         <p:cNvGrpSpPr/>
         <p:nvPr/>
       </p:nvGrpSpPr>
-      <p:grpSpPr>
-        <a:xfrm>
-          <a:off x="0" y="0"/>
-          <a:ext cx="0" cy="0"/>
-          <a:chOff x="0" y="0"/>
-          <a:chExt cx="0" cy="0"/>
-        </a:xfrm>
-      </p:grpSpPr>
+      <p:grpSpPr/>
       <p:sp>
         <p:nvSpPr>
           <p:cNvPr id="2" name="Rectangle 1"/>
@@ -11219,9 +9840,7 @@
             <a:spAutoFit/>
           </a:bodyPr>
           <a:lstStyle/>
-          <a:p>
-            <a:endParaRPr/>
-          </a:p>
+          <a:p/>
           <a:p>
             <a:pPr>
               <a:defRPr sz="2000" b="1">
@@ -11235,17 +9854,13 @@
               <a:t>Q - 23  கட்டநகர்வு சடுதிமாற்றம் காணப்படுவது எப்போது?</a:t>
             </a:r>
           </a:p>
-          <a:p>
-            <a:endParaRPr/>
-          </a:p>
+          <a:p/>
           <a:p>
             <a:r>
               <a:t>AIPMT - 2008</a:t>
             </a:r>
           </a:p>
-          <a:p>
-            <a:endParaRPr/>
-          </a:p>
+          <a:p/>
           <a:p>
             <a:pPr>
               <a:defRPr sz="2000" b="1">
@@ -11298,7 +9913,7 @@
 </file>
 
 <file path=ppt/slides/slide48.xml><?xml version="1.0" encoding="utf-8"?>
-<p:sld xmlns:a="http://schemas.openxmlformats.org/drawingml/2006/main" xmlns:r="http://schemas.openxmlformats.org/officeDocument/2006/relationships" xmlns:p="http://schemas.openxmlformats.org/presentationml/2006/main">
+<p:sld xmlns:a="http://schemas.openxmlformats.org/drawingml/2006/main" xmlns:p="http://schemas.openxmlformats.org/presentationml/2006/main" xmlns:r="http://schemas.openxmlformats.org/officeDocument/2006/relationships">
   <p:cSld>
     <p:spTree>
       <p:nvGrpSpPr>
@@ -11306,14 +9921,7 @@
         <p:cNvGrpSpPr/>
         <p:nvPr/>
       </p:nvGrpSpPr>
-      <p:grpSpPr>
-        <a:xfrm>
-          <a:off x="0" y="0"/>
-          <a:ext cx="0" cy="0"/>
-          <a:chOff x="0" y="0"/>
-          <a:chExt cx="0" cy="0"/>
-        </a:xfrm>
-      </p:grpSpPr>
+      <p:grpSpPr/>
       <p:sp>
         <p:nvSpPr>
           <p:cNvPr id="2" name="Rectangle 1"/>
@@ -11382,9 +9990,7 @@
             <a:spAutoFit/>
           </a:bodyPr>
           <a:lstStyle/>
-          <a:p>
-            <a:endParaRPr/>
-          </a:p>
+          <a:p/>
           <a:p>
             <a:pPr>
               <a:defRPr sz="2000" b="1">
@@ -11398,41 +10004,31 @@
               <a:t>Q - 24  ஒரு குரோமோசோமின் இரு மரபணுக்களுக்கு இடையே உள்ள தொலைவு குறுக்கேற்ற அலகுகளால் அளக்கப்படுகின்றன. இந்தக் குறுக்கேற்ற அலகுகள் குறிப்பிடுவது</a:t>
             </a:r>
           </a:p>
-          <a:p>
-            <a:endParaRPr/>
-          </a:p>
+          <a:p/>
           <a:p>
             <a:r>
               <a:t>AIIMS - 2008</a:t>
             </a:r>
           </a:p>
-          <a:p>
-            <a:endParaRPr/>
-          </a:p>
+          <a:p/>
           <a:p>
             <a:r>
               <a:t>அ) இவற்றிற்கிடையேயான குறுக்கேற்றத்தின் விகிதம்</a:t>
             </a:r>
           </a:p>
-          <a:p>
-            <a:endParaRPr/>
-          </a:p>
+          <a:p/>
           <a:p>
             <a:r>
               <a:t>ஆ) இவற்றிற்கிடையேயான குறுக்கேற்றத்தின் விழுக்காடு</a:t>
             </a:r>
           </a:p>
-          <a:p>
-            <a:endParaRPr/>
-          </a:p>
+          <a:p/>
           <a:p>
             <a:r>
               <a:t>இ) இவற்றிற்கிடையேயான குறுக்கேற்றத்தின் எண்ணிக்கை</a:t>
             </a:r>
           </a:p>
-          <a:p>
-            <a:endParaRPr/>
-          </a:p>
+          <a:p/>
           <a:p>
             <a:r>
               <a:t>ஈ) இவற்றில் எதுவுமில்லை</a:t>
@@ -11477,7 +10073,7 @@
 </file>
 
 <file path=ppt/slides/slide49.xml><?xml version="1.0" encoding="utf-8"?>
-<p:sld xmlns:a="http://schemas.openxmlformats.org/drawingml/2006/main" xmlns:r="http://schemas.openxmlformats.org/officeDocument/2006/relationships" xmlns:p="http://schemas.openxmlformats.org/presentationml/2006/main">
+<p:sld xmlns:a="http://schemas.openxmlformats.org/drawingml/2006/main" xmlns:p="http://schemas.openxmlformats.org/presentationml/2006/main" xmlns:r="http://schemas.openxmlformats.org/officeDocument/2006/relationships">
   <p:cSld>
     <p:spTree>
       <p:nvGrpSpPr>
@@ -11485,14 +10081,7 @@
         <p:cNvGrpSpPr/>
         <p:nvPr/>
       </p:nvGrpSpPr>
-      <p:grpSpPr>
-        <a:xfrm>
-          <a:off x="0" y="0"/>
-          <a:ext cx="0" cy="0"/>
-          <a:chOff x="0" y="0"/>
-          <a:chExt cx="0" cy="0"/>
-        </a:xfrm>
-      </p:grpSpPr>
+      <p:grpSpPr/>
       <p:sp>
         <p:nvSpPr>
           <p:cNvPr id="2" name="Rectangle 1"/>
@@ -11561,9 +10150,7 @@
             <a:spAutoFit/>
           </a:bodyPr>
           <a:lstStyle/>
-          <a:p>
-            <a:endParaRPr/>
-          </a:p>
+          <a:p/>
           <a:p>
             <a:pPr>
               <a:defRPr sz="2000" b="1">
@@ -11577,17 +10164,13 @@
               <a:t>Q - 24  ஒரு குரோமோசோமின் இரு மரபணுக்களுக்கு இடையே உள்ள தொலைவு குறுக்கேற்ற அலகுகளால் அளக்கப்படுகின்றன. இந்தக் குறுக்கேற்ற அலகுகள் குறிப்பிடுவது</a:t>
             </a:r>
           </a:p>
-          <a:p>
-            <a:endParaRPr/>
-          </a:p>
+          <a:p/>
           <a:p>
             <a:r>
               <a:t>AIIMS - 2008</a:t>
             </a:r>
           </a:p>
-          <a:p>
-            <a:endParaRPr/>
-          </a:p>
+          <a:p/>
           <a:p>
             <a:pPr>
               <a:defRPr sz="2000" b="1">
@@ -11640,7 +10223,7 @@
 </file>
 
 <file path=ppt/slides/slide5.xml><?xml version="1.0" encoding="utf-8"?>
-<p:sld xmlns:a="http://schemas.openxmlformats.org/drawingml/2006/main" xmlns:r="http://schemas.openxmlformats.org/officeDocument/2006/relationships" xmlns:p="http://schemas.openxmlformats.org/presentationml/2006/main">
+<p:sld xmlns:a="http://schemas.openxmlformats.org/drawingml/2006/main" xmlns:p="http://schemas.openxmlformats.org/presentationml/2006/main" xmlns:r="http://schemas.openxmlformats.org/officeDocument/2006/relationships">
   <p:cSld>
     <p:spTree>
       <p:nvGrpSpPr>
@@ -11648,14 +10231,7 @@
         <p:cNvGrpSpPr/>
         <p:nvPr/>
       </p:nvGrpSpPr>
-      <p:grpSpPr>
-        <a:xfrm>
-          <a:off x="0" y="0"/>
-          <a:ext cx="0" cy="0"/>
-          <a:chOff x="0" y="0"/>
-          <a:chExt cx="0" cy="0"/>
-        </a:xfrm>
-      </p:grpSpPr>
+      <p:grpSpPr/>
       <p:sp>
         <p:nvSpPr>
           <p:cNvPr id="2" name="Rectangle 1"/>
@@ -11724,9 +10300,7 @@
             <a:spAutoFit/>
           </a:bodyPr>
           <a:lstStyle/>
-          <a:p>
-            <a:endParaRPr/>
-          </a:p>
+          <a:p/>
           <a:p>
             <a:pPr>
               <a:defRPr sz="2000" b="1">
@@ -11740,17 +10314,13 @@
               <a:t>Q - 2  நீவிர் அறிந்த எந்த வகை பாரம்பரியத்தில் அதிகளவு தாய்வழியின் தாக்கம் சந்ததிகளிடையே காணப்படுகிறது? </a:t>
             </a:r>
           </a:p>
-          <a:p>
-            <a:endParaRPr/>
-          </a:p>
+          <a:p/>
           <a:p>
             <a:r>
               <a:t>AIPMT - 2006</a:t>
             </a:r>
           </a:p>
-          <a:p>
-            <a:endParaRPr/>
-          </a:p>
+          <a:p/>
           <a:p>
             <a:pPr>
               <a:defRPr sz="2000" b="1">
@@ -11803,7 +10373,7 @@
 </file>
 
 <file path=ppt/slides/slide50.xml><?xml version="1.0" encoding="utf-8"?>
-<p:sld xmlns:a="http://schemas.openxmlformats.org/drawingml/2006/main" xmlns:r="http://schemas.openxmlformats.org/officeDocument/2006/relationships" xmlns:p="http://schemas.openxmlformats.org/presentationml/2006/main">
+<p:sld xmlns:a="http://schemas.openxmlformats.org/drawingml/2006/main" xmlns:p="http://schemas.openxmlformats.org/presentationml/2006/main" xmlns:r="http://schemas.openxmlformats.org/officeDocument/2006/relationships">
   <p:cSld>
     <p:spTree>
       <p:nvGrpSpPr>
@@ -11811,14 +10381,7 @@
         <p:cNvGrpSpPr/>
         <p:nvPr/>
       </p:nvGrpSpPr>
-      <p:grpSpPr>
-        <a:xfrm>
-          <a:off x="0" y="0"/>
-          <a:ext cx="0" cy="0"/>
-          <a:chOff x="0" y="0"/>
-          <a:chExt cx="0" cy="0"/>
-        </a:xfrm>
-      </p:grpSpPr>
+      <p:grpSpPr/>
       <p:sp>
         <p:nvSpPr>
           <p:cNvPr id="2" name="Rectangle 1"/>
@@ -11887,9 +10450,7 @@
             <a:spAutoFit/>
           </a:bodyPr>
           <a:lstStyle/>
-          <a:p>
-            <a:endParaRPr/>
-          </a:p>
+          <a:p/>
           <a:p>
             <a:pPr>
               <a:defRPr sz="2000" b="1">
@@ -11903,41 +10464,31 @@
               <a:t>Q - 25  ஒரு மரபணு கூட்டத்திற்கு இடையேயான பிணைப்பு காணப்படின் அதன் செயல்பாடானது?</a:t>
             </a:r>
           </a:p>
-          <a:p>
-            <a:endParaRPr/>
-          </a:p>
+          <a:p/>
           <a:p>
             <a:r>
               <a:t>AIPMT - 2003</a:t>
             </a:r>
           </a:p>
-          <a:p>
-            <a:endParaRPr/>
-          </a:p>
+          <a:p/>
           <a:p>
             <a:r>
               <a:t>அ) குரோமோசோம் வரைபடம் காணப்படுவதில்லை</a:t>
             </a:r>
           </a:p>
-          <a:p>
-            <a:endParaRPr/>
-          </a:p>
+          <a:p/>
           <a:p>
             <a:r>
               <a:t>ஆ) குன்றல் பகுப்பின் போது காணப்படும் மறுகூட்டிணைவு</a:t>
             </a:r>
           </a:p>
-          <a:p>
-            <a:endParaRPr/>
-          </a:p>
+          <a:p/>
           <a:p>
             <a:r>
               <a:t>இ) சார்பின்றி ஒதுங்குதல் காணப்படுவதில்லை</a:t>
             </a:r>
           </a:p>
-          <a:p>
-            <a:endParaRPr/>
-          </a:p>
+          <a:p/>
           <a:p>
             <a:r>
               <a:t>ஈ) செல் பகுப்பைத் தூண்டும்</a:t>
@@ -11982,7 +10533,7 @@
 </file>
 
 <file path=ppt/slides/slide51.xml><?xml version="1.0" encoding="utf-8"?>
-<p:sld xmlns:a="http://schemas.openxmlformats.org/drawingml/2006/main" xmlns:r="http://schemas.openxmlformats.org/officeDocument/2006/relationships" xmlns:p="http://schemas.openxmlformats.org/presentationml/2006/main">
+<p:sld xmlns:a="http://schemas.openxmlformats.org/drawingml/2006/main" xmlns:p="http://schemas.openxmlformats.org/presentationml/2006/main" xmlns:r="http://schemas.openxmlformats.org/officeDocument/2006/relationships">
   <p:cSld>
     <p:spTree>
       <p:nvGrpSpPr>
@@ -11990,14 +10541,7 @@
         <p:cNvGrpSpPr/>
         <p:nvPr/>
       </p:nvGrpSpPr>
-      <p:grpSpPr>
-        <a:xfrm>
-          <a:off x="0" y="0"/>
-          <a:ext cx="0" cy="0"/>
-          <a:chOff x="0" y="0"/>
-          <a:chExt cx="0" cy="0"/>
-        </a:xfrm>
-      </p:grpSpPr>
+      <p:grpSpPr/>
       <p:sp>
         <p:nvSpPr>
           <p:cNvPr id="2" name="Rectangle 1"/>
@@ -12066,9 +10610,7 @@
             <a:spAutoFit/>
           </a:bodyPr>
           <a:lstStyle/>
-          <a:p>
-            <a:endParaRPr/>
-          </a:p>
+          <a:p/>
           <a:p>
             <a:pPr>
               <a:defRPr sz="2000" b="1">
@@ -12082,17 +10624,13 @@
               <a:t>Q - 25  ஒரு மரபணு கூட்டத்திற்கு இடையேயான பிணைப்பு காணப்படின் அதன் செயல்பாடானது?</a:t>
             </a:r>
           </a:p>
-          <a:p>
-            <a:endParaRPr/>
-          </a:p>
+          <a:p/>
           <a:p>
             <a:r>
               <a:t>AIPMT - 2003</a:t>
             </a:r>
           </a:p>
-          <a:p>
-            <a:endParaRPr/>
-          </a:p>
+          <a:p/>
           <a:p>
             <a:pPr>
               <a:defRPr sz="2000" b="1">
@@ -12145,7 +10683,7 @@
 </file>
 
 <file path=ppt/slides/slide52.xml><?xml version="1.0" encoding="utf-8"?>
-<p:sld xmlns:a="http://schemas.openxmlformats.org/drawingml/2006/main" xmlns:r="http://schemas.openxmlformats.org/officeDocument/2006/relationships" xmlns:p="http://schemas.openxmlformats.org/presentationml/2006/main">
+<p:sld xmlns:a="http://schemas.openxmlformats.org/drawingml/2006/main" xmlns:p="http://schemas.openxmlformats.org/presentationml/2006/main" xmlns:r="http://schemas.openxmlformats.org/officeDocument/2006/relationships">
   <p:cSld>
     <p:spTree>
       <p:nvGrpSpPr>
@@ -12153,14 +10691,7 @@
         <p:cNvGrpSpPr/>
         <p:nvPr/>
       </p:nvGrpSpPr>
-      <p:grpSpPr>
-        <a:xfrm>
-          <a:off x="0" y="0"/>
-          <a:ext cx="0" cy="0"/>
-          <a:chOff x="0" y="0"/>
-          <a:chExt cx="0" cy="0"/>
-        </a:xfrm>
-      </p:grpSpPr>
+      <p:grpSpPr/>
       <p:sp>
         <p:nvSpPr>
           <p:cNvPr id="2" name="Rectangle 1"/>
@@ -12229,9 +10760,7 @@
             <a:spAutoFit/>
           </a:bodyPr>
           <a:lstStyle/>
-          <a:p>
-            <a:endParaRPr/>
-          </a:p>
+          <a:p/>
           <a:p>
             <a:pPr>
               <a:defRPr sz="2000" b="1">
@@ -12245,41 +10774,31 @@
               <a:t>Q - 26  மரபியல் வரைபடம் என்பதொரு</a:t>
             </a:r>
           </a:p>
-          <a:p>
-            <a:endParaRPr/>
-          </a:p>
+          <a:p/>
           <a:p>
             <a:r>
               <a:t>AIPMT - 2003</a:t>
             </a:r>
           </a:p>
-          <a:p>
-            <a:endParaRPr/>
-          </a:p>
+          <a:p/>
           <a:p>
             <a:r>
               <a:t>அ) குரோமோசோமின் மீதுள்ள மரபணுக்களின் நிலைகளைக் குறிப்பது</a:t>
             </a:r>
           </a:p>
-          <a:p>
-            <a:endParaRPr/>
-          </a:p>
+          <a:p/>
           <a:p>
             <a:r>
               <a:t>ஆ) வேறுபட்ட நிலைகளில் உள்ள மரபணுப் பரிணாமம்</a:t>
             </a:r>
           </a:p>
-          <a:p>
-            <a:endParaRPr/>
-          </a:p>
+          <a:p/>
           <a:p>
             <a:r>
               <a:t>இ) செல் பகுப்பின் பொழுது காணப்படும் நிலைகள்</a:t>
             </a:r>
           </a:p>
-          <a:p>
-            <a:endParaRPr/>
-          </a:p>
+          <a:p/>
           <a:p>
             <a:r>
               <a:t>ஈ) ஒரு பகுதியில் பரவி காணப்படும் வேறுபட்ட சிற்றினங்கள்</a:t>
@@ -12324,7 +10843,7 @@
 </file>
 
 <file path=ppt/slides/slide53.xml><?xml version="1.0" encoding="utf-8"?>
-<p:sld xmlns:a="http://schemas.openxmlformats.org/drawingml/2006/main" xmlns:r="http://schemas.openxmlformats.org/officeDocument/2006/relationships" xmlns:p="http://schemas.openxmlformats.org/presentationml/2006/main">
+<p:sld xmlns:a="http://schemas.openxmlformats.org/drawingml/2006/main" xmlns:p="http://schemas.openxmlformats.org/presentationml/2006/main" xmlns:r="http://schemas.openxmlformats.org/officeDocument/2006/relationships">
   <p:cSld>
     <p:spTree>
       <p:nvGrpSpPr>
@@ -12332,14 +10851,7 @@
         <p:cNvGrpSpPr/>
         <p:nvPr/>
       </p:nvGrpSpPr>
-      <p:grpSpPr>
-        <a:xfrm>
-          <a:off x="0" y="0"/>
-          <a:ext cx="0" cy="0"/>
-          <a:chOff x="0" y="0"/>
-          <a:chExt cx="0" cy="0"/>
-        </a:xfrm>
-      </p:grpSpPr>
+      <p:grpSpPr/>
       <p:sp>
         <p:nvSpPr>
           <p:cNvPr id="2" name="Rectangle 1"/>
@@ -12408,9 +10920,7 @@
             <a:spAutoFit/>
           </a:bodyPr>
           <a:lstStyle/>
-          <a:p>
-            <a:endParaRPr/>
-          </a:p>
+          <a:p/>
           <a:p>
             <a:pPr>
               <a:defRPr sz="2000" b="1">
@@ -12424,17 +10934,13 @@
               <a:t>Q - 26  மரபியல் வரைபடம் என்பதொரு</a:t>
             </a:r>
           </a:p>
-          <a:p>
-            <a:endParaRPr/>
-          </a:p>
+          <a:p/>
           <a:p>
             <a:r>
               <a:t>AIPMT - 2003</a:t>
             </a:r>
           </a:p>
-          <a:p>
-            <a:endParaRPr/>
-          </a:p>
+          <a:p/>
           <a:p>
             <a:pPr>
               <a:defRPr sz="2000" b="1">
@@ -12487,7 +10993,7 @@
 </file>
 
 <file path=ppt/slides/slide54.xml><?xml version="1.0" encoding="utf-8"?>
-<p:sld xmlns:a="http://schemas.openxmlformats.org/drawingml/2006/main" xmlns:r="http://schemas.openxmlformats.org/officeDocument/2006/relationships" xmlns:p="http://schemas.openxmlformats.org/presentationml/2006/main">
+<p:sld xmlns:a="http://schemas.openxmlformats.org/drawingml/2006/main" xmlns:p="http://schemas.openxmlformats.org/presentationml/2006/main" xmlns:r="http://schemas.openxmlformats.org/officeDocument/2006/relationships">
   <p:cSld>
     <p:spTree>
       <p:nvGrpSpPr>
@@ -12495,14 +11001,7 @@
         <p:cNvGrpSpPr/>
         <p:nvPr/>
       </p:nvGrpSpPr>
-      <p:grpSpPr>
-        <a:xfrm>
-          <a:off x="0" y="0"/>
-          <a:ext cx="0" cy="0"/>
-          <a:chOff x="0" y="0"/>
-          <a:chExt cx="0" cy="0"/>
-        </a:xfrm>
-      </p:grpSpPr>
+      <p:grpSpPr/>
       <p:sp>
         <p:nvSpPr>
           <p:cNvPr id="2" name="Rectangle 1"/>
@@ -12571,9 +11070,7 @@
             <a:spAutoFit/>
           </a:bodyPr>
           <a:lstStyle/>
-          <a:p>
-            <a:endParaRPr/>
-          </a:p>
+          <a:p/>
           <a:p>
             <a:pPr>
               <a:defRPr sz="2000" b="1">
@@ -12587,41 +11084,31 @@
               <a:t>Q - 27  சடுதிமாற்றத்திற்கு பிறகு ஒரு உயிரினத்தின் மரபிய அமைவிடத்தில் உள்ள பண்புகளின் மாற்றத்திற்கு காரணமானவை?</a:t>
             </a:r>
           </a:p>
-          <a:p>
-            <a:endParaRPr/>
-          </a:p>
+          <a:p/>
           <a:p>
             <a:r>
               <a:t>AIPMT - 2004</a:t>
             </a:r>
           </a:p>
-          <a:p>
-            <a:endParaRPr/>
-          </a:p>
+          <a:p/>
           <a:p>
             <a:r>
               <a:t>அ) DNA இரட்டிப்பாதல்</a:t>
             </a:r>
           </a:p>
-          <a:p>
-            <a:endParaRPr/>
-          </a:p>
+          <a:p/>
           <a:p>
             <a:r>
               <a:t>ஆ) புரத உற்பத்தி முறை</a:t>
             </a:r>
           </a:p>
-          <a:p>
-            <a:endParaRPr/>
-          </a:p>
+          <a:p/>
           <a:p>
             <a:r>
               <a:t>இ) RNA படியெடுத்தல் முறை</a:t>
             </a:r>
           </a:p>
-          <a:p>
-            <a:endParaRPr/>
-          </a:p>
+          <a:p/>
           <a:p>
             <a:r>
               <a:t>ஈ) புரத அமைப்பு</a:t>
@@ -12666,7 +11153,7 @@
 </file>
 
 <file path=ppt/slides/slide55.xml><?xml version="1.0" encoding="utf-8"?>
-<p:sld xmlns:a="http://schemas.openxmlformats.org/drawingml/2006/main" xmlns:r="http://schemas.openxmlformats.org/officeDocument/2006/relationships" xmlns:p="http://schemas.openxmlformats.org/presentationml/2006/main">
+<p:sld xmlns:a="http://schemas.openxmlformats.org/drawingml/2006/main" xmlns:p="http://schemas.openxmlformats.org/presentationml/2006/main" xmlns:r="http://schemas.openxmlformats.org/officeDocument/2006/relationships">
   <p:cSld>
     <p:spTree>
       <p:nvGrpSpPr>
@@ -12674,14 +11161,7 @@
         <p:cNvGrpSpPr/>
         <p:nvPr/>
       </p:nvGrpSpPr>
-      <p:grpSpPr>
-        <a:xfrm>
-          <a:off x="0" y="0"/>
-          <a:ext cx="0" cy="0"/>
-          <a:chOff x="0" y="0"/>
-          <a:chExt cx="0" cy="0"/>
-        </a:xfrm>
-      </p:grpSpPr>
+      <p:grpSpPr/>
       <p:sp>
         <p:nvSpPr>
           <p:cNvPr id="2" name="Rectangle 1"/>
@@ -12750,9 +11230,7 @@
             <a:spAutoFit/>
           </a:bodyPr>
           <a:lstStyle/>
-          <a:p>
-            <a:endParaRPr/>
-          </a:p>
+          <a:p/>
           <a:p>
             <a:pPr>
               <a:defRPr sz="2000" b="1">
@@ -12766,17 +11244,13 @@
               <a:t>Q - 27  சடுதிமாற்றத்திற்கு பிறகு ஒரு உயிரினத்தின் மரபிய அமைவிடத்தில் உள்ள பண்புகளின் மாற்றத்திற்கு காரணமானவை?</a:t>
             </a:r>
           </a:p>
-          <a:p>
-            <a:endParaRPr/>
-          </a:p>
+          <a:p/>
           <a:p>
             <a:r>
               <a:t>AIPMT - 2004</a:t>
             </a:r>
           </a:p>
-          <a:p>
-            <a:endParaRPr/>
-          </a:p>
+          <a:p/>
           <a:p>
             <a:pPr>
               <a:defRPr sz="2000" b="1">
@@ -12829,7 +11303,7 @@
 </file>
 
 <file path=ppt/slides/slide56.xml><?xml version="1.0" encoding="utf-8"?>
-<p:sld xmlns:a="http://schemas.openxmlformats.org/drawingml/2006/main" xmlns:r="http://schemas.openxmlformats.org/officeDocument/2006/relationships" xmlns:p="http://schemas.openxmlformats.org/presentationml/2006/main">
+<p:sld xmlns:a="http://schemas.openxmlformats.org/drawingml/2006/main" xmlns:p="http://schemas.openxmlformats.org/presentationml/2006/main" xmlns:r="http://schemas.openxmlformats.org/officeDocument/2006/relationships">
   <p:cSld>
     <p:spTree>
       <p:nvGrpSpPr>
@@ -12837,14 +11311,7 @@
         <p:cNvGrpSpPr/>
         <p:nvPr/>
       </p:nvGrpSpPr>
-      <p:grpSpPr>
-        <a:xfrm>
-          <a:off x="0" y="0"/>
-          <a:ext cx="0" cy="0"/>
-          <a:chOff x="0" y="0"/>
-          <a:chExt cx="0" cy="0"/>
-        </a:xfrm>
-      </p:grpSpPr>
+      <p:grpSpPr/>
       <p:sp>
         <p:nvSpPr>
           <p:cNvPr id="2" name="Rectangle 1"/>
@@ -12913,9 +11380,7 @@
             <a:spAutoFit/>
           </a:bodyPr>
           <a:lstStyle/>
-          <a:p>
-            <a:endParaRPr/>
-          </a:p>
+          <a:p/>
           <a:p>
             <a:pPr>
               <a:defRPr sz="2000" b="1">
@@ -12929,41 +11394,31 @@
               <a:t>Q - 28  அறுமடிய கோதுமையில் ஒற்றை மடிய (n) மற்றும் அடிப்படை (x) குரோமோசோம்களின் எண்ணிக்கை?</a:t>
             </a:r>
           </a:p>
-          <a:p>
-            <a:endParaRPr/>
-          </a:p>
+          <a:p/>
           <a:p>
             <a:r>
               <a:t>AIPMT - 2007</a:t>
             </a:r>
           </a:p>
-          <a:p>
-            <a:endParaRPr/>
-          </a:p>
+          <a:p/>
           <a:p>
             <a:r>
               <a:t>அ) n = 21 மற்றும் x = 7</a:t>
             </a:r>
           </a:p>
-          <a:p>
-            <a:endParaRPr/>
-          </a:p>
+          <a:p/>
           <a:p>
             <a:r>
               <a:t>ஆ) n = 7 மற்றும் x = 21</a:t>
             </a:r>
           </a:p>
-          <a:p>
-            <a:endParaRPr/>
-          </a:p>
+          <a:p/>
           <a:p>
             <a:r>
               <a:t>இ) n = 21 மற்றும் x = 21</a:t>
             </a:r>
           </a:p>
-          <a:p>
-            <a:endParaRPr/>
-          </a:p>
+          <a:p/>
           <a:p>
             <a:r>
               <a:t>ஈ) n = 21 மற்றும் x = 14</a:t>
@@ -13008,7 +11463,7 @@
 </file>
 
 <file path=ppt/slides/slide57.xml><?xml version="1.0" encoding="utf-8"?>
-<p:sld xmlns:a="http://schemas.openxmlformats.org/drawingml/2006/main" xmlns:r="http://schemas.openxmlformats.org/officeDocument/2006/relationships" xmlns:p="http://schemas.openxmlformats.org/presentationml/2006/main">
+<p:sld xmlns:a="http://schemas.openxmlformats.org/drawingml/2006/main" xmlns:p="http://schemas.openxmlformats.org/presentationml/2006/main" xmlns:r="http://schemas.openxmlformats.org/officeDocument/2006/relationships">
   <p:cSld>
     <p:spTree>
       <p:nvGrpSpPr>
@@ -13016,14 +11471,7 @@
         <p:cNvGrpSpPr/>
         <p:nvPr/>
       </p:nvGrpSpPr>
-      <p:grpSpPr>
-        <a:xfrm>
-          <a:off x="0" y="0"/>
-          <a:ext cx="0" cy="0"/>
-          <a:chOff x="0" y="0"/>
-          <a:chExt cx="0" cy="0"/>
-        </a:xfrm>
-      </p:grpSpPr>
+      <p:grpSpPr/>
       <p:sp>
         <p:nvSpPr>
           <p:cNvPr id="2" name="Rectangle 1"/>
@@ -13092,9 +11540,7 @@
             <a:spAutoFit/>
           </a:bodyPr>
           <a:lstStyle/>
-          <a:p>
-            <a:endParaRPr/>
-          </a:p>
+          <a:p/>
           <a:p>
             <a:pPr>
               <a:defRPr sz="2000" b="1">
@@ -13108,17 +11554,13 @@
               <a:t>Q - 28  அறுமடிய கோதுமையில் ஒற்றை மடிய (n) மற்றும் அடிப்படை (x) குரோமோசோம்களின் எண்ணிக்கை?</a:t>
             </a:r>
           </a:p>
-          <a:p>
-            <a:endParaRPr/>
-          </a:p>
+          <a:p/>
           <a:p>
             <a:r>
               <a:t>AIPMT - 2007</a:t>
             </a:r>
           </a:p>
-          <a:p>
-            <a:endParaRPr/>
-          </a:p>
+          <a:p/>
           <a:p>
             <a:pPr>
               <a:defRPr sz="2000" b="1">
@@ -13171,7 +11613,7 @@
 </file>
 
 <file path=ppt/slides/slide58.xml><?xml version="1.0" encoding="utf-8"?>
-<p:sld xmlns:a="http://schemas.openxmlformats.org/drawingml/2006/main" xmlns:r="http://schemas.openxmlformats.org/officeDocument/2006/relationships" xmlns:p="http://schemas.openxmlformats.org/presentationml/2006/main">
+<p:sld xmlns:a="http://schemas.openxmlformats.org/drawingml/2006/main" xmlns:p="http://schemas.openxmlformats.org/presentationml/2006/main" xmlns:r="http://schemas.openxmlformats.org/officeDocument/2006/relationships">
   <p:cSld>
     <p:spTree>
       <p:nvGrpSpPr>
@@ -13179,14 +11621,7 @@
         <p:cNvGrpSpPr/>
         <p:nvPr/>
       </p:nvGrpSpPr>
-      <p:grpSpPr>
-        <a:xfrm>
-          <a:off x="0" y="0"/>
-          <a:ext cx="0" cy="0"/>
-          <a:chOff x="0" y="0"/>
-          <a:chExt cx="0" cy="0"/>
-        </a:xfrm>
-      </p:grpSpPr>
+      <p:grpSpPr/>
       <p:sp>
         <p:nvSpPr>
           <p:cNvPr id="2" name="Rectangle 1"/>
@@ -13255,9 +11690,7 @@
             <a:spAutoFit/>
           </a:bodyPr>
           <a:lstStyle/>
-          <a:p>
-            <a:endParaRPr/>
-          </a:p>
+          <a:p/>
           <a:p>
             <a:pPr>
               <a:defRPr sz="2000" b="1">
@@ -13271,41 +11704,31 @@
               <a:t>Q - 29  புள்ளி சடுதிமாற்றத்தில் காணப்படுவது?</a:t>
             </a:r>
           </a:p>
-          <a:p>
-            <a:endParaRPr/>
-          </a:p>
+          <a:p/>
           <a:p>
             <a:r>
               <a:t>AIPMT - 2009</a:t>
             </a:r>
           </a:p>
-          <a:p>
-            <a:endParaRPr/>
-          </a:p>
+          <a:p/>
           <a:p>
             <a:r>
               <a:t>அ) நீக்கம்</a:t>
             </a:r>
           </a:p>
-          <a:p>
-            <a:endParaRPr/>
-          </a:p>
+          <a:p/>
           <a:p>
             <a:r>
               <a:t>ஆ) செருகல்</a:t>
             </a:r>
           </a:p>
-          <a:p>
-            <a:endParaRPr/>
-          </a:p>
+          <a:p/>
           <a:p>
             <a:r>
               <a:t>இ) ஒற்றை கார இணையின் மாற்றம்</a:t>
             </a:r>
           </a:p>
-          <a:p>
-            <a:endParaRPr/>
-          </a:p>
+          <a:p/>
           <a:p>
             <a:r>
               <a:t>ஈ) இரட்டித்தல்</a:t>
@@ -13350,7 +11773,7 @@
 </file>
 
 <file path=ppt/slides/slide59.xml><?xml version="1.0" encoding="utf-8"?>
-<p:sld xmlns:a="http://schemas.openxmlformats.org/drawingml/2006/main" xmlns:r="http://schemas.openxmlformats.org/officeDocument/2006/relationships" xmlns:p="http://schemas.openxmlformats.org/presentationml/2006/main">
+<p:sld xmlns:a="http://schemas.openxmlformats.org/drawingml/2006/main" xmlns:p="http://schemas.openxmlformats.org/presentationml/2006/main" xmlns:r="http://schemas.openxmlformats.org/officeDocument/2006/relationships">
   <p:cSld>
     <p:spTree>
       <p:nvGrpSpPr>
@@ -13358,14 +11781,7 @@
         <p:cNvGrpSpPr/>
         <p:nvPr/>
       </p:nvGrpSpPr>
-      <p:grpSpPr>
-        <a:xfrm>
-          <a:off x="0" y="0"/>
-          <a:ext cx="0" cy="0"/>
-          <a:chOff x="0" y="0"/>
-          <a:chExt cx="0" cy="0"/>
-        </a:xfrm>
-      </p:grpSpPr>
+      <p:grpSpPr/>
       <p:sp>
         <p:nvSpPr>
           <p:cNvPr id="2" name="Rectangle 1"/>
@@ -13434,9 +11850,7 @@
             <a:spAutoFit/>
           </a:bodyPr>
           <a:lstStyle/>
-          <a:p>
-            <a:endParaRPr/>
-          </a:p>
+          <a:p/>
           <a:p>
             <a:pPr>
               <a:defRPr sz="2000" b="1">
@@ -13450,17 +11864,13 @@
               <a:t>Q - 29  புள்ளி சடுதிமாற்றத்தில் காணப்படுவது?</a:t>
             </a:r>
           </a:p>
-          <a:p>
-            <a:endParaRPr/>
-          </a:p>
+          <a:p/>
           <a:p>
             <a:r>
               <a:t>AIPMT - 2009</a:t>
             </a:r>
           </a:p>
-          <a:p>
-            <a:endParaRPr/>
-          </a:p>
+          <a:p/>
           <a:p>
             <a:pPr>
               <a:defRPr sz="2000" b="1">
@@ -13513,7 +11923,7 @@
 </file>
 
 <file path=ppt/slides/slide6.xml><?xml version="1.0" encoding="utf-8"?>
-<p:sld xmlns:a="http://schemas.openxmlformats.org/drawingml/2006/main" xmlns:r="http://schemas.openxmlformats.org/officeDocument/2006/relationships" xmlns:p="http://schemas.openxmlformats.org/presentationml/2006/main">
+<p:sld xmlns:a="http://schemas.openxmlformats.org/drawingml/2006/main" xmlns:p="http://schemas.openxmlformats.org/presentationml/2006/main" xmlns:r="http://schemas.openxmlformats.org/officeDocument/2006/relationships">
   <p:cSld>
     <p:spTree>
       <p:nvGrpSpPr>
@@ -13521,14 +11931,7 @@
         <p:cNvGrpSpPr/>
         <p:nvPr/>
       </p:nvGrpSpPr>
-      <p:grpSpPr>
-        <a:xfrm>
-          <a:off x="0" y="0"/>
-          <a:ext cx="0" cy="0"/>
-          <a:chOff x="0" y="0"/>
-          <a:chExt cx="0" cy="0"/>
-        </a:xfrm>
-      </p:grpSpPr>
+      <p:grpSpPr/>
       <p:sp>
         <p:nvSpPr>
           <p:cNvPr id="2" name="Rectangle 1"/>
@@ -13597,9 +12000,7 @@
             <a:spAutoFit/>
           </a:bodyPr>
           <a:lstStyle/>
-          <a:p>
-            <a:endParaRPr dirty="0"/>
-          </a:p>
+          <a:p/>
           <a:p>
             <a:pPr>
               <a:defRPr sz="2000" b="1">
@@ -13610,362 +12011,38 @@
               </a:defRPr>
             </a:pPr>
             <a:r>
-              <a:rPr dirty="0"/>
-              <a:t>Q - 3  </a:t>
-            </a:r>
-            <a:r>
-              <a:rPr dirty="0" err="1"/>
-              <a:t>பின்வருவனவற்றுள்</a:t>
-            </a:r>
-            <a:r>
-              <a:rPr dirty="0"/>
-              <a:t> </a:t>
-            </a:r>
-            <a:r>
-              <a:rPr dirty="0" err="1"/>
-              <a:t>மெண்டலின்</a:t>
-            </a:r>
-            <a:r>
-              <a:rPr dirty="0"/>
-              <a:t> </a:t>
-            </a:r>
-            <a:r>
-              <a:rPr dirty="0" err="1"/>
-              <a:t>ஓங்கு</a:t>
-            </a:r>
-            <a:r>
-              <a:rPr dirty="0"/>
-              <a:t> </a:t>
-            </a:r>
-            <a:r>
-              <a:rPr dirty="0" err="1"/>
-              <a:t>பண்பு</a:t>
-            </a:r>
-            <a:r>
-              <a:rPr dirty="0"/>
-              <a:t> </a:t>
-            </a:r>
-            <a:r>
-              <a:rPr dirty="0" err="1"/>
-              <a:t>விதியின்</a:t>
-            </a:r>
-            <a:r>
-              <a:rPr dirty="0"/>
-              <a:t> </a:t>
-            </a:r>
-            <a:r>
-              <a:rPr dirty="0" err="1"/>
-              <a:t>அடிப்படையில்</a:t>
-            </a:r>
-            <a:r>
-              <a:rPr dirty="0"/>
-              <a:t> </a:t>
-            </a:r>
-            <a:r>
-              <a:rPr dirty="0" err="1"/>
-              <a:t>விளக்க</a:t>
-            </a:r>
-            <a:r>
-              <a:rPr dirty="0"/>
-              <a:t> </a:t>
-            </a:r>
-            <a:r>
-              <a:rPr dirty="0" err="1"/>
-              <a:t>இயலாத</a:t>
-            </a:r>
-            <a:r>
-              <a:rPr dirty="0"/>
-              <a:t> </a:t>
-            </a:r>
-            <a:r>
-              <a:rPr dirty="0" err="1"/>
-              <a:t>கூற்று</a:t>
-            </a:r>
-            <a:r>
-              <a:rPr dirty="0"/>
-              <a:t> </a:t>
-            </a:r>
-            <a:r>
-              <a:rPr dirty="0" err="1"/>
-              <a:t>எது</a:t>
-            </a:r>
-            <a:r>
-              <a:rPr dirty="0"/>
-              <a:t>?</a:t>
-            </a:r>
-          </a:p>
-          <a:p>
-            <a:endParaRPr dirty="0"/>
-          </a:p>
-          <a:p>
-            <a:r>
-              <a:rPr dirty="0"/>
+              <a:t>Q - 3  பின்வருவனவற்றுள் மெண்டலின் ஓங்கு பண்பு விதியின் அடிப்படையில் விளக்க இயலாத கூற்று எது?</a:t>
+            </a:r>
+          </a:p>
+          <a:p/>
+          <a:p>
+            <a:r>
               <a:t>AIPMT - 2010</a:t>
             </a:r>
           </a:p>
-          <a:p>
-            <a:endParaRPr dirty="0"/>
-          </a:p>
-          <a:p>
-            <a:r>
-              <a:rPr sz="1400" dirty="0"/>
-              <a:t>அ) </a:t>
-            </a:r>
-            <a:r>
-              <a:rPr sz="1400" dirty="0" err="1"/>
-              <a:t>காரணிகள்</a:t>
-            </a:r>
-            <a:r>
-              <a:rPr sz="1400" dirty="0"/>
-              <a:t> </a:t>
-            </a:r>
-            <a:r>
-              <a:rPr sz="1400" dirty="0" err="1"/>
-              <a:t>இணைகளாகக்</a:t>
-            </a:r>
-            <a:r>
-              <a:rPr sz="1400" dirty="0"/>
-              <a:t> </a:t>
-            </a:r>
-            <a:r>
-              <a:rPr sz="1400" dirty="0" err="1"/>
-              <a:t>காணப்படும்</a:t>
-            </a:r>
-            <a:endParaRPr sz="1400" dirty="0"/>
-          </a:p>
-          <a:p>
-            <a:endParaRPr sz="1400" dirty="0"/>
-          </a:p>
-          <a:p>
-            <a:r>
-              <a:rPr sz="1400" dirty="0"/>
-              <a:t>ஆ) </a:t>
-            </a:r>
-            <a:r>
-              <a:rPr sz="1400" dirty="0" err="1"/>
-              <a:t>ஒரு</a:t>
-            </a:r>
-            <a:r>
-              <a:rPr sz="1400" dirty="0"/>
-              <a:t> </a:t>
-            </a:r>
-            <a:r>
-              <a:rPr sz="1400" dirty="0" err="1"/>
-              <a:t>குறிப்பிட்ட</a:t>
-            </a:r>
-            <a:r>
-              <a:rPr sz="1400" dirty="0"/>
-              <a:t> </a:t>
-            </a:r>
-            <a:r>
-              <a:rPr sz="1400" dirty="0" err="1"/>
-              <a:t>பண்பினை</a:t>
-            </a:r>
-            <a:r>
-              <a:rPr sz="1400" dirty="0"/>
-              <a:t> </a:t>
-            </a:r>
-            <a:r>
-              <a:rPr sz="1400" dirty="0" err="1"/>
-              <a:t>கட்டுப்படுத்தும்</a:t>
-            </a:r>
-            <a:r>
-              <a:rPr sz="1400" dirty="0"/>
-              <a:t> </a:t>
-            </a:r>
-            <a:r>
-              <a:rPr sz="1400" dirty="0" err="1"/>
-              <a:t>தனிப்பட்ட</a:t>
-            </a:r>
-            <a:r>
-              <a:rPr sz="1400" dirty="0"/>
-              <a:t> </a:t>
-            </a:r>
-            <a:r>
-              <a:rPr sz="1400" dirty="0" err="1"/>
-              <a:t>அலகு</a:t>
-            </a:r>
-            <a:r>
-              <a:rPr sz="1400" dirty="0"/>
-              <a:t> </a:t>
-            </a:r>
-            <a:r>
-              <a:rPr sz="1400" dirty="0" err="1"/>
-              <a:t>காரணி</a:t>
-            </a:r>
-            <a:r>
-              <a:rPr sz="1400" dirty="0"/>
-              <a:t> </a:t>
-            </a:r>
-            <a:r>
-              <a:rPr sz="1400" dirty="0" err="1"/>
-              <a:t>என்று</a:t>
-            </a:r>
-            <a:r>
-              <a:rPr sz="1400" dirty="0"/>
-              <a:t> </a:t>
-            </a:r>
-            <a:r>
-              <a:rPr sz="1400" dirty="0" err="1"/>
-              <a:t>அழைக்கப்படுகின்றது</a:t>
-            </a:r>
-            <a:endParaRPr sz="1400" dirty="0"/>
-          </a:p>
-          <a:p>
-            <a:endParaRPr sz="1400" dirty="0"/>
-          </a:p>
-          <a:p>
-            <a:r>
-              <a:rPr sz="1400" dirty="0"/>
-              <a:t>இ) </a:t>
-            </a:r>
-            <a:r>
-              <a:rPr sz="1400" dirty="0" err="1"/>
-              <a:t>ஒரு</a:t>
-            </a:r>
-            <a:r>
-              <a:rPr sz="1400" dirty="0"/>
-              <a:t> </a:t>
-            </a:r>
-            <a:r>
-              <a:rPr sz="1400" dirty="0" err="1"/>
-              <a:t>இணை</a:t>
-            </a:r>
-            <a:r>
-              <a:rPr sz="1400" dirty="0"/>
-              <a:t> </a:t>
-            </a:r>
-            <a:r>
-              <a:rPr sz="1400" dirty="0" err="1"/>
-              <a:t>காரணிகளில்</a:t>
-            </a:r>
-            <a:r>
-              <a:rPr sz="1400" dirty="0"/>
-              <a:t> </a:t>
-            </a:r>
-            <a:r>
-              <a:rPr sz="1400" dirty="0" err="1"/>
-              <a:t>ஒரு</a:t>
-            </a:r>
-            <a:r>
-              <a:rPr sz="1400" dirty="0"/>
-              <a:t> </a:t>
-            </a:r>
-            <a:r>
-              <a:rPr sz="1400" dirty="0" err="1"/>
-              <a:t>காரணி</a:t>
-            </a:r>
-            <a:r>
-              <a:rPr sz="1400" dirty="0"/>
-              <a:t> </a:t>
-            </a:r>
-            <a:r>
-              <a:rPr sz="1400" dirty="0" err="1"/>
-              <a:t>ஓங்கியும்</a:t>
-            </a:r>
-            <a:r>
-              <a:rPr sz="1400" dirty="0"/>
-              <a:t>, </a:t>
-            </a:r>
-            <a:r>
-              <a:rPr sz="1400" dirty="0" err="1"/>
-              <a:t>மற்றறொன்று</a:t>
-            </a:r>
-            <a:r>
-              <a:rPr sz="1400" dirty="0"/>
-              <a:t> </a:t>
-            </a:r>
-            <a:r>
-              <a:rPr sz="1400" dirty="0" err="1"/>
-              <a:t>ஒடுங்கியும்</a:t>
-            </a:r>
-            <a:r>
-              <a:rPr sz="1400" dirty="0"/>
-              <a:t> </a:t>
-            </a:r>
-            <a:r>
-              <a:rPr sz="1400" dirty="0" err="1"/>
-              <a:t>காணப்படும்</a:t>
-            </a:r>
-            <a:endParaRPr sz="1400" dirty="0"/>
-          </a:p>
-          <a:p>
-            <a:endParaRPr sz="1400" dirty="0"/>
-          </a:p>
-          <a:p>
-            <a:r>
-              <a:rPr sz="1400" dirty="0"/>
-              <a:t>ஈ) </a:t>
-            </a:r>
-            <a:r>
-              <a:rPr sz="1400" dirty="0" err="1"/>
-              <a:t>அல்லீல்கள்</a:t>
-            </a:r>
-            <a:r>
-              <a:rPr sz="1400" dirty="0"/>
-              <a:t> </a:t>
-            </a:r>
-            <a:r>
-              <a:rPr sz="1400" dirty="0" err="1"/>
-              <a:t>எந்நிலையிலும்</a:t>
-            </a:r>
-            <a:r>
-              <a:rPr sz="1400" dirty="0"/>
-              <a:t> </a:t>
-            </a:r>
-            <a:r>
-              <a:rPr sz="1400" dirty="0" err="1"/>
-              <a:t>கலப்புறா</a:t>
-            </a:r>
-            <a:r>
-              <a:rPr sz="1400" dirty="0"/>
-              <a:t> </a:t>
-            </a:r>
-            <a:r>
-              <a:rPr sz="1400" dirty="0" err="1"/>
-              <a:t>வண்ணம்</a:t>
-            </a:r>
-            <a:r>
-              <a:rPr sz="1400" dirty="0"/>
-              <a:t> </a:t>
-            </a:r>
-            <a:r>
-              <a:rPr sz="1400" dirty="0" err="1"/>
-              <a:t>இரு</a:t>
-            </a:r>
-            <a:r>
-              <a:rPr sz="1400" dirty="0"/>
-              <a:t> </a:t>
-            </a:r>
-            <a:r>
-              <a:rPr sz="1400" dirty="0" err="1"/>
-              <a:t>பண்புகள்</a:t>
-            </a:r>
-            <a:r>
-              <a:rPr sz="1400" dirty="0"/>
-              <a:t> </a:t>
-            </a:r>
-            <a:r>
-              <a:rPr sz="1400" dirty="0" err="1"/>
-              <a:t>மீளவும்</a:t>
-            </a:r>
-            <a:r>
-              <a:rPr sz="1400" dirty="0"/>
-              <a:t> F2 </a:t>
-            </a:r>
-            <a:r>
-              <a:rPr sz="1400" dirty="0" err="1"/>
-              <a:t>சந்ததியில்</a:t>
-            </a:r>
-            <a:r>
-              <a:rPr sz="1400" dirty="0"/>
-              <a:t> </a:t>
-            </a:r>
-            <a:r>
-              <a:rPr sz="1400" dirty="0" err="1"/>
-              <a:t>காணப்படும்</a:t>
-            </a:r>
-            <a:endParaRPr sz="1400" dirty="0"/>
+          <a:p/>
+          <a:p>
+            <a:r>
+              <a:t>அ) காரணிகள் இணைகளாகக் காணப்படும்</a:t>
+            </a:r>
+          </a:p>
+          <a:p/>
+          <a:p>
+            <a:r>
+              <a:t>ஆ) ஒரு குறிப்பிட்ட பண்பினை கட்டுப்படுத்தும் தனிப்பட்ட அலகு காரணி என்று அழைக்கப்படுகின்றது</a:t>
+            </a:r>
+          </a:p>
+          <a:p/>
+          <a:p>
+            <a:r>
+              <a:t>இ) ஒரு இணை காரணிகளில் ஒரு காரணி ஓங்கியும், மற்றறொன்று ஒடுங்கியும் காணப்படும்</a:t>
+            </a:r>
+          </a:p>
+          <a:p/>
+          <a:p>
+            <a:r>
+              <a:t>ஈ) அல்லீல்கள் எந்நிலையிலும் கலப்புறா வண்ணம் இரு பண்புகள் மீளவும் F2 சந்ததியில் காணப்படும்</a:t>
+            </a:r>
           </a:p>
         </p:txBody>
       </p:sp>
@@ -14006,7 +12083,7 @@
 </file>
 
 <file path=ppt/slides/slide60.xml><?xml version="1.0" encoding="utf-8"?>
-<p:sld xmlns:a="http://schemas.openxmlformats.org/drawingml/2006/main" xmlns:r="http://schemas.openxmlformats.org/officeDocument/2006/relationships" xmlns:p="http://schemas.openxmlformats.org/presentationml/2006/main">
+<p:sld xmlns:a="http://schemas.openxmlformats.org/drawingml/2006/main" xmlns:p="http://schemas.openxmlformats.org/presentationml/2006/main" xmlns:r="http://schemas.openxmlformats.org/officeDocument/2006/relationships">
   <p:cSld>
     <p:spTree>
       <p:nvGrpSpPr>
@@ -14014,14 +12091,7 @@
         <p:cNvGrpSpPr/>
         <p:nvPr/>
       </p:nvGrpSpPr>
-      <p:grpSpPr>
-        <a:xfrm>
-          <a:off x="0" y="0"/>
-          <a:ext cx="0" cy="0"/>
-          <a:chOff x="0" y="0"/>
-          <a:chExt cx="0" cy="0"/>
-        </a:xfrm>
-      </p:grpSpPr>
+      <p:grpSpPr/>
       <p:sp>
         <p:nvSpPr>
           <p:cNvPr id="2" name="Rectangle 1"/>
@@ -14090,9 +12160,7 @@
             <a:spAutoFit/>
           </a:bodyPr>
           <a:lstStyle/>
-          <a:p>
-            <a:endParaRPr/>
-          </a:p>
+          <a:p/>
           <a:p>
             <a:pPr>
               <a:defRPr sz="2000" b="1">
@@ -14106,41 +12174,31 @@
               <a:t>Q - 30  சடுதி மாற்றத்தைப் பொருத்தமட்டில் எக்கூற்று தவறானது?</a:t>
             </a:r>
           </a:p>
-          <a:p>
-            <a:endParaRPr/>
-          </a:p>
+          <a:p/>
           <a:p>
             <a:r>
               <a:t>AIPMT - 2012</a:t>
             </a:r>
           </a:p>
-          <a:p>
-            <a:endParaRPr/>
-          </a:p>
+          <a:p/>
           <a:p>
             <a:r>
               <a:t>அ) புற ஊதா மற்றும் காமா கதிர்கள் சடுதி மாற்றக் காரணிகள்</a:t>
             </a:r>
           </a:p>
-          <a:p>
-            <a:endParaRPr/>
-          </a:p>
+          <a:p/>
           <a:p>
             <a:r>
               <a:t>ஆ) DNAவின் ஒரு கார இணையில் ஏற்படும் மாற்றம் சடுதிமாற்றத்தை ஏற்படுத்தாது</a:t>
             </a:r>
           </a:p>
-          <a:p>
-            <a:endParaRPr/>
-          </a:p>
+          <a:p/>
           <a:p>
             <a:r>
               <a:t>இ) நீக்கம் மற்றும் செருகல் கார இணையில் ஏற்படும் கட்ட நகர்வு சடுதிமாற்றம்</a:t>
             </a:r>
           </a:p>
-          <a:p>
-            <a:endParaRPr/>
-          </a:p>
+          <a:p/>
           <a:p>
             <a:r>
               <a:t>ஈ) குரோமோசோம் பிறழ்ச்சியினால் பொதுவாக காணும் புற்றுச் செல்கள்</a:t>
@@ -14185,7 +12243,7 @@
 </file>
 
 <file path=ppt/slides/slide61.xml><?xml version="1.0" encoding="utf-8"?>
-<p:sld xmlns:a="http://schemas.openxmlformats.org/drawingml/2006/main" xmlns:r="http://schemas.openxmlformats.org/officeDocument/2006/relationships" xmlns:p="http://schemas.openxmlformats.org/presentationml/2006/main">
+<p:sld xmlns:a="http://schemas.openxmlformats.org/drawingml/2006/main" xmlns:p="http://schemas.openxmlformats.org/presentationml/2006/main" xmlns:r="http://schemas.openxmlformats.org/officeDocument/2006/relationships">
   <p:cSld>
     <p:spTree>
       <p:nvGrpSpPr>
@@ -14193,14 +12251,7 @@
         <p:cNvGrpSpPr/>
         <p:nvPr/>
       </p:nvGrpSpPr>
-      <p:grpSpPr>
-        <a:xfrm>
-          <a:off x="0" y="0"/>
-          <a:ext cx="0" cy="0"/>
-          <a:chOff x="0" y="0"/>
-          <a:chExt cx="0" cy="0"/>
-        </a:xfrm>
-      </p:grpSpPr>
+      <p:grpSpPr/>
       <p:sp>
         <p:nvSpPr>
           <p:cNvPr id="2" name="Rectangle 1"/>
@@ -14269,9 +12320,7 @@
             <a:spAutoFit/>
           </a:bodyPr>
           <a:lstStyle/>
-          <a:p>
-            <a:endParaRPr/>
-          </a:p>
+          <a:p/>
           <a:p>
             <a:pPr>
               <a:defRPr sz="2000" b="1">
@@ -14285,17 +12334,13 @@
               <a:t>Q - 30  சடுதி மாற்றத்தைப் பொருத்தமட்டில் எக்கூற்று தவறானது?</a:t>
             </a:r>
           </a:p>
-          <a:p>
-            <a:endParaRPr/>
-          </a:p>
+          <a:p/>
           <a:p>
             <a:r>
               <a:t>AIPMT - 2012</a:t>
             </a:r>
           </a:p>
-          <a:p>
-            <a:endParaRPr/>
-          </a:p>
+          <a:p/>
           <a:p>
             <a:pPr>
               <a:defRPr sz="2000" b="1">
@@ -14348,7 +12393,7 @@
 </file>
 
 <file path=ppt/slides/slide62.xml><?xml version="1.0" encoding="utf-8"?>
-<p:sld xmlns:a="http://schemas.openxmlformats.org/drawingml/2006/main" xmlns:r="http://schemas.openxmlformats.org/officeDocument/2006/relationships" xmlns:p="http://schemas.openxmlformats.org/presentationml/2006/main">
+<p:sld xmlns:a="http://schemas.openxmlformats.org/drawingml/2006/main" xmlns:p="http://schemas.openxmlformats.org/presentationml/2006/main" xmlns:r="http://schemas.openxmlformats.org/officeDocument/2006/relationships">
   <p:cSld>
     <p:spTree>
       <p:nvGrpSpPr>
@@ -14356,14 +12401,7 @@
         <p:cNvGrpSpPr/>
         <p:nvPr/>
       </p:nvGrpSpPr>
-      <p:grpSpPr>
-        <a:xfrm>
-          <a:off x="0" y="0"/>
-          <a:ext cx="0" cy="0"/>
-          <a:chOff x="0" y="0"/>
-          <a:chExt cx="0" cy="0"/>
-        </a:xfrm>
-      </p:grpSpPr>
+      <p:grpSpPr/>
       <p:sp>
         <p:nvSpPr>
           <p:cNvPr id="2" name="Rectangle 1"/>
@@ -14432,9 +12470,7 @@
             <a:spAutoFit/>
           </a:bodyPr>
           <a:lstStyle/>
-          <a:p>
-            <a:endParaRPr/>
-          </a:p>
+          <a:p/>
           <a:p>
             <a:pPr>
               <a:defRPr sz="2000" b="1">
@@ -14448,41 +12484,31 @@
               <a:t>Q - 31  50% மறுகூட்டிணைவு நிகழ்விரைவு காணப்படும் இரு மரபணுக்களில் கீழ்காணும் எந்த கூற்று உண்மையல்ல? </a:t>
             </a:r>
           </a:p>
-          <a:p>
-            <a:endParaRPr/>
-          </a:p>
+          <a:p/>
           <a:p>
             <a:r>
               <a:t>NEET - 2013</a:t>
             </a:r>
           </a:p>
-          <a:p>
-            <a:endParaRPr/>
-          </a:p>
+          <a:p/>
           <a:p>
             <a:r>
               <a:t>அ) மரபணுக்கள் வெவ்வேறு குரோமோசோம்களில் காணப்படுதல்</a:t>
             </a:r>
           </a:p>
-          <a:p>
-            <a:endParaRPr/>
-          </a:p>
+          <a:p/>
           <a:p>
             <a:r>
               <a:t>ஆ) நெருக்கமான நிலையில் பிணைந்துள்ள மரபணுக்கள்</a:t>
             </a:r>
           </a:p>
-          <a:p>
-            <a:endParaRPr/>
-          </a:p>
+          <a:p/>
           <a:p>
             <a:r>
               <a:t>இ) மரபணுக்கள் சார்பின்றி ஒதுங்கி காணப்படும்</a:t>
             </a:r>
           </a:p>
-          <a:p>
-            <a:endParaRPr/>
-          </a:p>
+          <a:p/>
           <a:p>
             <a:r>
               <a:t>ஈ) மரபணுக்கள் ஒரே குரோமோசோமில் அமைந்திருந்தால் அவை ஒவ்வொரு குன்றல்பகுப்பிலும் ஒன்றுக்கு மேற்பட்ட குறுக்கேற்றத்தை மேற்கொள்கின்றன</a:t>
@@ -14527,7 +12553,7 @@
 </file>
 
 <file path=ppt/slides/slide63.xml><?xml version="1.0" encoding="utf-8"?>
-<p:sld xmlns:a="http://schemas.openxmlformats.org/drawingml/2006/main" xmlns:r="http://schemas.openxmlformats.org/officeDocument/2006/relationships" xmlns:p="http://schemas.openxmlformats.org/presentationml/2006/main">
+<p:sld xmlns:a="http://schemas.openxmlformats.org/drawingml/2006/main" xmlns:p="http://schemas.openxmlformats.org/presentationml/2006/main" xmlns:r="http://schemas.openxmlformats.org/officeDocument/2006/relationships">
   <p:cSld>
     <p:spTree>
       <p:nvGrpSpPr>
@@ -14535,14 +12561,7 @@
         <p:cNvGrpSpPr/>
         <p:nvPr/>
       </p:nvGrpSpPr>
-      <p:grpSpPr>
-        <a:xfrm>
-          <a:off x="0" y="0"/>
-          <a:ext cx="0" cy="0"/>
-          <a:chOff x="0" y="0"/>
-          <a:chExt cx="0" cy="0"/>
-        </a:xfrm>
-      </p:grpSpPr>
+      <p:grpSpPr/>
       <p:sp>
         <p:nvSpPr>
           <p:cNvPr id="2" name="Rectangle 1"/>
@@ -14611,9 +12630,7 @@
             <a:spAutoFit/>
           </a:bodyPr>
           <a:lstStyle/>
-          <a:p>
-            <a:endParaRPr/>
-          </a:p>
+          <a:p/>
           <a:p>
             <a:pPr>
               <a:defRPr sz="2000" b="1">
@@ -14627,17 +12644,13 @@
               <a:t>Q - 31  50% மறுகூட்டிணைவு நிகழ்விரைவு காணப்படும் இரு மரபணுக்களில் கீழ்காணும் எந்த கூற்று உண்மையல்ல? </a:t>
             </a:r>
           </a:p>
-          <a:p>
-            <a:endParaRPr/>
-          </a:p>
+          <a:p/>
           <a:p>
             <a:r>
               <a:t>NEET - 2013</a:t>
             </a:r>
           </a:p>
-          <a:p>
-            <a:endParaRPr/>
-          </a:p>
+          <a:p/>
           <a:p>
             <a:pPr>
               <a:defRPr sz="2000" b="1">
@@ -14690,7 +12703,7 @@
 </file>
 
 <file path=ppt/slides/slide64.xml><?xml version="1.0" encoding="utf-8"?>
-<p:sld xmlns:a="http://schemas.openxmlformats.org/drawingml/2006/main" xmlns:r="http://schemas.openxmlformats.org/officeDocument/2006/relationships" xmlns:p="http://schemas.openxmlformats.org/presentationml/2006/main">
+<p:sld xmlns:a="http://schemas.openxmlformats.org/drawingml/2006/main" xmlns:p="http://schemas.openxmlformats.org/presentationml/2006/main" xmlns:r="http://schemas.openxmlformats.org/officeDocument/2006/relationships">
   <p:cSld>
     <p:spTree>
       <p:nvGrpSpPr>
@@ -14698,14 +12711,7 @@
         <p:cNvGrpSpPr/>
         <p:nvPr/>
       </p:nvGrpSpPr>
-      <p:grpSpPr>
-        <a:xfrm>
-          <a:off x="0" y="0"/>
-          <a:ext cx="0" cy="0"/>
-          <a:chOff x="0" y="0"/>
-          <a:chExt cx="0" cy="0"/>
-        </a:xfrm>
-      </p:grpSpPr>
+      <p:grpSpPr/>
       <p:sp>
         <p:nvSpPr>
           <p:cNvPr id="2" name="Rectangle 1"/>
@@ -14762,21 +12768,19 @@
         <p:spPr>
           <a:xfrm>
             <a:off x="457200" y="1005840"/>
-            <a:ext cx="7315200" cy="3970318"/>
-          </a:xfrm>
-          <a:prstGeom prst="rect">
-            <a:avLst/>
-          </a:prstGeom>
-          <a:noFill/>
-        </p:spPr>
-        <p:txBody>
-          <a:bodyPr wrap="square">
-            <a:spAutoFit/>
-          </a:bodyPr>
-          <a:lstStyle/>
-          <a:p>
-            <a:endParaRPr dirty="0"/>
-          </a:p>
+            <a:ext cx="7315200" cy="3657600"/>
+          </a:xfrm>
+          <a:prstGeom prst="rect">
+            <a:avLst/>
+          </a:prstGeom>
+          <a:noFill/>
+        </p:spPr>
+        <p:txBody>
+          <a:bodyPr wrap="square">
+            <a:spAutoFit/>
+          </a:bodyPr>
+          <a:lstStyle/>
+          <a:p/>
           <a:p>
             <a:pPr>
               <a:defRPr sz="2000" b="1">
@@ -14787,386 +12791,38 @@
               </a:defRPr>
             </a:pPr>
             <a:r>
-              <a:rPr dirty="0"/>
-              <a:t>Q - 32  </a:t>
-            </a:r>
-            <a:r>
-              <a:rPr dirty="0" err="1"/>
-              <a:t>இருமடியங்களைக்</a:t>
-            </a:r>
-            <a:r>
-              <a:rPr dirty="0"/>
-              <a:t> </a:t>
-            </a:r>
-            <a:r>
-              <a:rPr dirty="0" err="1"/>
-              <a:t>காட்</a:t>
-            </a:r>
-            <a:r>
-              <a:rPr dirty="0"/>
-              <a:t> </a:t>
-            </a:r>
-            <a:r>
-              <a:rPr dirty="0" err="1"/>
-              <a:t>டிலும்</a:t>
-            </a:r>
-            <a:r>
-              <a:rPr dirty="0"/>
-              <a:t> </a:t>
-            </a:r>
-            <a:r>
-              <a:rPr dirty="0" err="1"/>
-              <a:t>ஒரு</a:t>
-            </a:r>
-            <a:r>
-              <a:rPr dirty="0"/>
-              <a:t> </a:t>
-            </a:r>
-            <a:r>
-              <a:rPr dirty="0" err="1"/>
-              <a:t>மடியங்கள்</a:t>
-            </a:r>
-            <a:r>
-              <a:rPr dirty="0"/>
-              <a:t> </a:t>
-            </a:r>
-            <a:r>
-              <a:rPr dirty="0" err="1"/>
-              <a:t>சடுதிமாற்ற</a:t>
-            </a:r>
-            <a:r>
-              <a:rPr dirty="0"/>
-              <a:t> </a:t>
-            </a:r>
-            <a:r>
-              <a:rPr dirty="0" err="1"/>
-              <a:t>ஆய்வுகளில்</a:t>
-            </a:r>
-            <a:r>
-              <a:rPr dirty="0"/>
-              <a:t> </a:t>
-            </a:r>
-            <a:r>
-              <a:rPr dirty="0" err="1"/>
-              <a:t>அதிக</a:t>
-            </a:r>
-            <a:r>
-              <a:rPr dirty="0"/>
-              <a:t> </a:t>
-            </a:r>
-            <a:r>
-              <a:rPr dirty="0" err="1"/>
-              <a:t>பொருத்தமானதாக</a:t>
-            </a:r>
-            <a:r>
-              <a:rPr dirty="0"/>
-              <a:t> </a:t>
-            </a:r>
-            <a:r>
-              <a:rPr dirty="0" err="1"/>
-              <a:t>கருதப்படுகிறது</a:t>
-            </a:r>
-            <a:r>
-              <a:rPr dirty="0"/>
-              <a:t>. </a:t>
-            </a:r>
-            <a:r>
-              <a:rPr dirty="0" err="1"/>
-              <a:t>ஏனெனில்</a:t>
-            </a:r>
-            <a:r>
-              <a:rPr dirty="0"/>
-              <a:t>?</a:t>
-            </a:r>
-          </a:p>
-          <a:p>
-            <a:endParaRPr dirty="0"/>
-          </a:p>
-          <a:p>
-            <a:r>
-              <a:rPr dirty="0"/>
+              <a:t>Q - 32  இருமடியங்களைக் காட் டிலும் ஒரு மடியங்கள் சடுதிமாற்ற ஆய்வுகளில் அதிக பொருத்தமானதாக கருதப்படுகிறது. ஏனெனில்?</a:t>
+            </a:r>
+          </a:p>
+          <a:p/>
+          <a:p>
+            <a:r>
               <a:t>AIPMT - 2008</a:t>
             </a:r>
           </a:p>
-          <a:p>
-            <a:endParaRPr dirty="0"/>
-          </a:p>
-          <a:p>
-            <a:r>
-              <a:rPr sz="1400" dirty="0"/>
-              <a:t>அ) </a:t>
-            </a:r>
-            <a:r>
-              <a:rPr sz="1400" dirty="0" err="1"/>
-              <a:t>அனைத்து</a:t>
-            </a:r>
-            <a:r>
-              <a:rPr sz="1400" dirty="0"/>
-              <a:t> </a:t>
-            </a:r>
-            <a:r>
-              <a:rPr sz="1400" dirty="0" err="1"/>
-              <a:t>சடுதிமாற்றங்களிலும்</a:t>
-            </a:r>
-            <a:r>
-              <a:rPr sz="1400" dirty="0"/>
-              <a:t> </a:t>
-            </a:r>
-            <a:r>
-              <a:rPr sz="1400" dirty="0" err="1"/>
-              <a:t>ஓங்கி</a:t>
-            </a:r>
-            <a:r>
-              <a:rPr sz="1400" dirty="0"/>
-              <a:t> </a:t>
-            </a:r>
-            <a:r>
-              <a:rPr sz="1400" dirty="0" err="1"/>
-              <a:t>அல்லது</a:t>
-            </a:r>
-            <a:r>
-              <a:rPr sz="1400" dirty="0"/>
-              <a:t> </a:t>
-            </a:r>
-            <a:r>
-              <a:rPr sz="1400" dirty="0" err="1"/>
-              <a:t>ஒடுங்கி</a:t>
-            </a:r>
-            <a:r>
-              <a:rPr sz="1400" dirty="0"/>
-              <a:t> </a:t>
-            </a:r>
-            <a:r>
-              <a:rPr sz="1400" dirty="0" err="1"/>
-              <a:t>இருந்தாலும்</a:t>
-            </a:r>
-            <a:r>
-              <a:rPr sz="1400" dirty="0"/>
-              <a:t> </a:t>
-            </a:r>
-            <a:r>
-              <a:rPr sz="1400" dirty="0" err="1"/>
-              <a:t>அவை</a:t>
-            </a:r>
-            <a:r>
-              <a:rPr sz="1400" dirty="0"/>
-              <a:t> </a:t>
-            </a:r>
-            <a:r>
-              <a:rPr sz="1400" dirty="0" err="1"/>
-              <a:t>ஒருமடியத்தில்</a:t>
-            </a:r>
-            <a:r>
-              <a:rPr sz="1400" dirty="0"/>
-              <a:t> </a:t>
-            </a:r>
-            <a:r>
-              <a:rPr sz="1400" dirty="0" err="1"/>
-              <a:t>காணப்படுகின்றன</a:t>
-            </a:r>
-            <a:endParaRPr sz="1400" dirty="0"/>
-          </a:p>
-          <a:p>
-            <a:endParaRPr sz="1400" dirty="0"/>
-          </a:p>
-          <a:p>
-            <a:r>
-              <a:rPr sz="1400" dirty="0"/>
-              <a:t>ஆ) </a:t>
-            </a:r>
-            <a:r>
-              <a:rPr sz="1400" dirty="0" err="1"/>
-              <a:t>இருமடியத்தைக்</a:t>
-            </a:r>
-            <a:r>
-              <a:rPr sz="1400" dirty="0"/>
-              <a:t> </a:t>
-            </a:r>
-            <a:r>
-              <a:rPr sz="1400" dirty="0" err="1"/>
-              <a:t>காட்டிலும்</a:t>
-            </a:r>
-            <a:r>
-              <a:rPr sz="1400" dirty="0"/>
-              <a:t> </a:t>
-            </a:r>
-            <a:r>
-              <a:rPr sz="1400" dirty="0" err="1"/>
-              <a:t>ஒரு</a:t>
-            </a:r>
-            <a:r>
-              <a:rPr sz="1400" dirty="0"/>
-              <a:t> </a:t>
-            </a:r>
-            <a:r>
-              <a:rPr sz="1400" dirty="0" err="1"/>
-              <a:t>மடியத்தில்</a:t>
-            </a:r>
-            <a:r>
-              <a:rPr sz="1400" dirty="0"/>
-              <a:t> </a:t>
-            </a:r>
-            <a:r>
-              <a:rPr sz="1400" dirty="0" err="1"/>
-              <a:t>இனப்பெருக்கம்</a:t>
-            </a:r>
-            <a:r>
-              <a:rPr sz="1400" dirty="0"/>
-              <a:t> </a:t>
-            </a:r>
-            <a:r>
-              <a:rPr sz="1400" dirty="0" err="1"/>
-              <a:t>அதிக</a:t>
-            </a:r>
-            <a:r>
-              <a:rPr sz="1400" dirty="0"/>
-              <a:t> </a:t>
-            </a:r>
-            <a:r>
-              <a:rPr sz="1400" dirty="0" err="1"/>
-              <a:t>நிலைப்புத்தன்மையுடன்</a:t>
-            </a:r>
-            <a:r>
-              <a:rPr sz="1400" dirty="0"/>
-              <a:t> </a:t>
-            </a:r>
-            <a:r>
-              <a:rPr sz="1400" dirty="0" err="1"/>
-              <a:t>உள்ளது</a:t>
-            </a:r>
-            <a:endParaRPr sz="1400" dirty="0"/>
-          </a:p>
-          <a:p>
-            <a:endParaRPr sz="1400" dirty="0"/>
-          </a:p>
-          <a:p>
-            <a:r>
-              <a:rPr sz="1400" dirty="0"/>
-              <a:t>இ) </a:t>
-            </a:r>
-            <a:r>
-              <a:rPr sz="1400" dirty="0" err="1"/>
-              <a:t>சடுதிமாற்றிகள்</a:t>
-            </a:r>
-            <a:r>
-              <a:rPr sz="1400" dirty="0"/>
-              <a:t> </a:t>
-            </a:r>
-            <a:r>
-              <a:rPr sz="1400" dirty="0" err="1"/>
-              <a:t>இருமடியங்களைக்</a:t>
-            </a:r>
-            <a:r>
-              <a:rPr sz="1400" dirty="0"/>
-              <a:t> </a:t>
-            </a:r>
-            <a:r>
-              <a:rPr sz="1400" dirty="0" err="1"/>
-              <a:t>காட்டிலும்</a:t>
-            </a:r>
-            <a:r>
-              <a:rPr sz="1400" dirty="0"/>
-              <a:t> </a:t>
-            </a:r>
-            <a:r>
-              <a:rPr sz="1400" dirty="0" err="1"/>
-              <a:t>ஒரு</a:t>
-            </a:r>
-            <a:r>
-              <a:rPr sz="1400" dirty="0"/>
-              <a:t> </a:t>
-            </a:r>
-            <a:r>
-              <a:rPr sz="1400" dirty="0" err="1"/>
-              <a:t>மடியத்தில்</a:t>
-            </a:r>
-            <a:r>
-              <a:rPr sz="1400" dirty="0"/>
-              <a:t> </a:t>
-            </a:r>
-            <a:r>
-              <a:rPr sz="1400" dirty="0" err="1"/>
-              <a:t>அதிக</a:t>
-            </a:r>
-            <a:r>
-              <a:rPr sz="1400" dirty="0"/>
-              <a:t> </a:t>
-            </a:r>
-            <a:r>
-              <a:rPr sz="1400" dirty="0" err="1"/>
-              <a:t>முனைப்புடன்</a:t>
-            </a:r>
-            <a:r>
-              <a:rPr sz="1400" dirty="0"/>
-              <a:t> </a:t>
-            </a:r>
-            <a:r>
-              <a:rPr sz="1400" dirty="0" err="1"/>
-              <a:t>உட்செலுத்தவல்லன</a:t>
-            </a:r>
-            <a:endParaRPr sz="1400" dirty="0"/>
-          </a:p>
-          <a:p>
-            <a:endParaRPr sz="1400" dirty="0"/>
-          </a:p>
-          <a:p>
-            <a:r>
-              <a:rPr sz="1400" dirty="0"/>
-              <a:t>ஈ) </a:t>
-            </a:r>
-            <a:r>
-              <a:rPr sz="1400" dirty="0" err="1"/>
-              <a:t>இருமடியங்களைக்</a:t>
-            </a:r>
-            <a:r>
-              <a:rPr sz="1400" dirty="0"/>
-              <a:t> </a:t>
-            </a:r>
-            <a:r>
-              <a:rPr sz="1400" dirty="0" err="1"/>
-              <a:t>காட்டிலும்</a:t>
-            </a:r>
-            <a:r>
-              <a:rPr sz="1400" dirty="0"/>
-              <a:t> </a:t>
-            </a:r>
-            <a:r>
-              <a:rPr sz="1400" dirty="0" err="1"/>
-              <a:t>ஒரு</a:t>
-            </a:r>
-            <a:r>
-              <a:rPr sz="1400" dirty="0"/>
-              <a:t> </a:t>
-            </a:r>
-            <a:r>
-              <a:rPr sz="1400" dirty="0" err="1"/>
-              <a:t>மடியங்கள்</a:t>
-            </a:r>
-            <a:r>
-              <a:rPr sz="1400" dirty="0"/>
-              <a:t> </a:t>
-            </a:r>
-            <a:r>
-              <a:rPr sz="1400" dirty="0" err="1"/>
-              <a:t>இயற்கையில்</a:t>
-            </a:r>
-            <a:r>
-              <a:rPr sz="1400" dirty="0"/>
-              <a:t> </a:t>
-            </a:r>
-            <a:r>
-              <a:rPr sz="1400" dirty="0" err="1"/>
-              <a:t>அதிகமாக</a:t>
-            </a:r>
-            <a:r>
-              <a:rPr sz="1400" dirty="0"/>
-              <a:t> </a:t>
-            </a:r>
-            <a:r>
-              <a:rPr sz="1400" dirty="0" err="1"/>
-              <a:t>காணப்படுகின்றன</a:t>
-            </a:r>
-            <a:endParaRPr sz="1400" dirty="0"/>
+          <a:p/>
+          <a:p>
+            <a:r>
+              <a:t>அ) அனைத்து சடுதிமாற்றங்களிலும் ஓங்கி அல்லது ஒடுங்கி இருந்தாலும் அவை ஒருமடியத்தில் காணப்படுகின்றன</a:t>
+            </a:r>
+          </a:p>
+          <a:p/>
+          <a:p>
+            <a:r>
+              <a:t>ஆ) இருமடியத்தைக் காட்டிலும் ஒரு மடியத்தில் இனப்பெருக்கம் அதிக நிலைப்புத்தன்மையுடன் உள்ளது</a:t>
+            </a:r>
+          </a:p>
+          <a:p/>
+          <a:p>
+            <a:r>
+              <a:t>இ) சடுதிமாற்றிகள் இருமடியங்களைக் காட்டிலும் ஒரு மடியத்தில் அதிக முனைப்புடன் உட்செலுத்தவல்லன</a:t>
+            </a:r>
+          </a:p>
+          <a:p/>
+          <a:p>
+            <a:r>
+              <a:t>ஈ) இருமடியங்களைக் காட்டிலும் ஒரு மடியங்கள் இயற்கையில் அதிகமாக காணப்படுகின்றன</a:t>
+            </a:r>
           </a:p>
         </p:txBody>
       </p:sp>
@@ -15207,7 +12863,7 @@
 </file>
 
 <file path=ppt/slides/slide65.xml><?xml version="1.0" encoding="utf-8"?>
-<p:sld xmlns:a="http://schemas.openxmlformats.org/drawingml/2006/main" xmlns:r="http://schemas.openxmlformats.org/officeDocument/2006/relationships" xmlns:p="http://schemas.openxmlformats.org/presentationml/2006/main">
+<p:sld xmlns:a="http://schemas.openxmlformats.org/drawingml/2006/main" xmlns:p="http://schemas.openxmlformats.org/presentationml/2006/main" xmlns:r="http://schemas.openxmlformats.org/officeDocument/2006/relationships">
   <p:cSld>
     <p:spTree>
       <p:nvGrpSpPr>
@@ -15215,14 +12871,7 @@
         <p:cNvGrpSpPr/>
         <p:nvPr/>
       </p:nvGrpSpPr>
-      <p:grpSpPr>
-        <a:xfrm>
-          <a:off x="0" y="0"/>
-          <a:ext cx="0" cy="0"/>
-          <a:chOff x="0" y="0"/>
-          <a:chExt cx="0" cy="0"/>
-        </a:xfrm>
-      </p:grpSpPr>
+      <p:grpSpPr/>
       <p:sp>
         <p:nvSpPr>
           <p:cNvPr id="2" name="Rectangle 1"/>
@@ -15291,9 +12940,7 @@
             <a:spAutoFit/>
           </a:bodyPr>
           <a:lstStyle/>
-          <a:p>
-            <a:endParaRPr/>
-          </a:p>
+          <a:p/>
           <a:p>
             <a:pPr>
               <a:defRPr sz="2000" b="1">
@@ -15307,17 +12954,13 @@
               <a:t>Q - 32  இருமடியங்களைக் காட் டிலும் ஒரு மடியங்கள் சடுதிமாற்ற ஆய்வுகளில் அதிக பொருத்தமானதாக கருதப்படுகிறது. ஏனெனில்?</a:t>
             </a:r>
           </a:p>
-          <a:p>
-            <a:endParaRPr/>
-          </a:p>
+          <a:p/>
           <a:p>
             <a:r>
               <a:t>AIPMT - 2008</a:t>
             </a:r>
           </a:p>
-          <a:p>
-            <a:endParaRPr/>
-          </a:p>
+          <a:p/>
           <a:p>
             <a:pPr>
               <a:defRPr sz="2000" b="1">
@@ -15370,7 +13013,7 @@
 </file>
 
 <file path=ppt/slides/slide66.xml><?xml version="1.0" encoding="utf-8"?>
-<p:sld xmlns:a="http://schemas.openxmlformats.org/drawingml/2006/main" xmlns:r="http://schemas.openxmlformats.org/officeDocument/2006/relationships" xmlns:p="http://schemas.openxmlformats.org/presentationml/2006/main">
+<p:sld xmlns:a="http://schemas.openxmlformats.org/drawingml/2006/main" xmlns:p="http://schemas.openxmlformats.org/presentationml/2006/main" xmlns:r="http://schemas.openxmlformats.org/officeDocument/2006/relationships">
   <p:cSld>
     <p:spTree>
       <p:nvGrpSpPr>
@@ -15378,14 +13021,7 @@
         <p:cNvGrpSpPr/>
         <p:nvPr/>
       </p:nvGrpSpPr>
-      <p:grpSpPr>
-        <a:xfrm>
-          <a:off x="0" y="0"/>
-          <a:ext cx="0" cy="0"/>
-          <a:chOff x="0" y="0"/>
-          <a:chExt cx="0" cy="0"/>
-        </a:xfrm>
-      </p:grpSpPr>
+      <p:grpSpPr/>
       <p:sp>
         <p:nvSpPr>
           <p:cNvPr id="2" name="Rectangle 1"/>
@@ -15454,9 +13090,7 @@
             <a:spAutoFit/>
           </a:bodyPr>
           <a:lstStyle/>
-          <a:p>
-            <a:endParaRPr/>
-          </a:p>
+          <a:p/>
           <a:p>
             <a:pPr>
               <a:defRPr sz="2000" b="1">
@@ -15470,41 +13104,31 @@
               <a:t>Q - 33  உயர் உயிரினங்களில் எவற்றின் இடையே நிகழும் மரபணு மறுக்கூட்டிணைவு குறுக்கேற்றத்தில் முடிகிறது? </a:t>
             </a:r>
           </a:p>
-          <a:p>
-            <a:endParaRPr/>
-          </a:p>
+          <a:p/>
           <a:p>
             <a:r>
               <a:t>AIPMT - 2004</a:t>
             </a:r>
           </a:p>
-          <a:p>
-            <a:endParaRPr/>
-          </a:p>
+          <a:p/>
           <a:p>
             <a:r>
               <a:t>அ) சகோதரி அல்லாத இரட்டை குரோமோடிட்கள்</a:t>
             </a:r>
           </a:p>
-          <a:p>
-            <a:endParaRPr/>
-          </a:p>
+          <a:p/>
           <a:p>
             <a:r>
               <a:t>ஆ) இரு சேய் உட்கருக்கள்</a:t>
             </a:r>
           </a:p>
-          <a:p>
-            <a:endParaRPr/>
-          </a:p>
+          <a:p/>
           <a:p>
             <a:r>
               <a:t>இ) இரு வேறுபட்ட இரட்டைகள்</a:t>
             </a:r>
           </a:p>
-          <a:p>
-            <a:endParaRPr/>
-          </a:p>
+          <a:p/>
           <a:p>
             <a:r>
               <a:t>ஈ) இரட்டைகளில் சகோதரி குரோமோடிட்கள்</a:t>
@@ -15549,7 +13173,7 @@
 </file>
 
 <file path=ppt/slides/slide67.xml><?xml version="1.0" encoding="utf-8"?>
-<p:sld xmlns:a="http://schemas.openxmlformats.org/drawingml/2006/main" xmlns:r="http://schemas.openxmlformats.org/officeDocument/2006/relationships" xmlns:p="http://schemas.openxmlformats.org/presentationml/2006/main">
+<p:sld xmlns:a="http://schemas.openxmlformats.org/drawingml/2006/main" xmlns:p="http://schemas.openxmlformats.org/presentationml/2006/main" xmlns:r="http://schemas.openxmlformats.org/officeDocument/2006/relationships">
   <p:cSld>
     <p:spTree>
       <p:nvGrpSpPr>
@@ -15557,14 +13181,7 @@
         <p:cNvGrpSpPr/>
         <p:nvPr/>
       </p:nvGrpSpPr>
-      <p:grpSpPr>
-        <a:xfrm>
-          <a:off x="0" y="0"/>
-          <a:ext cx="0" cy="0"/>
-          <a:chOff x="0" y="0"/>
-          <a:chExt cx="0" cy="0"/>
-        </a:xfrm>
-      </p:grpSpPr>
+      <p:grpSpPr/>
       <p:sp>
         <p:nvSpPr>
           <p:cNvPr id="2" name="Rectangle 1"/>
@@ -15633,9 +13250,7 @@
             <a:spAutoFit/>
           </a:bodyPr>
           <a:lstStyle/>
-          <a:p>
-            <a:endParaRPr/>
-          </a:p>
+          <a:p/>
           <a:p>
             <a:pPr>
               <a:defRPr sz="2000" b="1">
@@ -15649,17 +13264,13 @@
               <a:t>Q - 33  உயர் உயிரினங்களில் எவற்றின் இடையே நிகழும் மரபணு மறுக்கூட்டிணைவு குறுக்கேற்றத்தில் முடிகிறது? </a:t>
             </a:r>
           </a:p>
-          <a:p>
-            <a:endParaRPr/>
-          </a:p>
+          <a:p/>
           <a:p>
             <a:r>
               <a:t>AIPMT - 2004</a:t>
             </a:r>
           </a:p>
-          <a:p>
-            <a:endParaRPr/>
-          </a:p>
+          <a:p/>
           <a:p>
             <a:pPr>
               <a:defRPr sz="2000" b="1">
@@ -15712,7 +13323,7 @@
 </file>
 
 <file path=ppt/slides/slide68.xml><?xml version="1.0" encoding="utf-8"?>
-<p:sld xmlns:a="http://schemas.openxmlformats.org/drawingml/2006/main" xmlns:r="http://schemas.openxmlformats.org/officeDocument/2006/relationships" xmlns:p="http://schemas.openxmlformats.org/presentationml/2006/main">
+<p:sld xmlns:a="http://schemas.openxmlformats.org/drawingml/2006/main" xmlns:p="http://schemas.openxmlformats.org/presentationml/2006/main" xmlns:r="http://schemas.openxmlformats.org/officeDocument/2006/relationships">
   <p:cSld>
     <p:spTree>
       <p:nvGrpSpPr>
@@ -15720,14 +13331,7 @@
         <p:cNvGrpSpPr/>
         <p:nvPr/>
       </p:nvGrpSpPr>
-      <p:grpSpPr>
-        <a:xfrm>
-          <a:off x="0" y="0"/>
-          <a:ext cx="0" cy="0"/>
-          <a:chOff x="0" y="0"/>
-          <a:chExt cx="0" cy="0"/>
-        </a:xfrm>
-      </p:grpSpPr>
+      <p:grpSpPr/>
       <p:sp>
         <p:nvSpPr>
           <p:cNvPr id="2" name="Rectangle 1"/>
@@ -15796,9 +13400,7 @@
             <a:spAutoFit/>
           </a:bodyPr>
           <a:lstStyle/>
-          <a:p>
-            <a:endParaRPr/>
-          </a:p>
+          <a:p/>
           <a:p>
             <a:pPr>
               <a:defRPr sz="2000" b="1">
@@ -15812,41 +13414,31 @@
               <a:t>Q - 34  படியெடுத்தலில் இண்ட்ரான் நீக்கமும் எக்ஸான் இணைப்பும் வரையறுக்கப்பட வரிசையில் நிகழ்வது இவ்வாறு அழைக்கப்படுகிறது?</a:t>
             </a:r>
           </a:p>
-          <a:p>
-            <a:endParaRPr/>
-          </a:p>
+          <a:p/>
           <a:p>
             <a:r>
               <a:t>AIPMT, AIPMT Pre - 2009, 2012</a:t>
             </a:r>
           </a:p>
-          <a:p>
-            <a:endParaRPr/>
-          </a:p>
+          <a:p/>
           <a:p>
             <a:r>
               <a:t>அ) வாலாக்கம்</a:t>
             </a:r>
           </a:p>
-          <a:p>
-            <a:endParaRPr/>
-          </a:p>
+          <a:p/>
           <a:p>
             <a:r>
               <a:t>ஆ) தகவல் மாற்றம்</a:t>
             </a:r>
           </a:p>
-          <a:p>
-            <a:endParaRPr/>
-          </a:p>
+          <a:p/>
           <a:p>
             <a:r>
               <a:t>இ) மூடுதல்</a:t>
             </a:r>
           </a:p>
-          <a:p>
-            <a:endParaRPr/>
-          </a:p>
+          <a:p/>
           <a:p>
             <a:r>
               <a:t>ஈ) இயைத்தல்</a:t>
@@ -15891,7 +13483,7 @@
 </file>
 
 <file path=ppt/slides/slide69.xml><?xml version="1.0" encoding="utf-8"?>
-<p:sld xmlns:a="http://schemas.openxmlformats.org/drawingml/2006/main" xmlns:r="http://schemas.openxmlformats.org/officeDocument/2006/relationships" xmlns:p="http://schemas.openxmlformats.org/presentationml/2006/main">
+<p:sld xmlns:a="http://schemas.openxmlformats.org/drawingml/2006/main" xmlns:p="http://schemas.openxmlformats.org/presentationml/2006/main" xmlns:r="http://schemas.openxmlformats.org/officeDocument/2006/relationships">
   <p:cSld>
     <p:spTree>
       <p:nvGrpSpPr>
@@ -15899,14 +13491,7 @@
         <p:cNvGrpSpPr/>
         <p:nvPr/>
       </p:nvGrpSpPr>
-      <p:grpSpPr>
-        <a:xfrm>
-          <a:off x="0" y="0"/>
-          <a:ext cx="0" cy="0"/>
-          <a:chOff x="0" y="0"/>
-          <a:chExt cx="0" cy="0"/>
-        </a:xfrm>
-      </p:grpSpPr>
+      <p:grpSpPr/>
       <p:sp>
         <p:nvSpPr>
           <p:cNvPr id="2" name="Rectangle 1"/>
@@ -15975,9 +13560,7 @@
             <a:spAutoFit/>
           </a:bodyPr>
           <a:lstStyle/>
-          <a:p>
-            <a:endParaRPr/>
-          </a:p>
+          <a:p/>
           <a:p>
             <a:pPr>
               <a:defRPr sz="2000" b="1">
@@ -15991,17 +13574,13 @@
               <a:t>Q - 34  படியெடுத்தலில் இண்ட்ரான் நீக்கமும் எக்ஸான் இணைப்பும் வரையறுக்கப்பட வரிசையில் நிகழ்வது இவ்வாறு அழைக்கப்படுகிறது?</a:t>
             </a:r>
           </a:p>
-          <a:p>
-            <a:endParaRPr/>
-          </a:p>
+          <a:p/>
           <a:p>
             <a:r>
               <a:t>AIPMT, AIPMT Pre - 2009, 2012</a:t>
             </a:r>
           </a:p>
-          <a:p>
-            <a:endParaRPr/>
-          </a:p>
+          <a:p/>
           <a:p>
             <a:pPr>
               <a:defRPr sz="2000" b="1">
@@ -16054,7 +13633,7 @@
 </file>
 
 <file path=ppt/slides/slide7.xml><?xml version="1.0" encoding="utf-8"?>
-<p:sld xmlns:a="http://schemas.openxmlformats.org/drawingml/2006/main" xmlns:r="http://schemas.openxmlformats.org/officeDocument/2006/relationships" xmlns:p="http://schemas.openxmlformats.org/presentationml/2006/main">
+<p:sld xmlns:a="http://schemas.openxmlformats.org/drawingml/2006/main" xmlns:p="http://schemas.openxmlformats.org/presentationml/2006/main" xmlns:r="http://schemas.openxmlformats.org/officeDocument/2006/relationships">
   <p:cSld>
     <p:spTree>
       <p:nvGrpSpPr>
@@ -16062,14 +13641,7 @@
         <p:cNvGrpSpPr/>
         <p:nvPr/>
       </p:nvGrpSpPr>
-      <p:grpSpPr>
-        <a:xfrm>
-          <a:off x="0" y="0"/>
-          <a:ext cx="0" cy="0"/>
-          <a:chOff x="0" y="0"/>
-          <a:chExt cx="0" cy="0"/>
-        </a:xfrm>
-      </p:grpSpPr>
+      <p:grpSpPr/>
       <p:sp>
         <p:nvSpPr>
           <p:cNvPr id="2" name="Rectangle 1"/>
@@ -16138,9 +13710,7 @@
             <a:spAutoFit/>
           </a:bodyPr>
           <a:lstStyle/>
-          <a:p>
-            <a:endParaRPr/>
-          </a:p>
+          <a:p/>
           <a:p>
             <a:pPr>
               <a:defRPr sz="2000" b="1">
@@ -16154,17 +13724,13 @@
               <a:t>Q - 3  பின்வருவனவற்றுள் மெண்டலின் ஓங்கு பண்பு விதியின் அடிப்படையில் விளக்க இயலாத கூற்று எது?</a:t>
             </a:r>
           </a:p>
-          <a:p>
-            <a:endParaRPr/>
-          </a:p>
+          <a:p/>
           <a:p>
             <a:r>
               <a:t>AIPMT - 2010</a:t>
             </a:r>
           </a:p>
-          <a:p>
-            <a:endParaRPr/>
-          </a:p>
+          <a:p/>
           <a:p>
             <a:pPr>
               <a:defRPr sz="2000" b="1">
@@ -16217,7 +13783,7 @@
 </file>
 
 <file path=ppt/slides/slide70.xml><?xml version="1.0" encoding="utf-8"?>
-<p:sld xmlns:a="http://schemas.openxmlformats.org/drawingml/2006/main" xmlns:r="http://schemas.openxmlformats.org/officeDocument/2006/relationships" xmlns:p="http://schemas.openxmlformats.org/presentationml/2006/main">
+<p:sld xmlns:a="http://schemas.openxmlformats.org/drawingml/2006/main" xmlns:p="http://schemas.openxmlformats.org/presentationml/2006/main" xmlns:r="http://schemas.openxmlformats.org/officeDocument/2006/relationships">
   <p:cSld>
     <p:spTree>
       <p:nvGrpSpPr>
@@ -16225,14 +13791,7 @@
         <p:cNvGrpSpPr/>
         <p:nvPr/>
       </p:nvGrpSpPr>
-      <p:grpSpPr>
-        <a:xfrm>
-          <a:off x="0" y="0"/>
-          <a:ext cx="0" cy="0"/>
-          <a:chOff x="0" y="0"/>
-          <a:chExt cx="0" cy="0"/>
-        </a:xfrm>
-      </p:grpSpPr>
+      <p:grpSpPr/>
       <p:sp>
         <p:nvSpPr>
           <p:cNvPr id="2" name="Rectangle 1"/>
@@ -16289,21 +13848,19 @@
         <p:spPr>
           <a:xfrm>
             <a:off x="457200" y="1005840"/>
-            <a:ext cx="7315200" cy="1169551"/>
-          </a:xfrm>
-          <a:prstGeom prst="rect">
-            <a:avLst/>
-          </a:prstGeom>
-          <a:noFill/>
-        </p:spPr>
-        <p:txBody>
-          <a:bodyPr wrap="square">
-            <a:spAutoFit/>
-          </a:bodyPr>
-          <a:lstStyle/>
-          <a:p>
-            <a:endParaRPr dirty="0"/>
-          </a:p>
+            <a:ext cx="7315200" cy="3657600"/>
+          </a:xfrm>
+          <a:prstGeom prst="rect">
+            <a:avLst/>
+          </a:prstGeom>
+          <a:noFill/>
+        </p:spPr>
+        <p:txBody>
+          <a:bodyPr wrap="square">
+            <a:spAutoFit/>
+          </a:bodyPr>
+          <a:lstStyle/>
+          <a:p/>
           <a:p>
             <a:pPr>
               <a:defRPr sz="2000" b="1">
@@ -16314,32 +13871,32 @@
               </a:defRPr>
             </a:pPr>
             <a:r>
-              <a:rPr sz="1600" dirty="0"/>
-              <a:t>Q </a:t>
-            </a:r>
-            <a:r>
-              <a:rPr lang="en-US" sz="1600" dirty="0"/>
-              <a:t>–</a:t>
-            </a:r>
-            <a:r>
-              <a:rPr sz="1600" dirty="0"/>
-              <a:t> 35</a:t>
-            </a:r>
-            <a:r>
-              <a:rPr lang="en-US" sz="1600" dirty="0"/>
-              <a:t> </a:t>
-            </a:r>
-            <a:r>
-              <a:rPr lang="ta-IN" sz="1600" dirty="0"/>
-              <a:t>சரியான இணையை தேர்வு செய்</a:t>
-            </a:r>
-            <a:endParaRPr sz="1600" dirty="0"/>
-          </a:p>
-          <a:p>
-            <a:endParaRPr dirty="0"/>
-          </a:p>
-          <a:p>
-            <a:endParaRPr dirty="0"/>
+              <a:t>Q - 35  Table present</a:t>
+            </a:r>
+          </a:p>
+          <a:p/>
+          <a:p>
+            <a:r>
+              <a:t>அ) </a:t>
+            </a:r>
+          </a:p>
+          <a:p/>
+          <a:p>
+            <a:r>
+              <a:t>ஆ) </a:t>
+            </a:r>
+          </a:p>
+          <a:p/>
+          <a:p>
+            <a:r>
+              <a:t>இ) </a:t>
+            </a:r>
+          </a:p>
+          <a:p/>
+          <a:p>
+            <a:r>
+              <a:t>ஈ) </a:t>
+            </a:r>
           </a:p>
         </p:txBody>
       </p:sp>
@@ -16371,36 +13928,6 @@
           </a:p>
         </p:txBody>
       </p:sp>
-      <p:pic>
-        <p:nvPicPr>
-          <p:cNvPr id="6" name="Picture 5">
-            <a:extLst>
-              <a:ext uri="{FF2B5EF4-FFF2-40B4-BE49-F238E27FC236}">
-                <a16:creationId xmlns:a16="http://schemas.microsoft.com/office/drawing/2014/main" id="{490BDB50-DEF6-41BD-A2CA-CC23A52B9714}"/>
-              </a:ext>
-            </a:extLst>
-          </p:cNvPr>
-          <p:cNvPicPr>
-            <a:picLocks noChangeAspect="1"/>
-          </p:cNvPicPr>
-          <p:nvPr/>
-        </p:nvPicPr>
-        <p:blipFill>
-          <a:blip r:embed="rId2"/>
-          <a:stretch>
-            <a:fillRect/>
-          </a:stretch>
-        </p:blipFill>
-        <p:spPr>
-          <a:xfrm>
-            <a:off x="376813" y="1737360"/>
-            <a:ext cx="5682343" cy="2794447"/>
-          </a:xfrm>
-          <a:prstGeom prst="rect">
-            <a:avLst/>
-          </a:prstGeom>
-        </p:spPr>
-      </p:pic>
     </p:spTree>
   </p:cSld>
   <p:clrMapOvr>
@@ -16410,7 +13937,7 @@
 </file>
 
 <file path=ppt/slides/slide71.xml><?xml version="1.0" encoding="utf-8"?>
-<p:sld xmlns:a="http://schemas.openxmlformats.org/drawingml/2006/main" xmlns:r="http://schemas.openxmlformats.org/officeDocument/2006/relationships" xmlns:p="http://schemas.openxmlformats.org/presentationml/2006/main">
+<p:sld xmlns:a="http://schemas.openxmlformats.org/drawingml/2006/main" xmlns:p="http://schemas.openxmlformats.org/presentationml/2006/main" xmlns:r="http://schemas.openxmlformats.org/officeDocument/2006/relationships">
   <p:cSld>
     <p:spTree>
       <p:nvGrpSpPr>
@@ -16418,14 +13945,7 @@
         <p:cNvGrpSpPr/>
         <p:nvPr/>
       </p:nvGrpSpPr>
-      <p:grpSpPr>
-        <a:xfrm>
-          <a:off x="0" y="0"/>
-          <a:ext cx="0" cy="0"/>
-          <a:chOff x="0" y="0"/>
-          <a:chExt cx="0" cy="0"/>
-        </a:xfrm>
-      </p:grpSpPr>
+      <p:grpSpPr/>
       <p:sp>
         <p:nvSpPr>
           <p:cNvPr id="2" name="Rectangle 1"/>
@@ -16482,21 +14002,19 @@
         <p:spPr>
           <a:xfrm>
             <a:off x="457200" y="1005840"/>
-            <a:ext cx="7315200" cy="1477328"/>
-          </a:xfrm>
-          <a:prstGeom prst="rect">
-            <a:avLst/>
-          </a:prstGeom>
-          <a:noFill/>
-        </p:spPr>
-        <p:txBody>
-          <a:bodyPr wrap="square">
-            <a:spAutoFit/>
-          </a:bodyPr>
-          <a:lstStyle/>
-          <a:p>
-            <a:endParaRPr dirty="0"/>
-          </a:p>
+            <a:ext cx="7315200" cy="3657600"/>
+          </a:xfrm>
+          <a:prstGeom prst="rect">
+            <a:avLst/>
+          </a:prstGeom>
+          <a:noFill/>
+        </p:spPr>
+        <p:txBody>
+          <a:bodyPr wrap="square">
+            <a:spAutoFit/>
+          </a:bodyPr>
+          <a:lstStyle/>
+          <a:p/>
           <a:p>
             <a:pPr>
               <a:defRPr sz="2000" b="1">
@@ -16507,20 +14025,10 @@
               </a:defRPr>
             </a:pPr>
             <a:r>
-              <a:rPr lang="en-US" sz="1600" dirty="0"/>
-              <a:t>Q – 35 </a:t>
-            </a:r>
-            <a:r>
-              <a:rPr lang="ta-IN" sz="1600" dirty="0"/>
-              <a:t>சரியான இணையை தேர்வு செய்</a:t>
-            </a:r>
-          </a:p>
-          <a:p>
-            <a:endParaRPr lang="en-US" dirty="0"/>
-          </a:p>
-          <a:p>
-            <a:endParaRPr dirty="0"/>
-          </a:p>
+              <a:t>Q - 35  Table present</a:t>
+            </a:r>
+          </a:p>
+          <a:p/>
           <a:p>
             <a:pPr>
               <a:defRPr sz="2000" b="1">
@@ -16530,7 +14038,6 @@
                 <a:latin typeface="Calibri"/>
               </a:defRPr>
             </a:pPr>
-            <a:endParaRPr dirty="0"/>
           </a:p>
         </p:txBody>
       </p:sp>
@@ -16562,36 +14069,6 @@
           </a:p>
         </p:txBody>
       </p:sp>
-      <p:pic>
-        <p:nvPicPr>
-          <p:cNvPr id="12" name="Picture 11">
-            <a:extLst>
-              <a:ext uri="{FF2B5EF4-FFF2-40B4-BE49-F238E27FC236}">
-                <a16:creationId xmlns:a16="http://schemas.microsoft.com/office/drawing/2014/main" id="{42BAA3BB-BA40-494B-981A-703C9E63C573}"/>
-              </a:ext>
-            </a:extLst>
-          </p:cNvPr>
-          <p:cNvPicPr>
-            <a:picLocks noChangeAspect="1"/>
-          </p:cNvPicPr>
-          <p:nvPr/>
-        </p:nvPicPr>
-        <p:blipFill>
-          <a:blip r:embed="rId2"/>
-          <a:stretch>
-            <a:fillRect/>
-          </a:stretch>
-        </p:blipFill>
-        <p:spPr>
-          <a:xfrm>
-            <a:off x="457200" y="1824287"/>
-            <a:ext cx="6569009" cy="1745131"/>
-          </a:xfrm>
-          <a:prstGeom prst="rect">
-            <a:avLst/>
-          </a:prstGeom>
-        </p:spPr>
-      </p:pic>
     </p:spTree>
   </p:cSld>
   <p:clrMapOvr>
@@ -16601,7 +14078,7 @@
 </file>
 
 <file path=ppt/slides/slide72.xml><?xml version="1.0" encoding="utf-8"?>
-<p:sld xmlns:a="http://schemas.openxmlformats.org/drawingml/2006/main" xmlns:r="http://schemas.openxmlformats.org/officeDocument/2006/relationships" xmlns:p="http://schemas.openxmlformats.org/presentationml/2006/main">
+<p:sld xmlns:a="http://schemas.openxmlformats.org/drawingml/2006/main" xmlns:p="http://schemas.openxmlformats.org/presentationml/2006/main" xmlns:r="http://schemas.openxmlformats.org/officeDocument/2006/relationships">
   <p:cSld>
     <p:spTree>
       <p:nvGrpSpPr>
@@ -16609,14 +14086,7 @@
         <p:cNvGrpSpPr/>
         <p:nvPr/>
       </p:nvGrpSpPr>
-      <p:grpSpPr>
-        <a:xfrm>
-          <a:off x="0" y="0"/>
-          <a:ext cx="0" cy="0"/>
-          <a:chOff x="0" y="0"/>
-          <a:chExt cx="0" cy="0"/>
-        </a:xfrm>
-      </p:grpSpPr>
+      <p:grpSpPr/>
       <p:sp>
         <p:nvSpPr>
           <p:cNvPr id="2" name="Rectangle 1"/>
@@ -16685,9 +14155,7 @@
             <a:spAutoFit/>
           </a:bodyPr>
           <a:lstStyle/>
-          <a:p>
-            <a:endParaRPr/>
-          </a:p>
+          <a:p/>
           <a:p>
             <a:pPr>
               <a:defRPr sz="2000" b="1">
@@ -16701,41 +14169,31 @@
               <a:t>Q - 36  பெப்டைட் உருவாக்கம் செல்லினுள் இங்கு நடைபெறுகிறது</a:t>
             </a:r>
           </a:p>
-          <a:p>
-            <a:endParaRPr/>
-          </a:p>
+          <a:p/>
           <a:p>
             <a:r>
               <a:t>AIPMT - 2011</a:t>
             </a:r>
           </a:p>
-          <a:p>
-            <a:endParaRPr/>
-          </a:p>
+          <a:p/>
           <a:p>
             <a:r>
               <a:t>அ) ரிபோசோம்கள்</a:t>
             </a:r>
           </a:p>
-          <a:p>
-            <a:endParaRPr/>
-          </a:p>
+          <a:p/>
           <a:p>
             <a:r>
               <a:t>ஆ) பசுங்கணிகம்</a:t>
             </a:r>
           </a:p>
-          <a:p>
-            <a:endParaRPr/>
-          </a:p>
+          <a:p/>
           <a:p>
             <a:r>
               <a:t>இ) மைட்டோகாண்டிரியா</a:t>
             </a:r>
           </a:p>
-          <a:p>
-            <a:endParaRPr/>
-          </a:p>
+          <a:p/>
           <a:p>
             <a:r>
               <a:t>ஈ) மேற்கூறிய அனைத்தும்</a:t>
@@ -16780,7 +14238,7 @@
 </file>
 
 <file path=ppt/slides/slide73.xml><?xml version="1.0" encoding="utf-8"?>
-<p:sld xmlns:a="http://schemas.openxmlformats.org/drawingml/2006/main" xmlns:r="http://schemas.openxmlformats.org/officeDocument/2006/relationships" xmlns:p="http://schemas.openxmlformats.org/presentationml/2006/main">
+<p:sld xmlns:a="http://schemas.openxmlformats.org/drawingml/2006/main" xmlns:p="http://schemas.openxmlformats.org/presentationml/2006/main" xmlns:r="http://schemas.openxmlformats.org/officeDocument/2006/relationships">
   <p:cSld>
     <p:spTree>
       <p:nvGrpSpPr>
@@ -16788,14 +14246,7 @@
         <p:cNvGrpSpPr/>
         <p:nvPr/>
       </p:nvGrpSpPr>
-      <p:grpSpPr>
-        <a:xfrm>
-          <a:off x="0" y="0"/>
-          <a:ext cx="0" cy="0"/>
-          <a:chOff x="0" y="0"/>
-          <a:chExt cx="0" cy="0"/>
-        </a:xfrm>
-      </p:grpSpPr>
+      <p:grpSpPr/>
       <p:sp>
         <p:nvSpPr>
           <p:cNvPr id="2" name="Rectangle 1"/>
@@ -16864,9 +14315,7 @@
             <a:spAutoFit/>
           </a:bodyPr>
           <a:lstStyle/>
-          <a:p>
-            <a:endParaRPr/>
-          </a:p>
+          <a:p/>
           <a:p>
             <a:pPr>
               <a:defRPr sz="2000" b="1">
@@ -16880,17 +14329,13 @@
               <a:t>Q - 36  பெப்டைட் உருவாக்கம் செல்லினுள் இங்கு நடைபெறுகிறது</a:t>
             </a:r>
           </a:p>
-          <a:p>
-            <a:endParaRPr/>
-          </a:p>
+          <a:p/>
           <a:p>
             <a:r>
               <a:t>AIPMT - 2011</a:t>
             </a:r>
           </a:p>
-          <a:p>
-            <a:endParaRPr/>
-          </a:p>
+          <a:p/>
           <a:p>
             <a:pPr>
               <a:defRPr sz="2000" b="1">
@@ -16943,7 +14388,7 @@
 </file>
 
 <file path=ppt/slides/slide74.xml><?xml version="1.0" encoding="utf-8"?>
-<p:sld xmlns:a="http://schemas.openxmlformats.org/drawingml/2006/main" xmlns:r="http://schemas.openxmlformats.org/officeDocument/2006/relationships" xmlns:p="http://schemas.openxmlformats.org/presentationml/2006/main">
+<p:sld xmlns:a="http://schemas.openxmlformats.org/drawingml/2006/main" xmlns:p="http://schemas.openxmlformats.org/presentationml/2006/main" xmlns:r="http://schemas.openxmlformats.org/officeDocument/2006/relationships">
   <p:cSld>
     <p:spTree>
       <p:nvGrpSpPr>
@@ -16951,14 +14396,7 @@
         <p:cNvGrpSpPr/>
         <p:nvPr/>
       </p:nvGrpSpPr>
-      <p:grpSpPr>
-        <a:xfrm>
-          <a:off x="0" y="0"/>
-          <a:ext cx="0" cy="0"/>
-          <a:chOff x="0" y="0"/>
-          <a:chExt cx="0" cy="0"/>
-        </a:xfrm>
-      </p:grpSpPr>
+      <p:grpSpPr/>
       <p:sp>
         <p:nvSpPr>
           <p:cNvPr id="2" name="Rectangle 1"/>
@@ -17027,9 +14465,7 @@
             <a:spAutoFit/>
           </a:bodyPr>
           <a:lstStyle/>
-          <a:p>
-            <a:endParaRPr/>
-          </a:p>
+          <a:p/>
           <a:p>
             <a:pPr>
               <a:defRPr sz="2000" b="1">
@@ -17043,41 +14479,31 @@
               <a:t>Q - 37  ஒரு உயிரினத்தின் புரத உற்பத்தியின்போது, குறிப்பிட்ட புள்ளியில் இந்நிகழ்வு நின்றுவிடுகிறது. அந்நிகழ்விற்கு கீழ்வரும் எந்த மூன்று குறியன்கள் காரணமாகின்றன?</a:t>
             </a:r>
           </a:p>
-          <a:p>
-            <a:endParaRPr/>
-          </a:p>
+          <a:p/>
           <a:p>
             <a:r>
               <a:t>AIIMS - 2006</a:t>
             </a:r>
           </a:p>
-          <a:p>
-            <a:endParaRPr/>
-          </a:p>
+          <a:p/>
           <a:p>
             <a:r>
               <a:t>அ) UUU, UCC, UAU</a:t>
             </a:r>
           </a:p>
-          <a:p>
-            <a:endParaRPr/>
-          </a:p>
+          <a:p/>
           <a:p>
             <a:r>
               <a:t>ஆ) UUUC, UUA, UAC</a:t>
             </a:r>
           </a:p>
-          <a:p>
-            <a:endParaRPr/>
-          </a:p>
+          <a:p/>
           <a:p>
             <a:r>
               <a:t>இ) UAG, UGA, UAA</a:t>
             </a:r>
           </a:p>
-          <a:p>
-            <a:endParaRPr/>
-          </a:p>
+          <a:p/>
           <a:p>
             <a:r>
               <a:t>ஈ) UUG, UCA, UCG</a:t>
@@ -17122,7 +14548,7 @@
 </file>
 
 <file path=ppt/slides/slide75.xml><?xml version="1.0" encoding="utf-8"?>
-<p:sld xmlns:a="http://schemas.openxmlformats.org/drawingml/2006/main" xmlns:r="http://schemas.openxmlformats.org/officeDocument/2006/relationships" xmlns:p="http://schemas.openxmlformats.org/presentationml/2006/main">
+<p:sld xmlns:a="http://schemas.openxmlformats.org/drawingml/2006/main" xmlns:p="http://schemas.openxmlformats.org/presentationml/2006/main" xmlns:r="http://schemas.openxmlformats.org/officeDocument/2006/relationships">
   <p:cSld>
     <p:spTree>
       <p:nvGrpSpPr>
@@ -17130,14 +14556,7 @@
         <p:cNvGrpSpPr/>
         <p:nvPr/>
       </p:nvGrpSpPr>
-      <p:grpSpPr>
-        <a:xfrm>
-          <a:off x="0" y="0"/>
-          <a:ext cx="0" cy="0"/>
-          <a:chOff x="0" y="0"/>
-          <a:chExt cx="0" cy="0"/>
-        </a:xfrm>
-      </p:grpSpPr>
+      <p:grpSpPr/>
       <p:sp>
         <p:nvSpPr>
           <p:cNvPr id="2" name="Rectangle 1"/>
@@ -17206,9 +14625,7 @@
             <a:spAutoFit/>
           </a:bodyPr>
           <a:lstStyle/>
-          <a:p>
-            <a:endParaRPr/>
-          </a:p>
+          <a:p/>
           <a:p>
             <a:pPr>
               <a:defRPr sz="2000" b="1">
@@ -17222,17 +14639,13 @@
               <a:t>Q - 37  ஒரு உயிரினத்தின் புரத உற்பத்தியின்போது, குறிப்பிட்ட புள்ளியில் இந்நிகழ்வு நின்றுவிடுகிறது. அந்நிகழ்விற்கு கீழ்வரும் எந்த மூன்று குறியன்கள் காரணமாகின்றன?</a:t>
             </a:r>
           </a:p>
-          <a:p>
-            <a:endParaRPr/>
-          </a:p>
+          <a:p/>
           <a:p>
             <a:r>
               <a:t>AIIMS - 2006</a:t>
             </a:r>
           </a:p>
-          <a:p>
-            <a:endParaRPr/>
-          </a:p>
+          <a:p/>
           <a:p>
             <a:pPr>
               <a:defRPr sz="2000" b="1">
@@ -17285,7 +14698,7 @@
 </file>
 
 <file path=ppt/slides/slide76.xml><?xml version="1.0" encoding="utf-8"?>
-<p:sld xmlns:a="http://schemas.openxmlformats.org/drawingml/2006/main" xmlns:r="http://schemas.openxmlformats.org/officeDocument/2006/relationships" xmlns:p="http://schemas.openxmlformats.org/presentationml/2006/main">
+<p:sld xmlns:a="http://schemas.openxmlformats.org/drawingml/2006/main" xmlns:p="http://schemas.openxmlformats.org/presentationml/2006/main" xmlns:r="http://schemas.openxmlformats.org/officeDocument/2006/relationships">
   <p:cSld>
     <p:spTree>
       <p:nvGrpSpPr>
@@ -17293,14 +14706,7 @@
         <p:cNvGrpSpPr/>
         <p:nvPr/>
       </p:nvGrpSpPr>
-      <p:grpSpPr>
-        <a:xfrm>
-          <a:off x="0" y="0"/>
-          <a:ext cx="0" cy="0"/>
-          <a:chOff x="0" y="0"/>
-          <a:chExt cx="0" cy="0"/>
-        </a:xfrm>
-      </p:grpSpPr>
+      <p:grpSpPr/>
       <p:sp>
         <p:nvSpPr>
           <p:cNvPr id="2" name="Rectangle 1"/>
@@ -17369,9 +14775,7 @@
             <a:spAutoFit/>
           </a:bodyPr>
           <a:lstStyle/>
-          <a:p>
-            <a:endParaRPr/>
-          </a:p>
+          <a:p/>
           <a:p>
             <a:pPr>
               <a:defRPr sz="2000" b="1">
@@ -17385,41 +14789,31 @@
               <a:t>Q - 38  கடத்துRNA உடன் தூதுவRNA மற்றும் அமினோ அமிலங்கள் இணையும் பகுதிகள் முறையே</a:t>
             </a:r>
           </a:p>
-          <a:p>
-            <a:endParaRPr/>
-          </a:p>
+          <a:p/>
           <a:p>
             <a:r>
               <a:t>AIIMS - 2009</a:t>
             </a:r>
           </a:p>
-          <a:p>
-            <a:endParaRPr/>
-          </a:p>
+          <a:p/>
           <a:p>
             <a:r>
               <a:t>அ) தூதுவRNA DHU வளைவுடன் மற்றும் அமினோ அமிலம் CCA முனையுடன்</a:t>
             </a:r>
           </a:p>
-          <a:p>
-            <a:endParaRPr/>
-          </a:p>
+          <a:p/>
           <a:p>
             <a:r>
               <a:t>ஆ) தூதுவRNA CCA முனையுடன் மற்றும் அமிலனோ அமிலம் எதிர் குறியனின் வளைவுடன்</a:t>
             </a:r>
           </a:p>
-          <a:p>
-            <a:endParaRPr/>
-          </a:p>
+          <a:p/>
           <a:p>
             <a:r>
               <a:t>இ) தூதுவRNA எதிர் குறியன் வளைவுடன் மற்றும் அமினோ  அமிலம் DHU முனையுடன்</a:t>
             </a:r>
           </a:p>
-          <a:p>
-            <a:endParaRPr/>
-          </a:p>
+          <a:p/>
           <a:p>
             <a:r>
               <a:t>ஈ) தூதுவRNA எதிர் குறியன் வளைவுடன் மற்றும் அமினோ  அமிலம் CCA முனையுடன்</a:t>
@@ -17464,7 +14858,7 @@
 </file>
 
 <file path=ppt/slides/slide77.xml><?xml version="1.0" encoding="utf-8"?>
-<p:sld xmlns:a="http://schemas.openxmlformats.org/drawingml/2006/main" xmlns:r="http://schemas.openxmlformats.org/officeDocument/2006/relationships" xmlns:p="http://schemas.openxmlformats.org/presentationml/2006/main">
+<p:sld xmlns:a="http://schemas.openxmlformats.org/drawingml/2006/main" xmlns:p="http://schemas.openxmlformats.org/presentationml/2006/main" xmlns:r="http://schemas.openxmlformats.org/officeDocument/2006/relationships">
   <p:cSld>
     <p:spTree>
       <p:nvGrpSpPr>
@@ -17472,14 +14866,7 @@
         <p:cNvGrpSpPr/>
         <p:nvPr/>
       </p:nvGrpSpPr>
-      <p:grpSpPr>
-        <a:xfrm>
-          <a:off x="0" y="0"/>
-          <a:ext cx="0" cy="0"/>
-          <a:chOff x="0" y="0"/>
-          <a:chExt cx="0" cy="0"/>
-        </a:xfrm>
-      </p:grpSpPr>
+      <p:grpSpPr/>
       <p:sp>
         <p:nvSpPr>
           <p:cNvPr id="2" name="Rectangle 1"/>
@@ -17548,9 +14935,7 @@
             <a:spAutoFit/>
           </a:bodyPr>
           <a:lstStyle/>
-          <a:p>
-            <a:endParaRPr/>
-          </a:p>
+          <a:p/>
           <a:p>
             <a:pPr>
               <a:defRPr sz="2000" b="1">
@@ -17564,17 +14949,13 @@
               <a:t>Q - 38  கடத்துRNA உடன் தூதுவRNA மற்றும் அமினோ அமிலங்கள் இணையும் பகுதிகள் முறையே</a:t>
             </a:r>
           </a:p>
-          <a:p>
-            <a:endParaRPr/>
-          </a:p>
+          <a:p/>
           <a:p>
             <a:r>
               <a:t>AIIMS - 2009</a:t>
             </a:r>
           </a:p>
-          <a:p>
-            <a:endParaRPr/>
-          </a:p>
+          <a:p/>
           <a:p>
             <a:pPr>
               <a:defRPr sz="2000" b="1">
@@ -17627,7 +15008,7 @@
 </file>
 
 <file path=ppt/slides/slide78.xml><?xml version="1.0" encoding="utf-8"?>
-<p:sld xmlns:a="http://schemas.openxmlformats.org/drawingml/2006/main" xmlns:r="http://schemas.openxmlformats.org/officeDocument/2006/relationships" xmlns:p="http://schemas.openxmlformats.org/presentationml/2006/main">
+<p:sld xmlns:a="http://schemas.openxmlformats.org/drawingml/2006/main" xmlns:p="http://schemas.openxmlformats.org/presentationml/2006/main" xmlns:r="http://schemas.openxmlformats.org/officeDocument/2006/relationships">
   <p:cSld>
     <p:spTree>
       <p:nvGrpSpPr>
@@ -17635,14 +15016,7 @@
         <p:cNvGrpSpPr/>
         <p:nvPr/>
       </p:nvGrpSpPr>
-      <p:grpSpPr>
-        <a:xfrm>
-          <a:off x="0" y="0"/>
-          <a:ext cx="0" cy="0"/>
-          <a:chOff x="0" y="0"/>
-          <a:chExt cx="0" cy="0"/>
-        </a:xfrm>
-      </p:grpSpPr>
+      <p:grpSpPr/>
       <p:sp>
         <p:nvSpPr>
           <p:cNvPr id="2" name="Rectangle 1"/>
@@ -17711,9 +15085,7 @@
             <a:spAutoFit/>
           </a:bodyPr>
           <a:lstStyle/>
-          <a:p>
-            <a:endParaRPr/>
-          </a:p>
+          <a:p/>
           <a:p>
             <a:pPr>
               <a:defRPr sz="2000" b="1">
@@ -17727,41 +15099,31 @@
               <a:t>Q - 39  மரபுக்குறியீட்டில் பின்வரும் எக்கூற்று சரியானது? </a:t>
             </a:r>
           </a:p>
-          <a:p>
-            <a:endParaRPr/>
-          </a:p>
+          <a:p/>
           <a:p>
             <a:r>
               <a:t>AIIMS - 2010</a:t>
             </a:r>
           </a:p>
-          <a:p>
-            <a:endParaRPr/>
-          </a:p>
+          <a:p/>
           <a:p>
             <a:r>
               <a:t>அ) UUU தொடக்கக் குறியீடு மற்றும் அது பினைல் அலனைனுக்கான குறியீடாகும்</a:t>
             </a:r>
           </a:p>
-          <a:p>
-            <a:endParaRPr/>
-          </a:p>
+          <a:p/>
           <a:p>
             <a:r>
               <a:t>ஆ) 64 மும்மை குறியன்களும் 20 அமினோ அமிலங்கள் மட்டும்</a:t>
             </a:r>
           </a:p>
-          <a:p>
-            <a:endParaRPr/>
-          </a:p>
+          <a:p/>
           <a:p>
             <a:r>
               <a:t>இ) ஏதேனும் மூன்று நைட்ரஜன் காரங்கள் ஒரு குறிப்பிட்ட அமினோ அமிலத்தைக் குறிக்கும்.</a:t>
             </a:r>
           </a:p>
-          <a:p>
-            <a:endParaRPr/>
-          </a:p>
+          <a:p/>
           <a:p>
             <a:r>
               <a:t>ஈ) UAA ஓர் அர்த்தமற்ற குறியன், மேலும் மீத்தியோனினைக் குறிக்கும்</a:t>
@@ -17806,7 +15168,7 @@
 </file>
 
 <file path=ppt/slides/slide79.xml><?xml version="1.0" encoding="utf-8"?>
-<p:sld xmlns:a="http://schemas.openxmlformats.org/drawingml/2006/main" xmlns:r="http://schemas.openxmlformats.org/officeDocument/2006/relationships" xmlns:p="http://schemas.openxmlformats.org/presentationml/2006/main">
+<p:sld xmlns:a="http://schemas.openxmlformats.org/drawingml/2006/main" xmlns:p="http://schemas.openxmlformats.org/presentationml/2006/main" xmlns:r="http://schemas.openxmlformats.org/officeDocument/2006/relationships">
   <p:cSld>
     <p:spTree>
       <p:nvGrpSpPr>
@@ -17814,14 +15176,7 @@
         <p:cNvGrpSpPr/>
         <p:nvPr/>
       </p:nvGrpSpPr>
-      <p:grpSpPr>
-        <a:xfrm>
-          <a:off x="0" y="0"/>
-          <a:ext cx="0" cy="0"/>
-          <a:chOff x="0" y="0"/>
-          <a:chExt cx="0" cy="0"/>
-        </a:xfrm>
-      </p:grpSpPr>
+      <p:grpSpPr/>
       <p:sp>
         <p:nvSpPr>
           <p:cNvPr id="2" name="Rectangle 1"/>
@@ -17890,9 +15245,7 @@
             <a:spAutoFit/>
           </a:bodyPr>
           <a:lstStyle/>
-          <a:p>
-            <a:endParaRPr/>
-          </a:p>
+          <a:p/>
           <a:p>
             <a:pPr>
               <a:defRPr sz="2000" b="1">
@@ -17906,17 +15259,13 @@
               <a:t>Q - 39  மரபுக்குறியீட்டில் பின்வரும் எக்கூற்று சரியானது? </a:t>
             </a:r>
           </a:p>
-          <a:p>
-            <a:endParaRPr/>
-          </a:p>
+          <a:p/>
           <a:p>
             <a:r>
               <a:t>AIIMS - 2010</a:t>
             </a:r>
           </a:p>
-          <a:p>
-            <a:endParaRPr/>
-          </a:p>
+          <a:p/>
           <a:p>
             <a:pPr>
               <a:defRPr sz="2000" b="1">
@@ -17969,7 +15318,7 @@
 </file>
 
 <file path=ppt/slides/slide8.xml><?xml version="1.0" encoding="utf-8"?>
-<p:sld xmlns:a="http://schemas.openxmlformats.org/drawingml/2006/main" xmlns:r="http://schemas.openxmlformats.org/officeDocument/2006/relationships" xmlns:p="http://schemas.openxmlformats.org/presentationml/2006/main">
+<p:sld xmlns:a="http://schemas.openxmlformats.org/drawingml/2006/main" xmlns:p="http://schemas.openxmlformats.org/presentationml/2006/main" xmlns:r="http://schemas.openxmlformats.org/officeDocument/2006/relationships">
   <p:cSld>
     <p:spTree>
       <p:nvGrpSpPr>
@@ -17977,14 +15326,7 @@
         <p:cNvGrpSpPr/>
         <p:nvPr/>
       </p:nvGrpSpPr>
-      <p:grpSpPr>
-        <a:xfrm>
-          <a:off x="0" y="0"/>
-          <a:ext cx="0" cy="0"/>
-          <a:chOff x="0" y="0"/>
-          <a:chExt cx="0" cy="0"/>
-        </a:xfrm>
-      </p:grpSpPr>
+      <p:grpSpPr/>
       <p:sp>
         <p:nvSpPr>
           <p:cNvPr id="2" name="Rectangle 1"/>
@@ -18053,9 +15395,7 @@
             <a:spAutoFit/>
           </a:bodyPr>
           <a:lstStyle/>
-          <a:p>
-            <a:endParaRPr/>
-          </a:p>
+          <a:p/>
           <a:p>
             <a:pPr>
               <a:defRPr sz="2000" b="1">
@@ -18069,41 +15409,31 @@
               <a:t>Q - 4  மெண்டலின் எந்த சோதனையில் F2 தலைமுறையின்போது 1:2:1 எந்த விகிதாசாரம் மரபணுவாக்க மற்றும் புறத்தோற்ற வகையை ஒத்துள்ளது?</a:t>
             </a:r>
           </a:p>
-          <a:p>
-            <a:endParaRPr/>
-          </a:p>
+          <a:p/>
           <a:p>
             <a:r>
               <a:t>AIPMT - 2012</a:t>
             </a:r>
           </a:p>
-          <a:p>
-            <a:endParaRPr/>
-          </a:p>
+          <a:p/>
           <a:p>
             <a:r>
               <a:t>அ) ஒரு பண்புக்கலப்பில் முழுமையற்ற ஓங்குத்தன்மை</a:t>
             </a:r>
           </a:p>
-          <a:p>
-            <a:endParaRPr/>
-          </a:p>
+          <a:p/>
           <a:p>
             <a:r>
               <a:t>ஆ) இணை ஓங்குத்தன்மை</a:t>
             </a:r>
           </a:p>
-          <a:p>
-            <a:endParaRPr/>
-          </a:p>
+          <a:p/>
           <a:p>
             <a:r>
               <a:t>இ) இரு பண்புக்கலப்பு</a:t>
             </a:r>
           </a:p>
-          <a:p>
-            <a:endParaRPr/>
-          </a:p>
+          <a:p/>
           <a:p>
             <a:r>
               <a:t>ஈ) ஒரு பண்புக்கலப்புடன் முழுமையான ஓங்குத்தன்மை</a:t>
@@ -18148,7 +15478,7 @@
 </file>
 
 <file path=ppt/slides/slide80.xml><?xml version="1.0" encoding="utf-8"?>
-<p:sld xmlns:a="http://schemas.openxmlformats.org/drawingml/2006/main" xmlns:r="http://schemas.openxmlformats.org/officeDocument/2006/relationships" xmlns:p="http://schemas.openxmlformats.org/presentationml/2006/main">
+<p:sld xmlns:a="http://schemas.openxmlformats.org/drawingml/2006/main" xmlns:p="http://schemas.openxmlformats.org/presentationml/2006/main" xmlns:r="http://schemas.openxmlformats.org/officeDocument/2006/relationships">
   <p:cSld>
     <p:spTree>
       <p:nvGrpSpPr>
@@ -18156,14 +15486,7 @@
         <p:cNvGrpSpPr/>
         <p:nvPr/>
       </p:nvGrpSpPr>
-      <p:grpSpPr>
-        <a:xfrm>
-          <a:off x="0" y="0"/>
-          <a:ext cx="0" cy="0"/>
-          <a:chOff x="0" y="0"/>
-          <a:chExt cx="0" cy="0"/>
-        </a:xfrm>
-      </p:grpSpPr>
+      <p:grpSpPr/>
       <p:sp>
         <p:nvSpPr>
           <p:cNvPr id="2" name="Rectangle 1"/>
@@ -18232,9 +15555,7 @@
             <a:spAutoFit/>
           </a:bodyPr>
           <a:lstStyle/>
-          <a:p>
-            <a:endParaRPr/>
-          </a:p>
+          <a:p/>
           <a:p>
             <a:pPr>
               <a:defRPr sz="2000" b="1">
@@ -18248,41 +15569,31 @@
               <a:t>Q - 40  பின்வருவனவற்றுள் எத்தொகுதி மரபுச் செய்திப்பெயர்வுக்கு பயன்படுத்தப்படுகிறது?</a:t>
             </a:r>
           </a:p>
-          <a:p>
-            <a:endParaRPr/>
-          </a:p>
+          <a:p/>
           <a:p>
             <a:r>
               <a:t>AIIMS - 2015</a:t>
             </a:r>
           </a:p>
-          <a:p>
-            <a:endParaRPr/>
-          </a:p>
+          <a:p/>
           <a:p>
             <a:r>
               <a:t>அ) மாற்றினஉட்கருRNA, கடத்துRNA, ரிபோசோம்RNA</a:t>
             </a:r>
           </a:p>
-          <a:p>
-            <a:endParaRPr/>
-          </a:p>
+          <a:p/>
           <a:p>
             <a:r>
               <a:t>ஆ) தூதுவRNA, கடத்துRNA, ரிபோசோம்RNA</a:t>
             </a:r>
           </a:p>
-          <a:p>
-            <a:endParaRPr/>
-          </a:p>
+          <a:p/>
           <a:p>
             <a:r>
               <a:t>இ) தூதுவRNA, கடத்துRNA, மாற்றினஉட்கருRNA</a:t>
             </a:r>
           </a:p>
-          <a:p>
-            <a:endParaRPr/>
-          </a:p>
+          <a:p/>
           <a:p>
             <a:r>
               <a:t>ஈ) மாற்றினஉட்கருRNA, ரிபோசோம்RNA, lRNA</a:t>
@@ -18327,7 +15638,7 @@
 </file>
 
 <file path=ppt/slides/slide81.xml><?xml version="1.0" encoding="utf-8"?>
-<p:sld xmlns:a="http://schemas.openxmlformats.org/drawingml/2006/main" xmlns:r="http://schemas.openxmlformats.org/officeDocument/2006/relationships" xmlns:p="http://schemas.openxmlformats.org/presentationml/2006/main">
+<p:sld xmlns:a="http://schemas.openxmlformats.org/drawingml/2006/main" xmlns:p="http://schemas.openxmlformats.org/presentationml/2006/main" xmlns:r="http://schemas.openxmlformats.org/officeDocument/2006/relationships">
   <p:cSld>
     <p:spTree>
       <p:nvGrpSpPr>
@@ -18335,14 +15646,7 @@
         <p:cNvGrpSpPr/>
         <p:nvPr/>
       </p:nvGrpSpPr>
-      <p:grpSpPr>
-        <a:xfrm>
-          <a:off x="0" y="0"/>
-          <a:ext cx="0" cy="0"/>
-          <a:chOff x="0" y="0"/>
-          <a:chExt cx="0" cy="0"/>
-        </a:xfrm>
-      </p:grpSpPr>
+      <p:grpSpPr/>
       <p:sp>
         <p:nvSpPr>
           <p:cNvPr id="2" name="Rectangle 1"/>
@@ -18411,9 +15715,7 @@
             <a:spAutoFit/>
           </a:bodyPr>
           <a:lstStyle/>
-          <a:p>
-            <a:endParaRPr/>
-          </a:p>
+          <a:p/>
           <a:p>
             <a:pPr>
               <a:defRPr sz="2000" b="1">
@@ -18427,17 +15729,13 @@
               <a:t>Q - 40  பின்வருவனவற்றுள் எத்தொகுதி மரபுச் செய்திப்பெயர்வுக்கு பயன்படுத்தப்படுகிறது?</a:t>
             </a:r>
           </a:p>
-          <a:p>
-            <a:endParaRPr/>
-          </a:p>
+          <a:p/>
           <a:p>
             <a:r>
               <a:t>AIIMS - 2015</a:t>
             </a:r>
           </a:p>
-          <a:p>
-            <a:endParaRPr/>
-          </a:p>
+          <a:p/>
           <a:p>
             <a:pPr>
               <a:defRPr sz="2000" b="1">
@@ -18490,7 +15788,7 @@
 </file>
 
 <file path=ppt/slides/slide82.xml><?xml version="1.0" encoding="utf-8"?>
-<p:sld xmlns:a="http://schemas.openxmlformats.org/drawingml/2006/main" xmlns:r="http://schemas.openxmlformats.org/officeDocument/2006/relationships" xmlns:p="http://schemas.openxmlformats.org/presentationml/2006/main">
+<p:sld xmlns:a="http://schemas.openxmlformats.org/drawingml/2006/main" xmlns:p="http://schemas.openxmlformats.org/presentationml/2006/main" xmlns:r="http://schemas.openxmlformats.org/officeDocument/2006/relationships">
   <p:cSld>
     <p:spTree>
       <p:nvGrpSpPr>
@@ -18498,14 +15796,7 @@
         <p:cNvGrpSpPr/>
         <p:nvPr/>
       </p:nvGrpSpPr>
-      <p:grpSpPr>
-        <a:xfrm>
-          <a:off x="0" y="0"/>
-          <a:ext cx="0" cy="0"/>
-          <a:chOff x="0" y="0"/>
-          <a:chExt cx="0" cy="0"/>
-        </a:xfrm>
-      </p:grpSpPr>
+      <p:grpSpPr/>
       <p:sp>
         <p:nvSpPr>
           <p:cNvPr id="2" name="Rectangle 1"/>
@@ -18574,9 +15865,7 @@
             <a:spAutoFit/>
           </a:bodyPr>
           <a:lstStyle/>
-          <a:p>
-            <a:endParaRPr/>
-          </a:p>
+          <a:p/>
           <a:p>
             <a:pPr>
               <a:defRPr sz="2000" b="1">
@@ -18590,41 +15879,31 @@
               <a:t>Q - 41  DNA (குறியீடற்ற) தொடர்வரிசை எவ்விதம் அழைக்கப்படும்?</a:t>
             </a:r>
           </a:p>
-          <a:p>
-            <a:endParaRPr/>
-          </a:p>
+          <a:p/>
           <a:p>
             <a:r>
               <a:t>JIPMER - 2006</a:t>
             </a:r>
           </a:p>
-          <a:p>
-            <a:endParaRPr/>
-          </a:p>
+          <a:p/>
           <a:p>
             <a:r>
               <a:t>அ) எக்ஸான்</a:t>
             </a:r>
           </a:p>
-          <a:p>
-            <a:endParaRPr/>
-          </a:p>
+          <a:p/>
           <a:p>
             <a:r>
               <a:t>ஆ) இன்ட்ரான்</a:t>
             </a:r>
           </a:p>
-          <a:p>
-            <a:endParaRPr/>
-          </a:p>
+          <a:p/>
           <a:p>
             <a:r>
               <a:t>இ) சிஸ்ட்ரான்</a:t>
             </a:r>
           </a:p>
-          <a:p>
-            <a:endParaRPr/>
-          </a:p>
+          <a:p/>
           <a:p>
             <a:r>
               <a:t>ஈ) இவற்றில் எதுவுமில்லை</a:t>
@@ -18669,7 +15948,7 @@
 </file>
 
 <file path=ppt/slides/slide83.xml><?xml version="1.0" encoding="utf-8"?>
-<p:sld xmlns:a="http://schemas.openxmlformats.org/drawingml/2006/main" xmlns:r="http://schemas.openxmlformats.org/officeDocument/2006/relationships" xmlns:p="http://schemas.openxmlformats.org/presentationml/2006/main">
+<p:sld xmlns:a="http://schemas.openxmlformats.org/drawingml/2006/main" xmlns:p="http://schemas.openxmlformats.org/presentationml/2006/main" xmlns:r="http://schemas.openxmlformats.org/officeDocument/2006/relationships">
   <p:cSld>
     <p:spTree>
       <p:nvGrpSpPr>
@@ -18677,14 +15956,7 @@
         <p:cNvGrpSpPr/>
         <p:nvPr/>
       </p:nvGrpSpPr>
-      <p:grpSpPr>
-        <a:xfrm>
-          <a:off x="0" y="0"/>
-          <a:ext cx="0" cy="0"/>
-          <a:chOff x="0" y="0"/>
-          <a:chExt cx="0" cy="0"/>
-        </a:xfrm>
-      </p:grpSpPr>
+      <p:grpSpPr/>
       <p:sp>
         <p:nvSpPr>
           <p:cNvPr id="2" name="Rectangle 1"/>
@@ -18753,9 +16025,7 @@
             <a:spAutoFit/>
           </a:bodyPr>
           <a:lstStyle/>
-          <a:p>
-            <a:endParaRPr/>
-          </a:p>
+          <a:p/>
           <a:p>
             <a:pPr>
               <a:defRPr sz="2000" b="1">
@@ -18769,17 +16039,13 @@
               <a:t>Q - 41  DNA (குறியீடற்ற) தொடர்வரிசை எவ்விதம் அழைக்கப்படும்?</a:t>
             </a:r>
           </a:p>
-          <a:p>
-            <a:endParaRPr/>
-          </a:p>
+          <a:p/>
           <a:p>
             <a:r>
               <a:t>JIPMER - 2006</a:t>
             </a:r>
           </a:p>
-          <a:p>
-            <a:endParaRPr/>
-          </a:p>
+          <a:p/>
           <a:p>
             <a:pPr>
               <a:defRPr sz="2000" b="1">
@@ -18832,7 +16098,7 @@
 </file>
 
 <file path=ppt/slides/slide84.xml><?xml version="1.0" encoding="utf-8"?>
-<p:sld xmlns:a="http://schemas.openxmlformats.org/drawingml/2006/main" xmlns:r="http://schemas.openxmlformats.org/officeDocument/2006/relationships" xmlns:p="http://schemas.openxmlformats.org/presentationml/2006/main">
+<p:sld xmlns:a="http://schemas.openxmlformats.org/drawingml/2006/main" xmlns:p="http://schemas.openxmlformats.org/presentationml/2006/main" xmlns:r="http://schemas.openxmlformats.org/officeDocument/2006/relationships">
   <p:cSld>
     <p:spTree>
       <p:nvGrpSpPr>
@@ -18840,14 +16106,7 @@
         <p:cNvGrpSpPr/>
         <p:nvPr/>
       </p:nvGrpSpPr>
-      <p:grpSpPr>
-        <a:xfrm>
-          <a:off x="0" y="0"/>
-          <a:ext cx="0" cy="0"/>
-          <a:chOff x="0" y="0"/>
-          <a:chExt cx="0" cy="0"/>
-        </a:xfrm>
-      </p:grpSpPr>
+      <p:grpSpPr/>
       <p:sp>
         <p:nvSpPr>
           <p:cNvPr id="2" name="Rectangle 1"/>
@@ -18916,9 +16175,7 @@
             <a:spAutoFit/>
           </a:bodyPr>
           <a:lstStyle/>
-          <a:p>
-            <a:endParaRPr/>
-          </a:p>
+          <a:p/>
           <a:p>
             <a:pPr>
               <a:defRPr sz="2000" b="1">
@@ -18932,41 +16189,31 @@
               <a:t>Q - 42  படியெடுத்தலின் போது RNA பாலிமரேஸ் முழு நோதி ஓர் DNA தொடர் வரிசையில் பிணைக்கிறது. மேலும் அப்புள்ளியில் DNA ஒரு சேணம் (saddle) போன்ற அமைப்பாக கருதினால் அத்தொடர்வரிசை எவ்வாறு அழைக்கப்படுகிறது?</a:t>
             </a:r>
           </a:p>
-          <a:p>
-            <a:endParaRPr/>
-          </a:p>
+          <a:p/>
           <a:p>
             <a:r>
               <a:t>JIPMER - 2007</a:t>
             </a:r>
           </a:p>
-          <a:p>
-            <a:endParaRPr/>
-          </a:p>
+          <a:p/>
           <a:p>
             <a:r>
               <a:t>அ) CAAT பெட்டி</a:t>
             </a:r>
           </a:p>
-          <a:p>
-            <a:endParaRPr/>
-          </a:p>
+          <a:p/>
           <a:p>
             <a:r>
               <a:t>ஆ) GGTT பெட்டி</a:t>
             </a:r>
           </a:p>
-          <a:p>
-            <a:endParaRPr/>
-          </a:p>
+          <a:p/>
           <a:p>
             <a:r>
               <a:t>இ) AAAT பெட்டி</a:t>
             </a:r>
           </a:p>
-          <a:p>
-            <a:endParaRPr/>
-          </a:p>
+          <a:p/>
           <a:p>
             <a:r>
               <a:t>ஈ) TATA பெட்டி</a:t>
@@ -19011,7 +16258,7 @@
 </file>
 
 <file path=ppt/slides/slide85.xml><?xml version="1.0" encoding="utf-8"?>
-<p:sld xmlns:a="http://schemas.openxmlformats.org/drawingml/2006/main" xmlns:r="http://schemas.openxmlformats.org/officeDocument/2006/relationships" xmlns:p="http://schemas.openxmlformats.org/presentationml/2006/main">
+<p:sld xmlns:a="http://schemas.openxmlformats.org/drawingml/2006/main" xmlns:p="http://schemas.openxmlformats.org/presentationml/2006/main" xmlns:r="http://schemas.openxmlformats.org/officeDocument/2006/relationships">
   <p:cSld>
     <p:spTree>
       <p:nvGrpSpPr>
@@ -19019,14 +16266,7 @@
         <p:cNvGrpSpPr/>
         <p:nvPr/>
       </p:nvGrpSpPr>
-      <p:grpSpPr>
-        <a:xfrm>
-          <a:off x="0" y="0"/>
-          <a:ext cx="0" cy="0"/>
-          <a:chOff x="0" y="0"/>
-          <a:chExt cx="0" cy="0"/>
-        </a:xfrm>
-      </p:grpSpPr>
+      <p:grpSpPr/>
       <p:sp>
         <p:nvSpPr>
           <p:cNvPr id="2" name="Rectangle 1"/>
@@ -19095,9 +16335,7 @@
             <a:spAutoFit/>
           </a:bodyPr>
           <a:lstStyle/>
-          <a:p>
-            <a:endParaRPr/>
-          </a:p>
+          <a:p/>
           <a:p>
             <a:pPr>
               <a:defRPr sz="2000" b="1">
@@ -19111,17 +16349,13 @@
               <a:t>Q - 42  படியெடுத்தலின் போது RNA பாலிமரேஸ் முழு நோதி ஓர் DNA தொடர் வரிசையில் பிணைக்கிறது. மேலும் அப்புள்ளியில் DNA ஒரு சேணம் (saddle) போன்ற அமைப்பாக கருதினால் அத்தொடர்வரிசை எவ்வாறு அழைக்கப்படுகிறது?</a:t>
             </a:r>
           </a:p>
-          <a:p>
-            <a:endParaRPr/>
-          </a:p>
+          <a:p/>
           <a:p>
             <a:r>
               <a:t>JIPMER - 2007</a:t>
             </a:r>
           </a:p>
-          <a:p>
-            <a:endParaRPr/>
-          </a:p>
+          <a:p/>
           <a:p>
             <a:pPr>
               <a:defRPr sz="2000" b="1">
@@ -19174,7 +16408,7 @@
 </file>
 
 <file path=ppt/slides/slide86.xml><?xml version="1.0" encoding="utf-8"?>
-<p:sld xmlns:a="http://schemas.openxmlformats.org/drawingml/2006/main" xmlns:r="http://schemas.openxmlformats.org/officeDocument/2006/relationships" xmlns:p="http://schemas.openxmlformats.org/presentationml/2006/main">
+<p:sld xmlns:a="http://schemas.openxmlformats.org/drawingml/2006/main" xmlns:p="http://schemas.openxmlformats.org/presentationml/2006/main" xmlns:r="http://schemas.openxmlformats.org/officeDocument/2006/relationships">
   <p:cSld>
     <p:spTree>
       <p:nvGrpSpPr>
@@ -19182,14 +16416,7 @@
         <p:cNvGrpSpPr/>
         <p:nvPr/>
       </p:nvGrpSpPr>
-      <p:grpSpPr>
-        <a:xfrm>
-          <a:off x="0" y="0"/>
-          <a:ext cx="0" cy="0"/>
-          <a:chOff x="0" y="0"/>
-          <a:chExt cx="0" cy="0"/>
-        </a:xfrm>
-      </p:grpSpPr>
+      <p:grpSpPr/>
       <p:sp>
         <p:nvSpPr>
           <p:cNvPr id="2" name="Rectangle 1"/>
@@ -19258,9 +16485,7 @@
             <a:spAutoFit/>
           </a:bodyPr>
           <a:lstStyle/>
-          <a:p>
-            <a:endParaRPr/>
-          </a:p>
+          <a:p/>
           <a:p>
             <a:pPr>
               <a:defRPr sz="2000" b="1">
@@ -19274,41 +16499,31 @@
               <a:t>Q - 43  RNA-வின் தொடர்  நியூக்ளியோடைட்களில் சார்பிணைப்பால் இணைந்திருப்பது எதனால்?</a:t>
             </a:r>
           </a:p>
-          <a:p>
-            <a:endParaRPr/>
-          </a:p>
+          <a:p/>
           <a:p>
             <a:r>
               <a:t>JIPMER - 2001</a:t>
             </a:r>
           </a:p>
-          <a:p>
-            <a:endParaRPr/>
-          </a:p>
+          <a:p/>
           <a:p>
             <a:r>
               <a:t>அ) ஹைட்ரஜன் பிணைப்புகள்</a:t>
             </a:r>
           </a:p>
-          <a:p>
-            <a:endParaRPr/>
-          </a:p>
+          <a:p/>
           <a:p>
             <a:r>
               <a:t>ஆ) பாஸ்போடை எஸ்டர் பிணைப்புகள்</a:t>
             </a:r>
           </a:p>
-          <a:p>
-            <a:endParaRPr/>
-          </a:p>
+          <a:p/>
           <a:p>
             <a:r>
               <a:t>இ) கிளைக்கோசைடிக் பிணைப்புகள்</a:t>
             </a:r>
           </a:p>
-          <a:p>
-            <a:endParaRPr/>
-          </a:p>
+          <a:p/>
           <a:p>
             <a:r>
               <a:t>ஈ) இவற்றில் எதுவுமில்லை</a:t>
@@ -19353,7 +16568,7 @@
 </file>
 
 <file path=ppt/slides/slide87.xml><?xml version="1.0" encoding="utf-8"?>
-<p:sld xmlns:a="http://schemas.openxmlformats.org/drawingml/2006/main" xmlns:r="http://schemas.openxmlformats.org/officeDocument/2006/relationships" xmlns:p="http://schemas.openxmlformats.org/presentationml/2006/main">
+<p:sld xmlns:a="http://schemas.openxmlformats.org/drawingml/2006/main" xmlns:p="http://schemas.openxmlformats.org/presentationml/2006/main" xmlns:r="http://schemas.openxmlformats.org/officeDocument/2006/relationships">
   <p:cSld>
     <p:spTree>
       <p:nvGrpSpPr>
@@ -19361,14 +16576,7 @@
         <p:cNvGrpSpPr/>
         <p:nvPr/>
       </p:nvGrpSpPr>
-      <p:grpSpPr>
-        <a:xfrm>
-          <a:off x="0" y="0"/>
-          <a:ext cx="0" cy="0"/>
-          <a:chOff x="0" y="0"/>
-          <a:chExt cx="0" cy="0"/>
-        </a:xfrm>
-      </p:grpSpPr>
+      <p:grpSpPr/>
       <p:sp>
         <p:nvSpPr>
           <p:cNvPr id="2" name="Rectangle 1"/>
@@ -19437,9 +16645,7 @@
             <a:spAutoFit/>
           </a:bodyPr>
           <a:lstStyle/>
-          <a:p>
-            <a:endParaRPr/>
-          </a:p>
+          <a:p/>
           <a:p>
             <a:pPr>
               <a:defRPr sz="2000" b="1">
@@ -19453,17 +16659,13 @@
               <a:t>Q - 43  RNA-வின் தொடர்  நியூக்ளியோடைட்களில் சார்பிணைப்பால் இணைந்திருப்பது எதனால்?</a:t>
             </a:r>
           </a:p>
-          <a:p>
-            <a:endParaRPr/>
-          </a:p>
+          <a:p/>
           <a:p>
             <a:r>
               <a:t>JIPMER - 2001</a:t>
             </a:r>
           </a:p>
-          <a:p>
-            <a:endParaRPr/>
-          </a:p>
+          <a:p/>
           <a:p>
             <a:pPr>
               <a:defRPr sz="2000" b="1">
@@ -19516,7 +16718,7 @@
 </file>
 
 <file path=ppt/slides/slide88.xml><?xml version="1.0" encoding="utf-8"?>
-<p:sld xmlns:a="http://schemas.openxmlformats.org/drawingml/2006/main" xmlns:r="http://schemas.openxmlformats.org/officeDocument/2006/relationships" xmlns:p="http://schemas.openxmlformats.org/presentationml/2006/main">
+<p:sld xmlns:a="http://schemas.openxmlformats.org/drawingml/2006/main" xmlns:p="http://schemas.openxmlformats.org/presentationml/2006/main" xmlns:r="http://schemas.openxmlformats.org/officeDocument/2006/relationships">
   <p:cSld>
     <p:spTree>
       <p:nvGrpSpPr>
@@ -19524,14 +16726,7 @@
         <p:cNvGrpSpPr/>
         <p:nvPr/>
       </p:nvGrpSpPr>
-      <p:grpSpPr>
-        <a:xfrm>
-          <a:off x="0" y="0"/>
-          <a:ext cx="0" cy="0"/>
-          <a:chOff x="0" y="0"/>
-          <a:chExt cx="0" cy="0"/>
-        </a:xfrm>
-      </p:grpSpPr>
+      <p:grpSpPr/>
       <p:sp>
         <p:nvSpPr>
           <p:cNvPr id="2" name="Rectangle 1"/>
@@ -19600,9 +16795,7 @@
             <a:spAutoFit/>
           </a:bodyPr>
           <a:lstStyle/>
-          <a:p>
-            <a:endParaRPr/>
-          </a:p>
+          <a:p/>
           <a:p>
             <a:pPr>
               <a:defRPr sz="2000" b="1">
@@ -19616,41 +16809,31 @@
               <a:t>Q - 44  DNA சங்கிலியில் ஓகசாகி துண்டுகளின் வளர்ச்சி      </a:t>
             </a:r>
           </a:p>
-          <a:p>
-            <a:endParaRPr/>
-          </a:p>
+          <a:p/>
           <a:p>
             <a:r>
               <a:t>AIPMT, AIPMT Pre - 2007, 2004</a:t>
             </a:r>
           </a:p>
-          <a:p>
-            <a:endParaRPr/>
-          </a:p>
+          <a:p/>
           <a:p>
             <a:r>
               <a:t>அ) 3’ - 5’ வரிசையில் பலபடியாதல் மற்றும் இரட்டிப்பாதல் கவையை உருவாக்குதல்</a:t>
             </a:r>
           </a:p>
-          <a:p>
-            <a:endParaRPr/>
-          </a:p>
+          <a:p/>
           <a:p>
             <a:r>
               <a:t>ஆ) பாதி பழமை பேணும் முறையில் DNA இரட்டிப்பாதல் </a:t>
             </a:r>
           </a:p>
-          <a:p>
-            <a:endParaRPr/>
-          </a:p>
+          <a:p/>
           <a:p>
             <a:r>
               <a:t>இ) 5’ → 3’ வரிசையில் பலப்படியாக்கல் மற்றும் 3’ → 5’ DNA இரட்டிப்பாதலை விளக்குதல்</a:t>
             </a:r>
           </a:p>
-          <a:p>
-            <a:endParaRPr/>
-          </a:p>
+          <a:p/>
           <a:p>
             <a:r>
               <a:t>ஈ) படியாக்கத்தின் முடிவு</a:t>
@@ -19695,7 +16878,7 @@
 </file>
 
 <file path=ppt/slides/slide89.xml><?xml version="1.0" encoding="utf-8"?>
-<p:sld xmlns:a="http://schemas.openxmlformats.org/drawingml/2006/main" xmlns:r="http://schemas.openxmlformats.org/officeDocument/2006/relationships" xmlns:p="http://schemas.openxmlformats.org/presentationml/2006/main">
+<p:sld xmlns:a="http://schemas.openxmlformats.org/drawingml/2006/main" xmlns:p="http://schemas.openxmlformats.org/presentationml/2006/main" xmlns:r="http://schemas.openxmlformats.org/officeDocument/2006/relationships">
   <p:cSld>
     <p:spTree>
       <p:nvGrpSpPr>
@@ -19703,14 +16886,7 @@
         <p:cNvGrpSpPr/>
         <p:nvPr/>
       </p:nvGrpSpPr>
-      <p:grpSpPr>
-        <a:xfrm>
-          <a:off x="0" y="0"/>
-          <a:ext cx="0" cy="0"/>
-          <a:chOff x="0" y="0"/>
-          <a:chExt cx="0" cy="0"/>
-        </a:xfrm>
-      </p:grpSpPr>
+      <p:grpSpPr/>
       <p:sp>
         <p:nvSpPr>
           <p:cNvPr id="2" name="Rectangle 1"/>
@@ -19779,9 +16955,7 @@
             <a:spAutoFit/>
           </a:bodyPr>
           <a:lstStyle/>
-          <a:p>
-            <a:endParaRPr/>
-          </a:p>
+          <a:p/>
           <a:p>
             <a:pPr>
               <a:defRPr sz="2000" b="1">
@@ -19795,17 +16969,13 @@
               <a:t>Q - 44  DNA சங்கிலியில் ஓகசாகி துண்டுகளின் வளர்ச்சி      </a:t>
             </a:r>
           </a:p>
-          <a:p>
-            <a:endParaRPr/>
-          </a:p>
+          <a:p/>
           <a:p>
             <a:r>
               <a:t>AIPMT, AIPMT Pre - 2007, 2004</a:t>
             </a:r>
           </a:p>
-          <a:p>
-            <a:endParaRPr/>
-          </a:p>
+          <a:p/>
           <a:p>
             <a:pPr>
               <a:defRPr sz="2000" b="1">
@@ -19858,7 +17028,7 @@
 </file>
 
 <file path=ppt/slides/slide9.xml><?xml version="1.0" encoding="utf-8"?>
-<p:sld xmlns:a="http://schemas.openxmlformats.org/drawingml/2006/main" xmlns:r="http://schemas.openxmlformats.org/officeDocument/2006/relationships" xmlns:p="http://schemas.openxmlformats.org/presentationml/2006/main">
+<p:sld xmlns:a="http://schemas.openxmlformats.org/drawingml/2006/main" xmlns:p="http://schemas.openxmlformats.org/presentationml/2006/main" xmlns:r="http://schemas.openxmlformats.org/officeDocument/2006/relationships">
   <p:cSld>
     <p:spTree>
       <p:nvGrpSpPr>
@@ -19866,14 +17036,7 @@
         <p:cNvGrpSpPr/>
         <p:nvPr/>
       </p:nvGrpSpPr>
-      <p:grpSpPr>
-        <a:xfrm>
-          <a:off x="0" y="0"/>
-          <a:ext cx="0" cy="0"/>
-          <a:chOff x="0" y="0"/>
-          <a:chExt cx="0" cy="0"/>
-        </a:xfrm>
-      </p:grpSpPr>
+      <p:grpSpPr/>
       <p:sp>
         <p:nvSpPr>
           <p:cNvPr id="2" name="Rectangle 1"/>
@@ -19942,9 +17105,7 @@
             <a:spAutoFit/>
           </a:bodyPr>
           <a:lstStyle/>
-          <a:p>
-            <a:endParaRPr/>
-          </a:p>
+          <a:p/>
           <a:p>
             <a:pPr>
               <a:defRPr sz="2000" b="1">
@@ -19958,17 +17119,13 @@
               <a:t>Q - 4  மெண்டலின் எந்த சோதனையில் F2 தலைமுறையின்போது 1:2:1 எந்த விகிதாசாரம் மரபணுவாக்க மற்றும் புறத்தோற்ற வகையை ஒத்துள்ளது?</a:t>
             </a:r>
           </a:p>
-          <a:p>
-            <a:endParaRPr/>
-          </a:p>
+          <a:p/>
           <a:p>
             <a:r>
               <a:t>AIPMT - 2012</a:t>
             </a:r>
           </a:p>
-          <a:p>
-            <a:endParaRPr/>
-          </a:p>
+          <a:p/>
           <a:p>
             <a:pPr>
               <a:defRPr sz="2000" b="1">
@@ -20021,7 +17178,7 @@
 </file>
 
 <file path=ppt/slides/slide90.xml><?xml version="1.0" encoding="utf-8"?>
-<p:sld xmlns:a="http://schemas.openxmlformats.org/drawingml/2006/main" xmlns:r="http://schemas.openxmlformats.org/officeDocument/2006/relationships" xmlns:p="http://schemas.openxmlformats.org/presentationml/2006/main">
+<p:sld xmlns:a="http://schemas.openxmlformats.org/drawingml/2006/main" xmlns:p="http://schemas.openxmlformats.org/presentationml/2006/main" xmlns:r="http://schemas.openxmlformats.org/officeDocument/2006/relationships">
   <p:cSld>
     <p:spTree>
       <p:nvGrpSpPr>
@@ -20029,14 +17186,7 @@
         <p:cNvGrpSpPr/>
         <p:nvPr/>
       </p:nvGrpSpPr>
-      <p:grpSpPr>
-        <a:xfrm>
-          <a:off x="0" y="0"/>
-          <a:ext cx="0" cy="0"/>
-          <a:chOff x="0" y="0"/>
-          <a:chExt cx="0" cy="0"/>
-        </a:xfrm>
-      </p:grpSpPr>
+      <p:grpSpPr/>
       <p:sp>
         <p:nvSpPr>
           <p:cNvPr id="2" name="Rectangle 1"/>
@@ -20105,9 +17255,7 @@
             <a:spAutoFit/>
           </a:bodyPr>
           <a:lstStyle/>
-          <a:p>
-            <a:endParaRPr/>
-          </a:p>
+          <a:p/>
           <a:p>
             <a:pPr>
               <a:defRPr sz="2000" b="1">
@@ -20121,41 +17269,31 @@
               <a:t>Q - 45  டெய்லரால் நடத்தப்பட்ட பாதி பழமை பேணும் குரோமோசோம் இரட்டிப்பாதலை எதில் செய்த சோதனையின் மூலம் நிரூபித்தார்? </a:t>
             </a:r>
           </a:p>
-          <a:p>
-            <a:endParaRPr/>
-          </a:p>
+          <a:p/>
           <a:p>
             <a:r>
               <a:t>NEET (Phase II) - 2016</a:t>
             </a:r>
           </a:p>
-          <a:p>
-            <a:endParaRPr/>
-          </a:p>
+          <a:p/>
           <a:p>
             <a:r>
               <a:t>அ) டுரோசோப்பில்லா மெலனகேஸ்டர்</a:t>
             </a:r>
           </a:p>
-          <a:p>
-            <a:endParaRPr/>
-          </a:p>
+          <a:p/>
           <a:p>
             <a:r>
               <a:t>ஆ) ஈ.கோலை</a:t>
             </a:r>
           </a:p>
-          <a:p>
-            <a:endParaRPr/>
-          </a:p>
+          <a:p/>
           <a:p>
             <a:r>
               <a:t>இ) வின்கா ரோசியா</a:t>
             </a:r>
           </a:p>
-          <a:p>
-            <a:endParaRPr/>
-          </a:p>
+          <a:p/>
           <a:p>
             <a:r>
               <a:t>ஈ) விசியா ஃபேபா</a:t>
@@ -20200,7 +17338,7 @@
 </file>
 
 <file path=ppt/slides/slide91.xml><?xml version="1.0" encoding="utf-8"?>
-<p:sld xmlns:a="http://schemas.openxmlformats.org/drawingml/2006/main" xmlns:r="http://schemas.openxmlformats.org/officeDocument/2006/relationships" xmlns:p="http://schemas.openxmlformats.org/presentationml/2006/main">
+<p:sld xmlns:a="http://schemas.openxmlformats.org/drawingml/2006/main" xmlns:p="http://schemas.openxmlformats.org/presentationml/2006/main" xmlns:r="http://schemas.openxmlformats.org/officeDocument/2006/relationships">
   <p:cSld>
     <p:spTree>
       <p:nvGrpSpPr>
@@ -20208,14 +17346,7 @@
         <p:cNvGrpSpPr/>
         <p:nvPr/>
       </p:nvGrpSpPr>
-      <p:grpSpPr>
-        <a:xfrm>
-          <a:off x="0" y="0"/>
-          <a:ext cx="0" cy="0"/>
-          <a:chOff x="0" y="0"/>
-          <a:chExt cx="0" cy="0"/>
-        </a:xfrm>
-      </p:grpSpPr>
+      <p:grpSpPr/>
       <p:sp>
         <p:nvSpPr>
           <p:cNvPr id="2" name="Rectangle 1"/>
@@ -20284,9 +17415,7 @@
             <a:spAutoFit/>
           </a:bodyPr>
           <a:lstStyle/>
-          <a:p>
-            <a:endParaRPr/>
-          </a:p>
+          <a:p/>
           <a:p>
             <a:pPr>
               <a:defRPr sz="2000" b="1">
@@ -20300,17 +17429,13 @@
               <a:t>Q - 45  டெய்லரால் நடத்தப்பட்ட பாதி பழமை பேணும் குரோமோசோம் இரட்டிப்பாதலை எதில் செய்த சோதனையின் மூலம் நிரூபித்தார்? </a:t>
             </a:r>
           </a:p>
-          <a:p>
-            <a:endParaRPr/>
-          </a:p>
+          <a:p/>
           <a:p>
             <a:r>
               <a:t>NEET (Phase II) - 2016</a:t>
             </a:r>
           </a:p>
-          <a:p>
-            <a:endParaRPr/>
-          </a:p>
+          <a:p/>
           <a:p>
             <a:pPr>
               <a:defRPr sz="2000" b="1">
@@ -20363,7 +17488,7 @@
 </file>
 
 <file path=ppt/slides/slide92.xml><?xml version="1.0" encoding="utf-8"?>
-<p:sld xmlns:a="http://schemas.openxmlformats.org/drawingml/2006/main" xmlns:r="http://schemas.openxmlformats.org/officeDocument/2006/relationships" xmlns:p="http://schemas.openxmlformats.org/presentationml/2006/main">
+<p:sld xmlns:a="http://schemas.openxmlformats.org/drawingml/2006/main" xmlns:p="http://schemas.openxmlformats.org/presentationml/2006/main" xmlns:r="http://schemas.openxmlformats.org/officeDocument/2006/relationships">
   <p:cSld>
     <p:spTree>
       <p:nvGrpSpPr>
@@ -20371,14 +17496,7 @@
         <p:cNvGrpSpPr/>
         <p:nvPr/>
       </p:nvGrpSpPr>
-      <p:grpSpPr>
-        <a:xfrm>
-          <a:off x="0" y="0"/>
-          <a:ext cx="0" cy="0"/>
-          <a:chOff x="0" y="0"/>
-          <a:chExt cx="0" cy="0"/>
-        </a:xfrm>
-      </p:grpSpPr>
+      <p:grpSpPr/>
       <p:sp>
         <p:nvSpPr>
           <p:cNvPr id="2" name="Rectangle 1"/>
@@ -20447,9 +17565,7 @@
             <a:spAutoFit/>
           </a:bodyPr>
           <a:lstStyle/>
-          <a:p>
-            <a:endParaRPr/>
-          </a:p>
+          <a:p/>
           <a:p>
             <a:pPr>
               <a:defRPr sz="2000" b="1">
@@ -20463,41 +17579,31 @@
               <a:t>Q - 46  DNA இரட்டிப்பாதலில் புதிய இழைகள் சிறு துண்டுகளிலிருந்து உருவாதல் மற்றும் சேர்ந்து இணைகிறது. இப்புதிய இழையை எவ்வாறு அழைக்கலாம்?</a:t>
             </a:r>
           </a:p>
-          <a:p>
-            <a:endParaRPr/>
-          </a:p>
+          <a:p/>
           <a:p>
             <a:r>
               <a:t>AIIMS - 1994</a:t>
             </a:r>
           </a:p>
-          <a:p>
-            <a:endParaRPr/>
-          </a:p>
+          <a:p/>
           <a:p>
             <a:r>
               <a:t>அ) இறந்த இழை</a:t>
             </a:r>
           </a:p>
-          <a:p>
-            <a:endParaRPr/>
-          </a:p>
+          <a:p/>
           <a:p>
             <a:r>
               <a:t>ஆ) பின்செல் இழை</a:t>
             </a:r>
           </a:p>
-          <a:p>
-            <a:endParaRPr/>
-          </a:p>
+          <a:p/>
           <a:p>
             <a:r>
               <a:t>இ) முன்செல் இழை</a:t>
             </a:r>
           </a:p>
-          <a:p>
-            <a:endParaRPr/>
-          </a:p>
+          <a:p/>
           <a:p>
             <a:r>
               <a:t>ஈ) மேற் கூறிய அனைத்தும்</a:t>
@@ -20542,7 +17648,7 @@
 </file>
 
 <file path=ppt/slides/slide93.xml><?xml version="1.0" encoding="utf-8"?>
-<p:sld xmlns:a="http://schemas.openxmlformats.org/drawingml/2006/main" xmlns:r="http://schemas.openxmlformats.org/officeDocument/2006/relationships" xmlns:p="http://schemas.openxmlformats.org/presentationml/2006/main">
+<p:sld xmlns:a="http://schemas.openxmlformats.org/drawingml/2006/main" xmlns:p="http://schemas.openxmlformats.org/presentationml/2006/main" xmlns:r="http://schemas.openxmlformats.org/officeDocument/2006/relationships">
   <p:cSld>
     <p:spTree>
       <p:nvGrpSpPr>
@@ -20550,14 +17656,7 @@
         <p:cNvGrpSpPr/>
         <p:nvPr/>
       </p:nvGrpSpPr>
-      <p:grpSpPr>
-        <a:xfrm>
-          <a:off x="0" y="0"/>
-          <a:ext cx="0" cy="0"/>
-          <a:chOff x="0" y="0"/>
-          <a:chExt cx="0" cy="0"/>
-        </a:xfrm>
-      </p:grpSpPr>
+      <p:grpSpPr/>
       <p:sp>
         <p:nvSpPr>
           <p:cNvPr id="2" name="Rectangle 1"/>
@@ -20626,9 +17725,7 @@
             <a:spAutoFit/>
           </a:bodyPr>
           <a:lstStyle/>
-          <a:p>
-            <a:endParaRPr/>
-          </a:p>
+          <a:p/>
           <a:p>
             <a:pPr>
               <a:defRPr sz="2000" b="1">
@@ -20642,17 +17739,13 @@
               <a:t>Q - 46  DNA இரட்டிப்பாதலில் புதிய இழைகள் சிறு துண்டுகளிலிருந்து உருவாதல் மற்றும் சேர்ந்து இணைகிறது. இப்புதிய இழையை எவ்வாறு அழைக்கலாம்?</a:t>
             </a:r>
           </a:p>
-          <a:p>
-            <a:endParaRPr/>
-          </a:p>
+          <a:p/>
           <a:p>
             <a:r>
               <a:t>AIIMS - 1994</a:t>
             </a:r>
           </a:p>
-          <a:p>
-            <a:endParaRPr/>
-          </a:p>
+          <a:p/>
           <a:p>
             <a:pPr>
               <a:defRPr sz="2000" b="1">
@@ -20705,7 +17798,7 @@
 </file>
 
 <file path=ppt/slides/slide94.xml><?xml version="1.0" encoding="utf-8"?>
-<p:sld xmlns:a="http://schemas.openxmlformats.org/drawingml/2006/main" xmlns:r="http://schemas.openxmlformats.org/officeDocument/2006/relationships" xmlns:p="http://schemas.openxmlformats.org/presentationml/2006/main">
+<p:sld xmlns:a="http://schemas.openxmlformats.org/drawingml/2006/main" xmlns:p="http://schemas.openxmlformats.org/presentationml/2006/main" xmlns:r="http://schemas.openxmlformats.org/officeDocument/2006/relationships">
   <p:cSld>
     <p:spTree>
       <p:nvGrpSpPr>
@@ -20713,14 +17806,7 @@
         <p:cNvGrpSpPr/>
         <p:nvPr/>
       </p:nvGrpSpPr>
-      <p:grpSpPr>
-        <a:xfrm>
-          <a:off x="0" y="0"/>
-          <a:ext cx="0" cy="0"/>
-          <a:chOff x="0" y="0"/>
-          <a:chExt cx="0" cy="0"/>
-        </a:xfrm>
-      </p:grpSpPr>
+      <p:grpSpPr/>
       <p:sp>
         <p:nvSpPr>
           <p:cNvPr id="2" name="Rectangle 1"/>
@@ -20777,21 +17863,19 @@
         <p:spPr>
           <a:xfrm>
             <a:off x="457200" y="1005840"/>
-            <a:ext cx="4220752" cy="4031873"/>
-          </a:xfrm>
-          <a:prstGeom prst="rect">
-            <a:avLst/>
-          </a:prstGeom>
-          <a:noFill/>
-        </p:spPr>
-        <p:txBody>
-          <a:bodyPr wrap="square">
-            <a:spAutoFit/>
-          </a:bodyPr>
-          <a:lstStyle/>
-          <a:p>
-            <a:endParaRPr sz="1600" dirty="0"/>
-          </a:p>
+            <a:ext cx="7315200" cy="3657600"/>
+          </a:xfrm>
+          <a:prstGeom prst="rect">
+            <a:avLst/>
+          </a:prstGeom>
+          <a:noFill/>
+        </p:spPr>
+        <p:txBody>
+          <a:bodyPr wrap="square">
+            <a:spAutoFit/>
+          </a:bodyPr>
+          <a:lstStyle/>
+          <a:p/>
           <a:p>
             <a:pPr>
               <a:defRPr sz="2000" b="1">
@@ -20802,206 +17886,37 @@
               </a:defRPr>
             </a:pPr>
             <a:r>
-              <a:rPr sz="1600" dirty="0"/>
-              <a:t>Q </a:t>
-            </a:r>
-            <a:r>
-              <a:rPr lang="en-US" sz="1600" dirty="0"/>
-              <a:t>–</a:t>
-            </a:r>
-            <a:r>
-              <a:rPr sz="1600" dirty="0"/>
-              <a:t> 47</a:t>
-            </a:r>
-            <a:r>
-              <a:rPr lang="en-US" sz="1600" dirty="0"/>
-              <a:t> DNA </a:t>
-            </a:r>
-            <a:r>
-              <a:rPr lang="ta-IN" sz="1600" dirty="0"/>
-              <a:t>இரட்டிப்பாதலை குறிக்கக்கூடிய தவறான பட விளக்க கூற்று யாது?</a:t>
-            </a:r>
-            <a:endParaRPr lang="en-US" sz="1600" dirty="0"/>
-          </a:p>
-          <a:p>
-            <a:pPr>
-              <a:defRPr sz="2000" b="1">
-                <a:solidFill>
-                  <a:srgbClr val="FF0000"/>
-                </a:solidFill>
-                <a:latin typeface="Calibri"/>
-              </a:defRPr>
-            </a:pPr>
-            <a:endParaRPr sz="1600" dirty="0"/>
-          </a:p>
-          <a:p>
-            <a:r>
-              <a:rPr sz="1600" dirty="0"/>
+              <a:t>Q - 47  Diagram</a:t>
+            </a:r>
+          </a:p>
+          <a:p/>
+          <a:p>
+            <a:r>
               <a:t>AIIMS - 2009</a:t>
             </a:r>
           </a:p>
-          <a:p>
-            <a:endParaRPr sz="1600" dirty="0"/>
-          </a:p>
-          <a:p>
-            <a:r>
-              <a:rPr sz="1600" dirty="0"/>
-              <a:t>அ) DNA </a:t>
-            </a:r>
-            <a:r>
-              <a:rPr sz="1600" dirty="0" err="1"/>
-              <a:t>இரட்டிப்பாதலின்</a:t>
-            </a:r>
-            <a:r>
-              <a:rPr sz="1600" dirty="0"/>
-              <a:t> </a:t>
-            </a:r>
-            <a:r>
-              <a:rPr sz="1600" dirty="0" err="1"/>
-              <a:t>திசையைக்</a:t>
-            </a:r>
-            <a:r>
-              <a:rPr sz="1600" dirty="0"/>
-              <a:t> </a:t>
-            </a:r>
-            <a:r>
-              <a:rPr sz="1600" dirty="0" err="1"/>
-              <a:t>குறிப்பிடும்</a:t>
-            </a:r>
-            <a:r>
-              <a:rPr sz="1600" dirty="0"/>
-              <a:t> </a:t>
-            </a:r>
-            <a:r>
-              <a:rPr sz="1600" dirty="0" err="1"/>
-              <a:t>இழை</a:t>
-            </a:r>
-            <a:r>
-              <a:rPr sz="1600" dirty="0"/>
-              <a:t> (</a:t>
-            </a:r>
-            <a:r>
-              <a:rPr sz="1600" dirty="0" err="1"/>
-              <a:t>i</a:t>
-            </a:r>
-            <a:r>
-              <a:rPr sz="1600" dirty="0"/>
-              <a:t>)</a:t>
-            </a:r>
-          </a:p>
-          <a:p>
-            <a:endParaRPr sz="1600" dirty="0"/>
-          </a:p>
-          <a:p>
-            <a:r>
-              <a:rPr sz="1600" dirty="0"/>
-              <a:t>ஆ) DNA </a:t>
-            </a:r>
-            <a:r>
-              <a:rPr sz="1600" dirty="0" err="1"/>
-              <a:t>இரட்டிப்பாதலின்</a:t>
-            </a:r>
-            <a:r>
-              <a:rPr sz="1600" dirty="0"/>
-              <a:t> </a:t>
-            </a:r>
-            <a:r>
-              <a:rPr sz="1600" dirty="0" err="1"/>
-              <a:t>திசையைக்</a:t>
-            </a:r>
-            <a:r>
-              <a:rPr sz="1600" dirty="0"/>
-              <a:t> </a:t>
-            </a:r>
-            <a:r>
-              <a:rPr sz="1600" dirty="0" err="1"/>
-              <a:t>குறிப்பிடும்</a:t>
-            </a:r>
-            <a:r>
-              <a:rPr sz="1600" dirty="0"/>
-              <a:t> </a:t>
-            </a:r>
-            <a:r>
-              <a:rPr sz="1600" dirty="0" err="1"/>
-              <a:t>இழை</a:t>
-            </a:r>
-            <a:r>
-              <a:rPr sz="1600" dirty="0"/>
-              <a:t> (ii)</a:t>
-            </a:r>
-          </a:p>
-          <a:p>
-            <a:endParaRPr sz="1600" dirty="0"/>
-          </a:p>
-          <a:p>
-            <a:r>
-              <a:rPr sz="1600" dirty="0"/>
-              <a:t>இ) </a:t>
-            </a:r>
-            <a:r>
-              <a:rPr sz="1600" dirty="0" err="1"/>
-              <a:t>தொடர்ச்சியற்ற</a:t>
-            </a:r>
-            <a:r>
-              <a:rPr sz="1600" dirty="0"/>
-              <a:t> </a:t>
-            </a:r>
-            <a:r>
-              <a:rPr sz="1600" dirty="0" err="1"/>
-              <a:t>இரட்டிப்பாதல்</a:t>
-            </a:r>
-            <a:r>
-              <a:rPr sz="1600" dirty="0"/>
-              <a:t> </a:t>
-            </a:r>
-            <a:r>
-              <a:rPr sz="1600" dirty="0" err="1"/>
-              <a:t>இழை</a:t>
-            </a:r>
-            <a:r>
-              <a:rPr sz="1600" dirty="0"/>
-              <a:t> (</a:t>
-            </a:r>
-            <a:r>
-              <a:rPr sz="1600" dirty="0" err="1"/>
-              <a:t>i</a:t>
-            </a:r>
-            <a:r>
-              <a:rPr sz="1600" dirty="0"/>
-              <a:t>)</a:t>
-            </a:r>
-          </a:p>
-          <a:p>
-            <a:endParaRPr sz="1600" dirty="0"/>
-          </a:p>
-          <a:p>
-            <a:r>
-              <a:rPr sz="1600" dirty="0"/>
-              <a:t>ஈ) </a:t>
-            </a:r>
-            <a:r>
-              <a:rPr sz="1600" dirty="0" err="1"/>
-              <a:t>தொடர்ச்சியற்ற</a:t>
-            </a:r>
-            <a:r>
-              <a:rPr sz="1600" dirty="0"/>
-              <a:t> </a:t>
-            </a:r>
-            <a:r>
-              <a:rPr sz="1600" dirty="0" err="1"/>
-              <a:t>இரட்டிப்பாதல்</a:t>
-            </a:r>
-            <a:r>
-              <a:rPr sz="1600" dirty="0"/>
-              <a:t> </a:t>
-            </a:r>
-            <a:r>
-              <a:rPr sz="1600" dirty="0" err="1"/>
-              <a:t>இழை</a:t>
-            </a:r>
-            <a:r>
-              <a:rPr sz="1600" dirty="0"/>
-              <a:t> (ii)</a:t>
+          <a:p/>
+          <a:p>
+            <a:r>
+              <a:t>அ) DNA இரட்டிப்பாதலின் திசையைக் குறிப்பிடும் இழை (i)</a:t>
+            </a:r>
+          </a:p>
+          <a:p/>
+          <a:p>
+            <a:r>
+              <a:t>ஆ) DNA இரட்டிப்பாதலின் திசையைக் குறிப்பிடும் இழை (ii)</a:t>
+            </a:r>
+          </a:p>
+          <a:p/>
+          <a:p>
+            <a:r>
+              <a:t>இ) தொடர்ச்சியற்ற இரட்டிப்பாதல் இழை (i)</a:t>
+            </a:r>
+          </a:p>
+          <a:p/>
+          <a:p>
+            <a:r>
+              <a:t>ஈ) தொடர்ச்சியற்ற இரட்டிப்பாதல் இழை (ii)</a:t>
             </a:r>
           </a:p>
         </p:txBody>
@@ -21034,36 +17949,6 @@
           </a:p>
         </p:txBody>
       </p:sp>
-      <p:pic>
-        <p:nvPicPr>
-          <p:cNvPr id="6" name="Picture 5">
-            <a:extLst>
-              <a:ext uri="{FF2B5EF4-FFF2-40B4-BE49-F238E27FC236}">
-                <a16:creationId xmlns:a16="http://schemas.microsoft.com/office/drawing/2014/main" id="{EC00DB3C-4280-4217-A825-18FB9A7028F5}"/>
-              </a:ext>
-            </a:extLst>
-          </p:cNvPr>
-          <p:cNvPicPr>
-            <a:picLocks noChangeAspect="1"/>
-          </p:cNvPicPr>
-          <p:nvPr/>
-        </p:nvPicPr>
-        <p:blipFill>
-          <a:blip r:embed="rId2"/>
-          <a:stretch>
-            <a:fillRect/>
-          </a:stretch>
-        </p:blipFill>
-        <p:spPr>
-          <a:xfrm>
-            <a:off x="4677952" y="1195615"/>
-            <a:ext cx="4229467" cy="3200677"/>
-          </a:xfrm>
-          <a:prstGeom prst="rect">
-            <a:avLst/>
-          </a:prstGeom>
-        </p:spPr>
-      </p:pic>
     </p:spTree>
   </p:cSld>
   <p:clrMapOvr>
@@ -21073,7 +17958,7 @@
 </file>
 
 <file path=ppt/slides/slide95.xml><?xml version="1.0" encoding="utf-8"?>
-<p:sld xmlns:a="http://schemas.openxmlformats.org/drawingml/2006/main" xmlns:r="http://schemas.openxmlformats.org/officeDocument/2006/relationships" xmlns:p="http://schemas.openxmlformats.org/presentationml/2006/main">
+<p:sld xmlns:a="http://schemas.openxmlformats.org/drawingml/2006/main" xmlns:p="http://schemas.openxmlformats.org/presentationml/2006/main" xmlns:r="http://schemas.openxmlformats.org/officeDocument/2006/relationships">
   <p:cSld>
     <p:spTree>
       <p:nvGrpSpPr>
@@ -21081,14 +17966,7 @@
         <p:cNvGrpSpPr/>
         <p:nvPr/>
       </p:nvGrpSpPr>
-      <p:grpSpPr>
-        <a:xfrm>
-          <a:off x="0" y="0"/>
-          <a:ext cx="0" cy="0"/>
-          <a:chOff x="0" y="0"/>
-          <a:chExt cx="0" cy="0"/>
-        </a:xfrm>
-      </p:grpSpPr>
+      <p:grpSpPr/>
       <p:sp>
         <p:nvSpPr>
           <p:cNvPr id="2" name="Rectangle 1"/>
@@ -21145,21 +18023,19 @@
         <p:spPr>
           <a:xfrm>
             <a:off x="457200" y="1005840"/>
-            <a:ext cx="4220752" cy="2369880"/>
-          </a:xfrm>
-          <a:prstGeom prst="rect">
-            <a:avLst/>
-          </a:prstGeom>
-          <a:noFill/>
-        </p:spPr>
-        <p:txBody>
-          <a:bodyPr wrap="square">
-            <a:spAutoFit/>
-          </a:bodyPr>
-          <a:lstStyle/>
-          <a:p>
-            <a:endParaRPr sz="1600" dirty="0"/>
-          </a:p>
+            <a:ext cx="7315200" cy="3657600"/>
+          </a:xfrm>
+          <a:prstGeom prst="rect">
+            <a:avLst/>
+          </a:prstGeom>
+          <a:noFill/>
+        </p:spPr>
+        <p:txBody>
+          <a:bodyPr wrap="square">
+            <a:spAutoFit/>
+          </a:bodyPr>
+          <a:lstStyle/>
+          <a:p/>
           <a:p>
             <a:pPr>
               <a:defRPr sz="2000" b="1">
@@ -21170,47 +18046,16 @@
               </a:defRPr>
             </a:pPr>
             <a:r>
-              <a:rPr sz="1600" dirty="0"/>
-              <a:t>Q </a:t>
-            </a:r>
-            <a:r>
-              <a:rPr lang="en-US" sz="1600" dirty="0"/>
-              <a:t>–</a:t>
-            </a:r>
-            <a:r>
-              <a:rPr sz="1600" dirty="0"/>
-              <a:t> 47</a:t>
-            </a:r>
-            <a:r>
-              <a:rPr lang="en-US" sz="1600" dirty="0"/>
-              <a:t> DNA </a:t>
-            </a:r>
-            <a:r>
-              <a:rPr lang="ta-IN" sz="1600" dirty="0"/>
-              <a:t>இரட்டிப்பாதலை குறிக்கக்கூடிய தவறான பட விளக்க கூற்று யாது?</a:t>
-            </a:r>
-            <a:endParaRPr lang="en-US" sz="1600" dirty="0"/>
-          </a:p>
-          <a:p>
-            <a:pPr>
-              <a:defRPr sz="2000" b="1">
-                <a:solidFill>
-                  <a:srgbClr val="FF0000"/>
-                </a:solidFill>
-                <a:latin typeface="Calibri"/>
-              </a:defRPr>
-            </a:pPr>
-            <a:endParaRPr sz="1600" dirty="0"/>
-          </a:p>
-          <a:p>
-            <a:r>
-              <a:rPr sz="1600" dirty="0"/>
+              <a:t>Q - 47  Diagram</a:t>
+            </a:r>
+          </a:p>
+          <a:p/>
+          <a:p>
+            <a:r>
               <a:t>AIIMS - 2009</a:t>
             </a:r>
           </a:p>
-          <a:p>
-            <a:endParaRPr sz="1600" dirty="0"/>
-          </a:p>
+          <a:p/>
           <a:p>
             <a:pPr>
               <a:defRPr sz="2000" b="1">
@@ -21221,16 +18066,7 @@
               </a:defRPr>
             </a:pPr>
             <a:r>
-              <a:rPr lang="ta-IN" sz="1600" dirty="0"/>
-              <a:t>இ) தொடர்ச்சியற்ற இரட்டிப்பாதல் இழை (</a:t>
-            </a:r>
-            <a:r>
-              <a:rPr lang="en-US" sz="1600" dirty="0" err="1"/>
-              <a:t>i</a:t>
-            </a:r>
-            <a:r>
-              <a:rPr lang="en-US" sz="1600" dirty="0"/>
-              <a:t>)</a:t>
+              <a:t>இ) தொடர்ச்சியற்ற இரட்டிப்பாதல் இழை (i)</a:t>
             </a:r>
           </a:p>
         </p:txBody>
@@ -21263,42 +18099,7 @@
           </a:p>
         </p:txBody>
       </p:sp>
-      <p:pic>
-        <p:nvPicPr>
-          <p:cNvPr id="6" name="Picture 5">
-            <a:extLst>
-              <a:ext uri="{FF2B5EF4-FFF2-40B4-BE49-F238E27FC236}">
-                <a16:creationId xmlns:a16="http://schemas.microsoft.com/office/drawing/2014/main" id="{EC00DB3C-4280-4217-A825-18FB9A7028F5}"/>
-              </a:ext>
-            </a:extLst>
-          </p:cNvPr>
-          <p:cNvPicPr>
-            <a:picLocks noChangeAspect="1"/>
-          </p:cNvPicPr>
-          <p:nvPr/>
-        </p:nvPicPr>
-        <p:blipFill>
-          <a:blip r:embed="rId2"/>
-          <a:stretch>
-            <a:fillRect/>
-          </a:stretch>
-        </p:blipFill>
-        <p:spPr>
-          <a:xfrm>
-            <a:off x="4677952" y="1195615"/>
-            <a:ext cx="4229467" cy="3200677"/>
-          </a:xfrm>
-          <a:prstGeom prst="rect">
-            <a:avLst/>
-          </a:prstGeom>
-        </p:spPr>
-      </p:pic>
     </p:spTree>
-    <p:extLst>
-      <p:ext uri="{BB962C8B-B14F-4D97-AF65-F5344CB8AC3E}">
-        <p14:creationId xmlns:p14="http://schemas.microsoft.com/office/powerpoint/2010/main" val="501901387"/>
-      </p:ext>
-    </p:extLst>
   </p:cSld>
   <p:clrMapOvr>
     <a:masterClrMapping/>
@@ -21307,7 +18108,7 @@
 </file>
 
 <file path=ppt/slides/slide96.xml><?xml version="1.0" encoding="utf-8"?>
-<p:sld xmlns:a="http://schemas.openxmlformats.org/drawingml/2006/main" xmlns:r="http://schemas.openxmlformats.org/officeDocument/2006/relationships" xmlns:p="http://schemas.openxmlformats.org/presentationml/2006/main">
+<p:sld xmlns:a="http://schemas.openxmlformats.org/drawingml/2006/main" xmlns:p="http://schemas.openxmlformats.org/presentationml/2006/main" xmlns:r="http://schemas.openxmlformats.org/officeDocument/2006/relationships">
   <p:cSld>
     <p:spTree>
       <p:nvGrpSpPr>
@@ -21315,14 +18116,7 @@
         <p:cNvGrpSpPr/>
         <p:nvPr/>
       </p:nvGrpSpPr>
-      <p:grpSpPr>
-        <a:xfrm>
-          <a:off x="0" y="0"/>
-          <a:ext cx="0" cy="0"/>
-          <a:chOff x="0" y="0"/>
-          <a:chExt cx="0" cy="0"/>
-        </a:xfrm>
-      </p:grpSpPr>
+      <p:grpSpPr/>
       <p:sp>
         <p:nvSpPr>
           <p:cNvPr id="2" name="Rectangle 1"/>
@@ -21391,9 +18185,7 @@
             <a:spAutoFit/>
           </a:bodyPr>
           <a:lstStyle/>
-          <a:p>
-            <a:endParaRPr/>
-          </a:p>
+          <a:p/>
           <a:p>
             <a:pPr>
               <a:defRPr sz="2000" b="1">
@@ -21407,41 +18199,31 @@
               <a:t>Q - 48  DNA பெருக்கம் என்பது?</a:t>
             </a:r>
           </a:p>
-          <a:p>
-            <a:endParaRPr/>
-          </a:p>
+          <a:p/>
           <a:p>
             <a:r>
               <a:t>JIPMER - 2009</a:t>
             </a:r>
           </a:p>
-          <a:p>
-            <a:endParaRPr/>
-          </a:p>
+          <a:p/>
           <a:p>
             <a:r>
               <a:t>அ) மரபுச்செய்திப் பெயர்வு</a:t>
             </a:r>
           </a:p>
-          <a:p>
-            <a:endParaRPr/>
-          </a:p>
+          <a:p/>
           <a:p>
             <a:r>
               <a:t>ஆ) இரட்டிப்பாதல்</a:t>
             </a:r>
           </a:p>
-          <a:p>
-            <a:endParaRPr/>
-          </a:p>
+          <a:p/>
           <a:p>
             <a:r>
               <a:t>இ) ஊடு கடத்தல்</a:t>
             </a:r>
           </a:p>
-          <a:p>
-            <a:endParaRPr/>
-          </a:p>
+          <a:p/>
           <a:p>
             <a:r>
               <a:t>ஈ) படியெடுத்தல்</a:t>
@@ -21486,7 +18268,7 @@
 </file>
 
 <file path=ppt/slides/slide97.xml><?xml version="1.0" encoding="utf-8"?>
-<p:sld xmlns:a="http://schemas.openxmlformats.org/drawingml/2006/main" xmlns:r="http://schemas.openxmlformats.org/officeDocument/2006/relationships" xmlns:p="http://schemas.openxmlformats.org/presentationml/2006/main">
+<p:sld xmlns:a="http://schemas.openxmlformats.org/drawingml/2006/main" xmlns:p="http://schemas.openxmlformats.org/presentationml/2006/main" xmlns:r="http://schemas.openxmlformats.org/officeDocument/2006/relationships">
   <p:cSld>
     <p:spTree>
       <p:nvGrpSpPr>
@@ -21494,14 +18276,7 @@
         <p:cNvGrpSpPr/>
         <p:nvPr/>
       </p:nvGrpSpPr>
-      <p:grpSpPr>
-        <a:xfrm>
-          <a:off x="0" y="0"/>
-          <a:ext cx="0" cy="0"/>
-          <a:chOff x="0" y="0"/>
-          <a:chExt cx="0" cy="0"/>
-        </a:xfrm>
-      </p:grpSpPr>
+      <p:grpSpPr/>
       <p:sp>
         <p:nvSpPr>
           <p:cNvPr id="2" name="Rectangle 1"/>
@@ -21570,9 +18345,7 @@
             <a:spAutoFit/>
           </a:bodyPr>
           <a:lstStyle/>
-          <a:p>
-            <a:endParaRPr/>
-          </a:p>
+          <a:p/>
           <a:p>
             <a:pPr>
               <a:defRPr sz="2000" b="1">
@@ -21586,17 +18359,13 @@
               <a:t>Q - 48  DNA பெருக்கம் என்பது?</a:t>
             </a:r>
           </a:p>
-          <a:p>
-            <a:endParaRPr/>
-          </a:p>
+          <a:p/>
           <a:p>
             <a:r>
               <a:t>JIPMER - 2009</a:t>
             </a:r>
           </a:p>
-          <a:p>
-            <a:endParaRPr/>
-          </a:p>
+          <a:p/>
           <a:p>
             <a:pPr>
               <a:defRPr sz="2000" b="1">
@@ -21649,7 +18418,7 @@
 </file>
 
 <file path=ppt/slides/slide98.xml><?xml version="1.0" encoding="utf-8"?>
-<p:sld xmlns:a="http://schemas.openxmlformats.org/drawingml/2006/main" xmlns:r="http://schemas.openxmlformats.org/officeDocument/2006/relationships" xmlns:p="http://schemas.openxmlformats.org/presentationml/2006/main">
+<p:sld xmlns:a="http://schemas.openxmlformats.org/drawingml/2006/main" xmlns:p="http://schemas.openxmlformats.org/presentationml/2006/main" xmlns:r="http://schemas.openxmlformats.org/officeDocument/2006/relationships">
   <p:cSld>
     <p:spTree>
       <p:nvGrpSpPr>
@@ -21657,14 +18426,7 @@
         <p:cNvGrpSpPr/>
         <p:nvPr/>
       </p:nvGrpSpPr>
-      <p:grpSpPr>
-        <a:xfrm>
-          <a:off x="0" y="0"/>
-          <a:ext cx="0" cy="0"/>
-          <a:chOff x="0" y="0"/>
-          <a:chExt cx="0" cy="0"/>
-        </a:xfrm>
-      </p:grpSpPr>
+      <p:grpSpPr/>
       <p:sp>
         <p:nvSpPr>
           <p:cNvPr id="2" name="Rectangle 1"/>
@@ -21733,9 +18495,7 @@
             <a:spAutoFit/>
           </a:bodyPr>
           <a:lstStyle/>
-          <a:p>
-            <a:endParaRPr/>
-          </a:p>
+          <a:p/>
           <a:p>
             <a:pPr>
               <a:defRPr sz="2000" b="1">
@@ -21749,41 +18509,31 @@
               <a:t>Q - 49  குரோமோசோமின் முழு தொகுதி ஒரே அலகாக ஒரு பெற்றோரிடமிருந்து பாரம்பரியமாதல் என்பது </a:t>
             </a:r>
           </a:p>
-          <a:p>
-            <a:endParaRPr/>
-          </a:p>
+          <a:p/>
           <a:p>
             <a:r>
               <a:t>AIIMS - 1994</a:t>
             </a:r>
           </a:p>
-          <a:p>
-            <a:endParaRPr/>
-          </a:p>
+          <a:p/>
           <a:p>
             <a:r>
               <a:t>அ) மரபணுத் தொகையம்</a:t>
             </a:r>
           </a:p>
-          <a:p>
-            <a:endParaRPr/>
-          </a:p>
+          <a:p/>
           <a:p>
             <a:r>
               <a:t>ஆ) பிணைப்பு</a:t>
             </a:r>
           </a:p>
-          <a:p>
-            <a:endParaRPr/>
-          </a:p>
+          <a:p/>
           <a:p>
             <a:r>
               <a:t>இ) மரபணு குளம்</a:t>
             </a:r>
           </a:p>
-          <a:p>
-            <a:endParaRPr/>
-          </a:p>
+          <a:p/>
           <a:p>
             <a:r>
               <a:t>ஈ) மரபணுவகையம்</a:t>
@@ -21828,7 +18578,7 @@
 </file>
 
 <file path=ppt/slides/slide99.xml><?xml version="1.0" encoding="utf-8"?>
-<p:sld xmlns:a="http://schemas.openxmlformats.org/drawingml/2006/main" xmlns:r="http://schemas.openxmlformats.org/officeDocument/2006/relationships" xmlns:p="http://schemas.openxmlformats.org/presentationml/2006/main">
+<p:sld xmlns:a="http://schemas.openxmlformats.org/drawingml/2006/main" xmlns:p="http://schemas.openxmlformats.org/presentationml/2006/main" xmlns:r="http://schemas.openxmlformats.org/officeDocument/2006/relationships">
   <p:cSld>
     <p:spTree>
       <p:nvGrpSpPr>
@@ -21836,14 +18586,7 @@
         <p:cNvGrpSpPr/>
         <p:nvPr/>
       </p:nvGrpSpPr>
-      <p:grpSpPr>
-        <a:xfrm>
-          <a:off x="0" y="0"/>
-          <a:ext cx="0" cy="0"/>
-          <a:chOff x="0" y="0"/>
-          <a:chExt cx="0" cy="0"/>
-        </a:xfrm>
-      </p:grpSpPr>
+      <p:grpSpPr/>
       <p:sp>
         <p:nvSpPr>
           <p:cNvPr id="2" name="Rectangle 1"/>
@@ -21912,9 +18655,7 @@
             <a:spAutoFit/>
           </a:bodyPr>
           <a:lstStyle/>
-          <a:p>
-            <a:endParaRPr/>
-          </a:p>
+          <a:p/>
           <a:p>
             <a:pPr>
               <a:defRPr sz="2000" b="1">
@@ -21928,17 +18669,13 @@
               <a:t>Q - 49  குரோமோசோமின் முழு தொகுதி ஒரே அலகாக ஒரு பெற்றோரிடமிருந்து பாரம்பரியமாதல் என்பது </a:t>
             </a:r>
           </a:p>
-          <a:p>
-            <a:endParaRPr/>
-          </a:p>
+          <a:p/>
           <a:p>
             <a:r>
               <a:t>AIIMS - 1994</a:t>
             </a:r>
           </a:p>
-          <a:p>
-            <a:endParaRPr/>
-          </a:p>
+          <a:p/>
           <a:p>
             <a:pPr>
               <a:defRPr sz="2000" b="1">
